--- a/TB/Presentation1.pptx
+++ b/TB/Presentation1.pptx
@@ -2,13 +2,22 @@
 <file path=ppt/presentation.xml><?xml version="1.0" encoding="utf-8"?>
 <p:presentation xmlns:a="http://schemas.openxmlformats.org/drawingml/2006/main" xmlns:r="http://schemas.openxmlformats.org/officeDocument/2006/relationships" xmlns:p="http://schemas.openxmlformats.org/presentationml/2006/main" saveSubsetFonts="1">
   <p:sldMasterIdLst>
-    <p:sldMasterId id="2147483648" r:id="rId1"/>
+    <p:sldMasterId id="2147483660" r:id="rId1"/>
   </p:sldMasterIdLst>
   <p:sldIdLst>
     <p:sldId id="256" r:id="rId2"/>
     <p:sldId id="257" r:id="rId3"/>
     <p:sldId id="258" r:id="rId4"/>
     <p:sldId id="259" r:id="rId5"/>
+    <p:sldId id="260" r:id="rId6"/>
+    <p:sldId id="261" r:id="rId7"/>
+    <p:sldId id="262" r:id="rId8"/>
+    <p:sldId id="263" r:id="rId9"/>
+    <p:sldId id="268" r:id="rId10"/>
+    <p:sldId id="264" r:id="rId11"/>
+    <p:sldId id="265" r:id="rId12"/>
+    <p:sldId id="266" r:id="rId13"/>
+    <p:sldId id="267" r:id="rId14"/>
   </p:sldIdLst>
   <p:sldSz cx="12192000" cy="6858000"/>
   <p:notesSz cx="6858000" cy="9144000"/>
@@ -107,11 +116,16 @@
       </a:defRPr>
     </a:lvl9pPr>
   </p:defaultTextStyle>
+  <p:extLst>
+    <p:ext uri="{EFAFB233-063F-42B5-8137-9DF3F51BA10A}">
+      <p15:sldGuideLst xmlns:p15="http://schemas.microsoft.com/office/powerpoint/2012/main"/>
+    </p:ext>
+  </p:extLst>
 </p:presentation>
 </file>
 
 <file path=ppt/slideLayouts/slideLayout1.xml><?xml version="1.0" encoding="utf-8"?>
-<p:sldLayout xmlns:a="http://schemas.openxmlformats.org/drawingml/2006/main" xmlns:r="http://schemas.openxmlformats.org/officeDocument/2006/relationships" xmlns:p="http://schemas.openxmlformats.org/presentationml/2006/main" type="title" preserve="1">
+<p:sldLayout xmlns:a="http://schemas.openxmlformats.org/drawingml/2006/main" xmlns:r="http://schemas.openxmlformats.org/officeDocument/2006/relationships" xmlns:p="http://schemas.openxmlformats.org/presentationml/2006/main" showMasterSp="0" type="title" preserve="1">
   <p:cSld name="Title Slide">
     <p:spTree>
       <p:nvGrpSpPr>
@@ -127,6 +141,319 @@
           <a:chExt cx="0" cy="0"/>
         </a:xfrm>
       </p:grpSpPr>
+      <p:grpSp>
+        <p:nvGrpSpPr>
+          <p:cNvPr id="19" name="Group 18"/>
+          <p:cNvGrpSpPr/>
+          <p:nvPr/>
+        </p:nvGrpSpPr>
+        <p:grpSpPr>
+          <a:xfrm>
+            <a:off x="546100" y="-4763"/>
+            <a:ext cx="5014912" cy="6862763"/>
+            <a:chOff x="2928938" y="-4763"/>
+            <a:chExt cx="5014912" cy="6862763"/>
+          </a:xfrm>
+        </p:grpSpPr>
+        <p:sp>
+          <p:nvSpPr>
+            <p:cNvPr id="22" name="Freeform 6"/>
+            <p:cNvSpPr/>
+            <p:nvPr/>
+          </p:nvSpPr>
+          <p:spPr bwMode="auto">
+            <a:xfrm>
+              <a:off x="3367088" y="-4763"/>
+              <a:ext cx="1063625" cy="2782888"/>
+            </a:xfrm>
+            <a:custGeom>
+              <a:avLst/>
+              <a:gdLst/>
+              <a:ahLst/>
+              <a:cxnLst/>
+              <a:rect l="0" t="0" r="r" b="b"/>
+              <a:pathLst>
+                <a:path w="670" h="1753">
+                  <a:moveTo>
+                    <a:pt x="0" y="1696"/>
+                  </a:moveTo>
+                  <a:lnTo>
+                    <a:pt x="225" y="1753"/>
+                  </a:lnTo>
+                  <a:lnTo>
+                    <a:pt x="670" y="0"/>
+                  </a:lnTo>
+                  <a:lnTo>
+                    <a:pt x="430" y="0"/>
+                  </a:lnTo>
+                  <a:lnTo>
+                    <a:pt x="0" y="1696"/>
+                  </a:lnTo>
+                  <a:close/>
+                </a:path>
+              </a:pathLst>
+            </a:custGeom>
+            <a:solidFill>
+              <a:schemeClr val="accent1"/>
+            </a:solidFill>
+            <a:ln>
+              <a:noFill/>
+            </a:ln>
+          </p:spPr>
+        </p:sp>
+        <p:sp>
+          <p:nvSpPr>
+            <p:cNvPr id="23" name="Freeform 7"/>
+            <p:cNvSpPr/>
+            <p:nvPr/>
+          </p:nvSpPr>
+          <p:spPr bwMode="auto">
+            <a:xfrm>
+              <a:off x="2928938" y="-4763"/>
+              <a:ext cx="1035050" cy="2673350"/>
+            </a:xfrm>
+            <a:custGeom>
+              <a:avLst/>
+              <a:gdLst/>
+              <a:ahLst/>
+              <a:cxnLst/>
+              <a:rect l="0" t="0" r="r" b="b"/>
+              <a:pathLst>
+                <a:path w="652" h="1684">
+                  <a:moveTo>
+                    <a:pt x="225" y="1684"/>
+                  </a:moveTo>
+                  <a:lnTo>
+                    <a:pt x="652" y="0"/>
+                  </a:lnTo>
+                  <a:lnTo>
+                    <a:pt x="411" y="0"/>
+                  </a:lnTo>
+                  <a:lnTo>
+                    <a:pt x="0" y="1627"/>
+                  </a:lnTo>
+                  <a:lnTo>
+                    <a:pt x="219" y="1681"/>
+                  </a:lnTo>
+                  <a:lnTo>
+                    <a:pt x="225" y="1684"/>
+                  </a:lnTo>
+                  <a:close/>
+                </a:path>
+              </a:pathLst>
+            </a:custGeom>
+            <a:solidFill>
+              <a:schemeClr val="tx1">
+                <a:lumMod val="65000"/>
+                <a:lumOff val="35000"/>
+              </a:schemeClr>
+            </a:solidFill>
+            <a:ln>
+              <a:noFill/>
+            </a:ln>
+          </p:spPr>
+        </p:sp>
+        <p:sp>
+          <p:nvSpPr>
+            <p:cNvPr id="24" name="Freeform 9"/>
+            <p:cNvSpPr/>
+            <p:nvPr/>
+          </p:nvSpPr>
+          <p:spPr bwMode="auto">
+            <a:xfrm>
+              <a:off x="2928938" y="2582862"/>
+              <a:ext cx="2693987" cy="4275138"/>
+            </a:xfrm>
+            <a:custGeom>
+              <a:avLst/>
+              <a:gdLst/>
+              <a:ahLst/>
+              <a:cxnLst/>
+              <a:rect l="0" t="0" r="r" b="b"/>
+              <a:pathLst>
+                <a:path w="1697" h="2693">
+                  <a:moveTo>
+                    <a:pt x="0" y="0"/>
+                  </a:moveTo>
+                  <a:lnTo>
+                    <a:pt x="1622" y="2693"/>
+                  </a:lnTo>
+                  <a:lnTo>
+                    <a:pt x="1697" y="2693"/>
+                  </a:lnTo>
+                  <a:lnTo>
+                    <a:pt x="0" y="0"/>
+                  </a:lnTo>
+                  <a:close/>
+                </a:path>
+              </a:pathLst>
+            </a:custGeom>
+            <a:solidFill>
+              <a:schemeClr val="tx1">
+                <a:lumMod val="85000"/>
+                <a:lumOff val="15000"/>
+              </a:schemeClr>
+            </a:solidFill>
+            <a:ln>
+              <a:noFill/>
+            </a:ln>
+          </p:spPr>
+        </p:sp>
+        <p:sp>
+          <p:nvSpPr>
+            <p:cNvPr id="25" name="Freeform 10"/>
+            <p:cNvSpPr/>
+            <p:nvPr/>
+          </p:nvSpPr>
+          <p:spPr bwMode="auto">
+            <a:xfrm>
+              <a:off x="3371850" y="2692400"/>
+              <a:ext cx="3332162" cy="4165600"/>
+            </a:xfrm>
+            <a:custGeom>
+              <a:avLst/>
+              <a:gdLst/>
+              <a:ahLst/>
+              <a:cxnLst/>
+              <a:rect l="0" t="0" r="r" b="b"/>
+              <a:pathLst>
+                <a:path w="2099" h="2624">
+                  <a:moveTo>
+                    <a:pt x="2099" y="2624"/>
+                  </a:moveTo>
+                  <a:lnTo>
+                    <a:pt x="0" y="0"/>
+                  </a:lnTo>
+                  <a:lnTo>
+                    <a:pt x="2021" y="2624"/>
+                  </a:lnTo>
+                  <a:lnTo>
+                    <a:pt x="2099" y="2624"/>
+                  </a:lnTo>
+                  <a:close/>
+                </a:path>
+              </a:pathLst>
+            </a:custGeom>
+            <a:solidFill>
+              <a:schemeClr val="accent1">
+                <a:lumMod val="50000"/>
+              </a:schemeClr>
+            </a:solidFill>
+            <a:ln>
+              <a:noFill/>
+            </a:ln>
+          </p:spPr>
+        </p:sp>
+        <p:sp>
+          <p:nvSpPr>
+            <p:cNvPr id="26" name="Freeform 11"/>
+            <p:cNvSpPr/>
+            <p:nvPr/>
+          </p:nvSpPr>
+          <p:spPr bwMode="auto">
+            <a:xfrm>
+              <a:off x="3367088" y="2687637"/>
+              <a:ext cx="4576762" cy="4170363"/>
+            </a:xfrm>
+            <a:custGeom>
+              <a:avLst/>
+              <a:gdLst/>
+              <a:ahLst/>
+              <a:cxnLst/>
+              <a:rect l="0" t="0" r="r" b="b"/>
+              <a:pathLst>
+                <a:path w="2883" h="2627">
+                  <a:moveTo>
+                    <a:pt x="0" y="0"/>
+                  </a:moveTo>
+                  <a:lnTo>
+                    <a:pt x="3" y="3"/>
+                  </a:lnTo>
+                  <a:lnTo>
+                    <a:pt x="2102" y="2627"/>
+                  </a:lnTo>
+                  <a:lnTo>
+                    <a:pt x="2883" y="2627"/>
+                  </a:lnTo>
+                  <a:lnTo>
+                    <a:pt x="225" y="57"/>
+                  </a:lnTo>
+                  <a:lnTo>
+                    <a:pt x="0" y="0"/>
+                  </a:lnTo>
+                  <a:close/>
+                </a:path>
+              </a:pathLst>
+            </a:custGeom>
+            <a:solidFill>
+              <a:schemeClr val="accent1">
+                <a:lumMod val="75000"/>
+              </a:schemeClr>
+            </a:solidFill>
+            <a:ln>
+              <a:noFill/>
+            </a:ln>
+          </p:spPr>
+        </p:sp>
+        <p:sp>
+          <p:nvSpPr>
+            <p:cNvPr id="27" name="Freeform 12"/>
+            <p:cNvSpPr/>
+            <p:nvPr/>
+          </p:nvSpPr>
+          <p:spPr bwMode="auto">
+            <a:xfrm>
+              <a:off x="2928938" y="2578100"/>
+              <a:ext cx="3584575" cy="4279900"/>
+            </a:xfrm>
+            <a:custGeom>
+              <a:avLst/>
+              <a:gdLst/>
+              <a:ahLst/>
+              <a:cxnLst/>
+              <a:rect l="0" t="0" r="r" b="b"/>
+              <a:pathLst>
+                <a:path w="2258" h="2696">
+                  <a:moveTo>
+                    <a:pt x="2258" y="2696"/>
+                  </a:moveTo>
+                  <a:lnTo>
+                    <a:pt x="264" y="111"/>
+                  </a:lnTo>
+                  <a:lnTo>
+                    <a:pt x="228" y="60"/>
+                  </a:lnTo>
+                  <a:lnTo>
+                    <a:pt x="225" y="57"/>
+                  </a:lnTo>
+                  <a:lnTo>
+                    <a:pt x="0" y="0"/>
+                  </a:lnTo>
+                  <a:lnTo>
+                    <a:pt x="0" y="3"/>
+                  </a:lnTo>
+                  <a:lnTo>
+                    <a:pt x="1697" y="2696"/>
+                  </a:lnTo>
+                  <a:lnTo>
+                    <a:pt x="2258" y="2696"/>
+                  </a:lnTo>
+                  <a:close/>
+                </a:path>
+              </a:pathLst>
+            </a:custGeom>
+            <a:solidFill>
+              <a:schemeClr val="tx1">
+                <a:lumMod val="75000"/>
+                <a:lumOff val="25000"/>
+              </a:schemeClr>
+            </a:solidFill>
+            <a:ln>
+              <a:noFill/>
+            </a:ln>
+          </p:spPr>
+        </p:sp>
+      </p:grpSp>
       <p:sp>
         <p:nvSpPr>
           <p:cNvPr id="2" name="Title 1"/>
@@ -139,15 +466,19 @@
         </p:nvSpPr>
         <p:spPr>
           <a:xfrm>
-            <a:off x="1524000" y="1122363"/>
-            <a:ext cx="9144000" cy="2387600"/>
+            <a:off x="2928401" y="1380068"/>
+            <a:ext cx="8574622" cy="2616199"/>
           </a:xfrm>
         </p:spPr>
         <p:txBody>
-          <a:bodyPr anchor="b"/>
+          <a:bodyPr anchor="b">
+            <a:normAutofit/>
+          </a:bodyPr>
           <a:lstStyle>
-            <a:lvl1pPr algn="ctr">
-              <a:defRPr sz="6000"/>
+            <a:lvl1pPr algn="r">
+              <a:defRPr sz="6000">
+                <a:effectLst/>
+              </a:defRPr>
             </a:lvl1pPr>
           </a:lstStyle>
           <a:p>
@@ -155,7 +486,7 @@
               <a:rPr lang="en-US" smtClean="0"/>
               <a:t>Click to edit Master title style</a:t>
             </a:r>
-            <a:endParaRPr lang="en-US"/>
+            <a:endParaRPr lang="en-US" dirty="0"/>
           </a:p>
         </p:txBody>
       </p:sp>
@@ -171,48 +502,102 @@
         </p:nvSpPr>
         <p:spPr>
           <a:xfrm>
-            <a:off x="1524000" y="3602038"/>
-            <a:ext cx="9144000" cy="1655762"/>
+            <a:off x="4515377" y="3996267"/>
+            <a:ext cx="6987645" cy="1388534"/>
           </a:xfrm>
         </p:spPr>
         <p:txBody>
-          <a:bodyPr/>
+          <a:bodyPr anchor="t">
+            <a:normAutofit/>
+          </a:bodyPr>
           <a:lstStyle>
-            <a:lvl1pPr marL="0" indent="0" algn="ctr">
-              <a:buNone/>
-              <a:defRPr sz="2400"/>
+            <a:lvl1pPr marL="0" indent="0" algn="r">
+              <a:buNone/>
+              <a:defRPr sz="2100">
+                <a:solidFill>
+                  <a:schemeClr val="tx1"/>
+                </a:solidFill>
+              </a:defRPr>
             </a:lvl1pPr>
             <a:lvl2pPr marL="457200" indent="0" algn="ctr">
               <a:buNone/>
-              <a:defRPr sz="2000"/>
+              <a:defRPr>
+                <a:solidFill>
+                  <a:schemeClr val="tx1">
+                    <a:tint val="75000"/>
+                  </a:schemeClr>
+                </a:solidFill>
+              </a:defRPr>
             </a:lvl2pPr>
             <a:lvl3pPr marL="914400" indent="0" algn="ctr">
               <a:buNone/>
-              <a:defRPr sz="1800"/>
+              <a:defRPr>
+                <a:solidFill>
+                  <a:schemeClr val="tx1">
+                    <a:tint val="75000"/>
+                  </a:schemeClr>
+                </a:solidFill>
+              </a:defRPr>
             </a:lvl3pPr>
             <a:lvl4pPr marL="1371600" indent="0" algn="ctr">
               <a:buNone/>
-              <a:defRPr sz="1600"/>
+              <a:defRPr>
+                <a:solidFill>
+                  <a:schemeClr val="tx1">
+                    <a:tint val="75000"/>
+                  </a:schemeClr>
+                </a:solidFill>
+              </a:defRPr>
             </a:lvl4pPr>
             <a:lvl5pPr marL="1828800" indent="0" algn="ctr">
               <a:buNone/>
-              <a:defRPr sz="1600"/>
+              <a:defRPr>
+                <a:solidFill>
+                  <a:schemeClr val="tx1">
+                    <a:tint val="75000"/>
+                  </a:schemeClr>
+                </a:solidFill>
+              </a:defRPr>
             </a:lvl5pPr>
             <a:lvl6pPr marL="2286000" indent="0" algn="ctr">
               <a:buNone/>
-              <a:defRPr sz="1600"/>
+              <a:defRPr>
+                <a:solidFill>
+                  <a:schemeClr val="tx1">
+                    <a:tint val="75000"/>
+                  </a:schemeClr>
+                </a:solidFill>
+              </a:defRPr>
             </a:lvl6pPr>
             <a:lvl7pPr marL="2743200" indent="0" algn="ctr">
               <a:buNone/>
-              <a:defRPr sz="1600"/>
+              <a:defRPr>
+                <a:solidFill>
+                  <a:schemeClr val="tx1">
+                    <a:tint val="75000"/>
+                  </a:schemeClr>
+                </a:solidFill>
+              </a:defRPr>
             </a:lvl7pPr>
             <a:lvl8pPr marL="3200400" indent="0" algn="ctr">
               <a:buNone/>
-              <a:defRPr sz="1600"/>
+              <a:defRPr>
+                <a:solidFill>
+                  <a:schemeClr val="tx1">
+                    <a:tint val="75000"/>
+                  </a:schemeClr>
+                </a:solidFill>
+              </a:defRPr>
             </a:lvl8pPr>
             <a:lvl9pPr marL="3657600" indent="0" algn="ctr">
               <a:buNone/>
-              <a:defRPr sz="1600"/>
+              <a:defRPr>
+                <a:solidFill>
+                  <a:schemeClr val="tx1">
+                    <a:tint val="75000"/>
+                  </a:schemeClr>
+                </a:solidFill>
+              </a:defRPr>
             </a:lvl9pPr>
           </a:lstStyle>
           <a:p>
@@ -220,7 +605,7 @@
               <a:rPr lang="en-US" smtClean="0"/>
               <a:t>Click to edit Master subtitle style</a:t>
             </a:r>
-            <a:endParaRPr lang="en-US"/>
+            <a:endParaRPr lang="en-US" dirty="0"/>
           </a:p>
         </p:txBody>
       </p:sp>
@@ -257,7 +642,12 @@
             <p:ph type="ftr" sz="quarter" idx="11"/>
           </p:nvPr>
         </p:nvSpPr>
-        <p:spPr/>
+        <p:spPr>
+          <a:xfrm>
+            <a:off x="5332412" y="5883275"/>
+            <a:ext cx="4324044" cy="365125"/>
+          </a:xfrm>
+        </p:spPr>
         <p:txBody>
           <a:bodyPr/>
           <a:lstStyle/>
@@ -292,7 +682,7 @@
     </p:spTree>
     <p:extLst>
       <p:ext uri="{BB962C8B-B14F-4D97-AF65-F5344CB8AC3E}">
-        <p14:creationId xmlns:p14="http://schemas.microsoft.com/office/powerpoint/2010/main" val="1733790309"/>
+        <p14:creationId xmlns:p14="http://schemas.microsoft.com/office/powerpoint/2010/main" val="3199833761"/>
       </p:ext>
     </p:extLst>
   </p:cSld>
@@ -303,6 +693,2162 @@
 </file>
 
 <file path=ppt/slideLayouts/slideLayout10.xml><?xml version="1.0" encoding="utf-8"?>
+<p:sldLayout xmlns:a="http://schemas.openxmlformats.org/drawingml/2006/main" xmlns:r="http://schemas.openxmlformats.org/officeDocument/2006/relationships" xmlns:p="http://schemas.openxmlformats.org/presentationml/2006/main" preserve="1">
+  <p:cSld name="Panoramic Picture with Caption">
+    <p:spTree>
+      <p:nvGrpSpPr>
+        <p:cNvPr id="1" name=""/>
+        <p:cNvGrpSpPr/>
+        <p:nvPr/>
+      </p:nvGrpSpPr>
+      <p:grpSpPr>
+        <a:xfrm>
+          <a:off x="0" y="0"/>
+          <a:ext cx="0" cy="0"/>
+          <a:chOff x="0" y="0"/>
+          <a:chExt cx="0" cy="0"/>
+        </a:xfrm>
+      </p:grpSpPr>
+      <p:sp>
+        <p:nvSpPr>
+          <p:cNvPr id="2" name="Title 1"/>
+          <p:cNvSpPr>
+            <a:spLocks noGrp="1"/>
+          </p:cNvSpPr>
+          <p:nvPr>
+            <p:ph type="title"/>
+          </p:nvPr>
+        </p:nvSpPr>
+        <p:spPr>
+          <a:xfrm>
+            <a:off x="1484311" y="4732865"/>
+            <a:ext cx="10018711" cy="566738"/>
+          </a:xfrm>
+        </p:spPr>
+        <p:txBody>
+          <a:bodyPr anchor="b">
+            <a:normAutofit/>
+          </a:bodyPr>
+          <a:lstStyle>
+            <a:lvl1pPr algn="ctr">
+              <a:defRPr sz="2400" b="0"/>
+            </a:lvl1pPr>
+          </a:lstStyle>
+          <a:p>
+            <a:r>
+              <a:rPr lang="en-US" smtClean="0"/>
+              <a:t>Click to edit Master title style</a:t>
+            </a:r>
+            <a:endParaRPr lang="en-US" dirty="0"/>
+          </a:p>
+        </p:txBody>
+      </p:sp>
+      <p:sp>
+        <p:nvSpPr>
+          <p:cNvPr id="3" name="Picture Placeholder 2"/>
+          <p:cNvSpPr>
+            <a:spLocks noGrp="1" noChangeAspect="1"/>
+          </p:cNvSpPr>
+          <p:nvPr>
+            <p:ph type="pic" idx="1"/>
+          </p:nvPr>
+        </p:nvSpPr>
+        <p:spPr>
+          <a:xfrm>
+            <a:off x="2386012" y="932112"/>
+            <a:ext cx="8225944" cy="3164976"/>
+          </a:xfrm>
+          <a:prstGeom prst="roundRect">
+            <a:avLst>
+              <a:gd name="adj" fmla="val 4380"/>
+            </a:avLst>
+          </a:prstGeom>
+          <a:ln w="38100">
+            <a:gradFill flip="none" rotWithShape="1">
+              <a:gsLst>
+                <a:gs pos="0">
+                  <a:schemeClr val="bg2"/>
+                </a:gs>
+                <a:gs pos="100000">
+                  <a:schemeClr val="bg2">
+                    <a:lumMod val="75000"/>
+                  </a:schemeClr>
+                </a:gs>
+              </a:gsLst>
+              <a:lin ang="5400000" scaled="0"/>
+              <a:tileRect/>
+            </a:gradFill>
+          </a:ln>
+          <a:effectLst>
+            <a:innerShdw blurRad="57150" dist="38100" dir="14460000">
+              <a:srgbClr val="000000">
+                <a:alpha val="70000"/>
+              </a:srgbClr>
+            </a:innerShdw>
+          </a:effectLst>
+        </p:spPr>
+        <p:txBody>
+          <a:bodyPr anchor="t">
+            <a:normAutofit/>
+          </a:bodyPr>
+          <a:lstStyle>
+            <a:lvl1pPr marL="0" indent="0" algn="ctr">
+              <a:buNone/>
+              <a:defRPr sz="1600"/>
+            </a:lvl1pPr>
+            <a:lvl2pPr marL="457200" indent="0">
+              <a:buNone/>
+              <a:defRPr sz="1600"/>
+            </a:lvl2pPr>
+            <a:lvl3pPr marL="914400" indent="0">
+              <a:buNone/>
+              <a:defRPr sz="1600"/>
+            </a:lvl3pPr>
+            <a:lvl4pPr marL="1371600" indent="0">
+              <a:buNone/>
+              <a:defRPr sz="1600"/>
+            </a:lvl4pPr>
+            <a:lvl5pPr marL="1828800" indent="0">
+              <a:buNone/>
+              <a:defRPr sz="1600"/>
+            </a:lvl5pPr>
+            <a:lvl6pPr marL="2286000" indent="0">
+              <a:buNone/>
+              <a:defRPr sz="1600"/>
+            </a:lvl6pPr>
+            <a:lvl7pPr marL="2743200" indent="0">
+              <a:buNone/>
+              <a:defRPr sz="1600"/>
+            </a:lvl7pPr>
+            <a:lvl8pPr marL="3200400" indent="0">
+              <a:buNone/>
+              <a:defRPr sz="1600"/>
+            </a:lvl8pPr>
+            <a:lvl9pPr marL="3657600" indent="0">
+              <a:buNone/>
+              <a:defRPr sz="1600"/>
+            </a:lvl9pPr>
+          </a:lstStyle>
+          <a:p>
+            <a:r>
+              <a:rPr lang="en-US" smtClean="0"/>
+              <a:t>Click icon to add picture</a:t>
+            </a:r>
+            <a:endParaRPr lang="en-US" dirty="0"/>
+          </a:p>
+        </p:txBody>
+      </p:sp>
+      <p:sp>
+        <p:nvSpPr>
+          <p:cNvPr id="4" name="Text Placeholder 3"/>
+          <p:cNvSpPr>
+            <a:spLocks noGrp="1"/>
+          </p:cNvSpPr>
+          <p:nvPr>
+            <p:ph type="body" sz="half" idx="2"/>
+          </p:nvPr>
+        </p:nvSpPr>
+        <p:spPr>
+          <a:xfrm>
+            <a:off x="1484311" y="5299603"/>
+            <a:ext cx="10018711" cy="493712"/>
+          </a:xfrm>
+        </p:spPr>
+        <p:txBody>
+          <a:bodyPr>
+            <a:normAutofit/>
+          </a:bodyPr>
+          <a:lstStyle>
+            <a:lvl1pPr marL="0" indent="0" algn="ctr">
+              <a:buNone/>
+              <a:defRPr sz="1400"/>
+            </a:lvl1pPr>
+            <a:lvl2pPr marL="457200" indent="0">
+              <a:buNone/>
+              <a:defRPr sz="1200"/>
+            </a:lvl2pPr>
+            <a:lvl3pPr marL="914400" indent="0">
+              <a:buNone/>
+              <a:defRPr sz="1000"/>
+            </a:lvl3pPr>
+            <a:lvl4pPr marL="1371600" indent="0">
+              <a:buNone/>
+              <a:defRPr sz="900"/>
+            </a:lvl4pPr>
+            <a:lvl5pPr marL="1828800" indent="0">
+              <a:buNone/>
+              <a:defRPr sz="900"/>
+            </a:lvl5pPr>
+            <a:lvl6pPr marL="2286000" indent="0">
+              <a:buNone/>
+              <a:defRPr sz="900"/>
+            </a:lvl6pPr>
+            <a:lvl7pPr marL="2743200" indent="0">
+              <a:buNone/>
+              <a:defRPr sz="900"/>
+            </a:lvl7pPr>
+            <a:lvl8pPr marL="3200400" indent="0">
+              <a:buNone/>
+              <a:defRPr sz="900"/>
+            </a:lvl8pPr>
+            <a:lvl9pPr marL="3657600" indent="0">
+              <a:buNone/>
+              <a:defRPr sz="900"/>
+            </a:lvl9pPr>
+          </a:lstStyle>
+          <a:p>
+            <a:pPr lvl="0"/>
+            <a:r>
+              <a:rPr lang="en-US" smtClean="0"/>
+              <a:t>Click to edit Master text styles</a:t>
+            </a:r>
+          </a:p>
+        </p:txBody>
+      </p:sp>
+      <p:sp>
+        <p:nvSpPr>
+          <p:cNvPr id="5" name="Date Placeholder 4"/>
+          <p:cNvSpPr>
+            <a:spLocks noGrp="1"/>
+          </p:cNvSpPr>
+          <p:nvPr>
+            <p:ph type="dt" sz="half" idx="10"/>
+          </p:nvPr>
+        </p:nvSpPr>
+        <p:spPr/>
+        <p:txBody>
+          <a:bodyPr/>
+          <a:lstStyle/>
+          <a:p>
+            <a:fld id="{F582141F-E693-4F55-A5CB-368034658A9D}" type="datetimeFigureOut">
+              <a:rPr lang="en-US" smtClean="0"/>
+              <a:t>6/8/2015</a:t>
+            </a:fld>
+            <a:endParaRPr lang="en-US"/>
+          </a:p>
+        </p:txBody>
+      </p:sp>
+      <p:sp>
+        <p:nvSpPr>
+          <p:cNvPr id="6" name="Footer Placeholder 5"/>
+          <p:cNvSpPr>
+            <a:spLocks noGrp="1"/>
+          </p:cNvSpPr>
+          <p:nvPr>
+            <p:ph type="ftr" sz="quarter" idx="11"/>
+          </p:nvPr>
+        </p:nvSpPr>
+        <p:spPr/>
+        <p:txBody>
+          <a:bodyPr/>
+          <a:lstStyle/>
+          <a:p>
+            <a:endParaRPr lang="en-US"/>
+          </a:p>
+        </p:txBody>
+      </p:sp>
+      <p:sp>
+        <p:nvSpPr>
+          <p:cNvPr id="7" name="Slide Number Placeholder 6"/>
+          <p:cNvSpPr>
+            <a:spLocks noGrp="1"/>
+          </p:cNvSpPr>
+          <p:nvPr>
+            <p:ph type="sldNum" sz="quarter" idx="12"/>
+          </p:nvPr>
+        </p:nvSpPr>
+        <p:spPr/>
+        <p:txBody>
+          <a:bodyPr/>
+          <a:lstStyle/>
+          <a:p>
+            <a:fld id="{FAC6983E-3E45-4539-8B81-9B8E40E9FE3E}" type="slidenum">
+              <a:rPr lang="en-US" smtClean="0"/>
+              <a:t>‹#›</a:t>
+            </a:fld>
+            <a:endParaRPr lang="en-US"/>
+          </a:p>
+        </p:txBody>
+      </p:sp>
+    </p:spTree>
+    <p:extLst>
+      <p:ext uri="{BB962C8B-B14F-4D97-AF65-F5344CB8AC3E}">
+        <p14:creationId xmlns:p14="http://schemas.microsoft.com/office/powerpoint/2010/main" val="1302958083"/>
+      </p:ext>
+    </p:extLst>
+  </p:cSld>
+  <p:clrMapOvr>
+    <a:masterClrMapping/>
+  </p:clrMapOvr>
+</p:sldLayout>
+</file>
+
+<file path=ppt/slideLayouts/slideLayout11.xml><?xml version="1.0" encoding="utf-8"?>
+<p:sldLayout xmlns:a="http://schemas.openxmlformats.org/drawingml/2006/main" xmlns:r="http://schemas.openxmlformats.org/officeDocument/2006/relationships" xmlns:p="http://schemas.openxmlformats.org/presentationml/2006/main" preserve="1">
+  <p:cSld name="Title and Caption">
+    <p:spTree>
+      <p:nvGrpSpPr>
+        <p:cNvPr id="1" name=""/>
+        <p:cNvGrpSpPr/>
+        <p:nvPr/>
+      </p:nvGrpSpPr>
+      <p:grpSpPr>
+        <a:xfrm>
+          <a:off x="0" y="0"/>
+          <a:ext cx="0" cy="0"/>
+          <a:chOff x="0" y="0"/>
+          <a:chExt cx="0" cy="0"/>
+        </a:xfrm>
+      </p:grpSpPr>
+      <p:sp>
+        <p:nvSpPr>
+          <p:cNvPr id="2" name="Title 1"/>
+          <p:cNvSpPr>
+            <a:spLocks noGrp="1"/>
+          </p:cNvSpPr>
+          <p:nvPr>
+            <p:ph type="title"/>
+          </p:nvPr>
+        </p:nvSpPr>
+        <p:spPr>
+          <a:xfrm>
+            <a:off x="1484312" y="685800"/>
+            <a:ext cx="10018711" cy="3048000"/>
+          </a:xfrm>
+        </p:spPr>
+        <p:txBody>
+          <a:bodyPr anchor="ctr">
+            <a:normAutofit/>
+          </a:bodyPr>
+          <a:lstStyle>
+            <a:lvl1pPr algn="ctr">
+              <a:defRPr sz="3200" b="0" cap="none"/>
+            </a:lvl1pPr>
+          </a:lstStyle>
+          <a:p>
+            <a:r>
+              <a:rPr lang="en-US" smtClean="0"/>
+              <a:t>Click to edit Master title style</a:t>
+            </a:r>
+            <a:endParaRPr lang="en-US" dirty="0"/>
+          </a:p>
+        </p:txBody>
+      </p:sp>
+      <p:sp>
+        <p:nvSpPr>
+          <p:cNvPr id="3" name="Text Placeholder 2"/>
+          <p:cNvSpPr>
+            <a:spLocks noGrp="1"/>
+          </p:cNvSpPr>
+          <p:nvPr>
+            <p:ph type="body" idx="1"/>
+          </p:nvPr>
+        </p:nvSpPr>
+        <p:spPr>
+          <a:xfrm>
+            <a:off x="1484312" y="4343400"/>
+            <a:ext cx="10018713" cy="1447800"/>
+          </a:xfrm>
+        </p:spPr>
+        <p:txBody>
+          <a:bodyPr anchor="ctr">
+            <a:normAutofit/>
+          </a:bodyPr>
+          <a:lstStyle>
+            <a:lvl1pPr marL="0" indent="0" algn="ctr">
+              <a:buNone/>
+              <a:defRPr sz="2000">
+                <a:solidFill>
+                  <a:schemeClr val="tx1"/>
+                </a:solidFill>
+              </a:defRPr>
+            </a:lvl1pPr>
+            <a:lvl2pPr marL="457200" indent="0">
+              <a:buNone/>
+              <a:defRPr sz="1800">
+                <a:solidFill>
+                  <a:schemeClr val="tx1">
+                    <a:tint val="75000"/>
+                  </a:schemeClr>
+                </a:solidFill>
+              </a:defRPr>
+            </a:lvl2pPr>
+            <a:lvl3pPr marL="914400" indent="0">
+              <a:buNone/>
+              <a:defRPr sz="1600">
+                <a:solidFill>
+                  <a:schemeClr val="tx1">
+                    <a:tint val="75000"/>
+                  </a:schemeClr>
+                </a:solidFill>
+              </a:defRPr>
+            </a:lvl3pPr>
+            <a:lvl4pPr marL="1371600" indent="0">
+              <a:buNone/>
+              <a:defRPr sz="1400">
+                <a:solidFill>
+                  <a:schemeClr val="tx1">
+                    <a:tint val="75000"/>
+                  </a:schemeClr>
+                </a:solidFill>
+              </a:defRPr>
+            </a:lvl4pPr>
+            <a:lvl5pPr marL="1828800" indent="0">
+              <a:buNone/>
+              <a:defRPr sz="1400">
+                <a:solidFill>
+                  <a:schemeClr val="tx1">
+                    <a:tint val="75000"/>
+                  </a:schemeClr>
+                </a:solidFill>
+              </a:defRPr>
+            </a:lvl5pPr>
+            <a:lvl6pPr marL="2286000" indent="0">
+              <a:buNone/>
+              <a:defRPr sz="1400">
+                <a:solidFill>
+                  <a:schemeClr val="tx1">
+                    <a:tint val="75000"/>
+                  </a:schemeClr>
+                </a:solidFill>
+              </a:defRPr>
+            </a:lvl6pPr>
+            <a:lvl7pPr marL="2743200" indent="0">
+              <a:buNone/>
+              <a:defRPr sz="1400">
+                <a:solidFill>
+                  <a:schemeClr val="tx1">
+                    <a:tint val="75000"/>
+                  </a:schemeClr>
+                </a:solidFill>
+              </a:defRPr>
+            </a:lvl7pPr>
+            <a:lvl8pPr marL="3200400" indent="0">
+              <a:buNone/>
+              <a:defRPr sz="1400">
+                <a:solidFill>
+                  <a:schemeClr val="tx1">
+                    <a:tint val="75000"/>
+                  </a:schemeClr>
+                </a:solidFill>
+              </a:defRPr>
+            </a:lvl8pPr>
+            <a:lvl9pPr marL="3657600" indent="0">
+              <a:buNone/>
+              <a:defRPr sz="1400">
+                <a:solidFill>
+                  <a:schemeClr val="tx1">
+                    <a:tint val="75000"/>
+                  </a:schemeClr>
+                </a:solidFill>
+              </a:defRPr>
+            </a:lvl9pPr>
+          </a:lstStyle>
+          <a:p>
+            <a:pPr lvl="0"/>
+            <a:r>
+              <a:rPr lang="en-US" smtClean="0"/>
+              <a:t>Click to edit Master text styles</a:t>
+            </a:r>
+          </a:p>
+        </p:txBody>
+      </p:sp>
+      <p:sp>
+        <p:nvSpPr>
+          <p:cNvPr id="4" name="Date Placeholder 3"/>
+          <p:cNvSpPr>
+            <a:spLocks noGrp="1"/>
+          </p:cNvSpPr>
+          <p:nvPr>
+            <p:ph type="dt" sz="half" idx="10"/>
+          </p:nvPr>
+        </p:nvSpPr>
+        <p:spPr/>
+        <p:txBody>
+          <a:bodyPr/>
+          <a:lstStyle/>
+          <a:p>
+            <a:fld id="{F582141F-E693-4F55-A5CB-368034658A9D}" type="datetimeFigureOut">
+              <a:rPr lang="en-US" smtClean="0"/>
+              <a:t>6/8/2015</a:t>
+            </a:fld>
+            <a:endParaRPr lang="en-US"/>
+          </a:p>
+        </p:txBody>
+      </p:sp>
+      <p:sp>
+        <p:nvSpPr>
+          <p:cNvPr id="5" name="Footer Placeholder 4"/>
+          <p:cNvSpPr>
+            <a:spLocks noGrp="1"/>
+          </p:cNvSpPr>
+          <p:nvPr>
+            <p:ph type="ftr" sz="quarter" idx="11"/>
+          </p:nvPr>
+        </p:nvSpPr>
+        <p:spPr/>
+        <p:txBody>
+          <a:bodyPr/>
+          <a:lstStyle/>
+          <a:p>
+            <a:endParaRPr lang="en-US"/>
+          </a:p>
+        </p:txBody>
+      </p:sp>
+      <p:sp>
+        <p:nvSpPr>
+          <p:cNvPr id="6" name="Slide Number Placeholder 5"/>
+          <p:cNvSpPr>
+            <a:spLocks noGrp="1"/>
+          </p:cNvSpPr>
+          <p:nvPr>
+            <p:ph type="sldNum" sz="quarter" idx="12"/>
+          </p:nvPr>
+        </p:nvSpPr>
+        <p:spPr/>
+        <p:txBody>
+          <a:bodyPr/>
+          <a:lstStyle/>
+          <a:p>
+            <a:fld id="{FAC6983E-3E45-4539-8B81-9B8E40E9FE3E}" type="slidenum">
+              <a:rPr lang="en-US" smtClean="0"/>
+              <a:t>‹#›</a:t>
+            </a:fld>
+            <a:endParaRPr lang="en-US"/>
+          </a:p>
+        </p:txBody>
+      </p:sp>
+    </p:spTree>
+    <p:extLst>
+      <p:ext uri="{BB962C8B-B14F-4D97-AF65-F5344CB8AC3E}">
+        <p14:creationId xmlns:p14="http://schemas.microsoft.com/office/powerpoint/2010/main" val="310935384"/>
+      </p:ext>
+    </p:extLst>
+  </p:cSld>
+  <p:clrMapOvr>
+    <a:masterClrMapping/>
+  </p:clrMapOvr>
+</p:sldLayout>
+</file>
+
+<file path=ppt/slideLayouts/slideLayout12.xml><?xml version="1.0" encoding="utf-8"?>
+<p:sldLayout xmlns:a="http://schemas.openxmlformats.org/drawingml/2006/main" xmlns:r="http://schemas.openxmlformats.org/officeDocument/2006/relationships" xmlns:p="http://schemas.openxmlformats.org/presentationml/2006/main" preserve="1">
+  <p:cSld name="Quote with Caption">
+    <p:spTree>
+      <p:nvGrpSpPr>
+        <p:cNvPr id="1" name=""/>
+        <p:cNvGrpSpPr/>
+        <p:nvPr/>
+      </p:nvGrpSpPr>
+      <p:grpSpPr>
+        <a:xfrm>
+          <a:off x="0" y="0"/>
+          <a:ext cx="0" cy="0"/>
+          <a:chOff x="0" y="0"/>
+          <a:chExt cx="0" cy="0"/>
+        </a:xfrm>
+      </p:grpSpPr>
+      <p:sp>
+        <p:nvSpPr>
+          <p:cNvPr id="14" name="TextBox 13"/>
+          <p:cNvSpPr txBox="1"/>
+          <p:nvPr/>
+        </p:nvSpPr>
+        <p:spPr>
+          <a:xfrm>
+            <a:off x="1598612" y="863023"/>
+            <a:ext cx="609600" cy="584776"/>
+          </a:xfrm>
+          <a:prstGeom prst="rect">
+            <a:avLst/>
+          </a:prstGeom>
+        </p:spPr>
+        <p:txBody>
+          <a:bodyPr vert="horz" lIns="91440" tIns="45720" rIns="91440" bIns="45720" rtlCol="0" anchor="ctr">
+            <a:noAutofit/>
+          </a:bodyPr>
+          <a:lstStyle>
+            <a:lvl1pPr>
+              <a:spcBef>
+                <a:spcPct val="0"/>
+              </a:spcBef>
+              <a:buNone/>
+              <a:defRPr sz="3200" b="0" cap="all">
+                <a:ln w="3175" cmpd="sng">
+                  <a:noFill/>
+                </a:ln>
+                <a:effectLst>
+                  <a:glow rad="38100">
+                    <a:schemeClr val="bg1">
+                      <a:lumMod val="65000"/>
+                      <a:lumOff val="35000"/>
+                      <a:alpha val="40000"/>
+                    </a:schemeClr>
+                  </a:glow>
+                  <a:outerShdw blurRad="28575" dist="38100" dir="14040000" algn="tl" rotWithShape="0">
+                    <a:srgbClr val="000000">
+                      <a:alpha val="25000"/>
+                    </a:srgbClr>
+                  </a:outerShdw>
+                </a:effectLst>
+              </a:defRPr>
+            </a:lvl1pPr>
+            <a:lvl2pPr>
+              <a:defRPr>
+                <a:solidFill>
+                  <a:schemeClr val="tx2"/>
+                </a:solidFill>
+              </a:defRPr>
+            </a:lvl2pPr>
+            <a:lvl3pPr>
+              <a:defRPr>
+                <a:solidFill>
+                  <a:schemeClr val="tx2"/>
+                </a:solidFill>
+              </a:defRPr>
+            </a:lvl3pPr>
+            <a:lvl4pPr>
+              <a:defRPr>
+                <a:solidFill>
+                  <a:schemeClr val="tx2"/>
+                </a:solidFill>
+              </a:defRPr>
+            </a:lvl4pPr>
+            <a:lvl5pPr>
+              <a:defRPr>
+                <a:solidFill>
+                  <a:schemeClr val="tx2"/>
+                </a:solidFill>
+              </a:defRPr>
+            </a:lvl5pPr>
+            <a:lvl6pPr>
+              <a:defRPr>
+                <a:solidFill>
+                  <a:schemeClr val="tx2"/>
+                </a:solidFill>
+              </a:defRPr>
+            </a:lvl6pPr>
+            <a:lvl7pPr>
+              <a:defRPr>
+                <a:solidFill>
+                  <a:schemeClr val="tx2"/>
+                </a:solidFill>
+              </a:defRPr>
+            </a:lvl7pPr>
+            <a:lvl8pPr>
+              <a:defRPr>
+                <a:solidFill>
+                  <a:schemeClr val="tx2"/>
+                </a:solidFill>
+              </a:defRPr>
+            </a:lvl8pPr>
+            <a:lvl9pPr>
+              <a:defRPr>
+                <a:solidFill>
+                  <a:schemeClr val="tx2"/>
+                </a:solidFill>
+              </a:defRPr>
+            </a:lvl9pPr>
+          </a:lstStyle>
+          <a:p>
+            <a:pPr lvl="0"/>
+            <a:r>
+              <a:rPr lang="en-US" sz="8000" dirty="0">
+                <a:solidFill>
+                  <a:schemeClr val="tx1"/>
+                </a:solidFill>
+                <a:effectLst/>
+              </a:rPr>
+              <a:t>“</a:t>
+            </a:r>
+          </a:p>
+        </p:txBody>
+      </p:sp>
+      <p:sp>
+        <p:nvSpPr>
+          <p:cNvPr id="15" name="TextBox 14"/>
+          <p:cNvSpPr txBox="1"/>
+          <p:nvPr/>
+        </p:nvSpPr>
+        <p:spPr>
+          <a:xfrm>
+            <a:off x="10893425" y="2819399"/>
+            <a:ext cx="609600" cy="584776"/>
+          </a:xfrm>
+          <a:prstGeom prst="rect">
+            <a:avLst/>
+          </a:prstGeom>
+        </p:spPr>
+        <p:txBody>
+          <a:bodyPr vert="horz" lIns="91440" tIns="45720" rIns="91440" bIns="45720" rtlCol="0" anchor="ctr">
+            <a:noAutofit/>
+          </a:bodyPr>
+          <a:lstStyle>
+            <a:lvl1pPr>
+              <a:spcBef>
+                <a:spcPct val="0"/>
+              </a:spcBef>
+              <a:buNone/>
+              <a:defRPr sz="3200" b="0" cap="all">
+                <a:ln w="3175" cmpd="sng">
+                  <a:noFill/>
+                </a:ln>
+                <a:effectLst>
+                  <a:glow rad="38100">
+                    <a:schemeClr val="bg1">
+                      <a:lumMod val="65000"/>
+                      <a:lumOff val="35000"/>
+                      <a:alpha val="40000"/>
+                    </a:schemeClr>
+                  </a:glow>
+                  <a:outerShdw blurRad="28575" dist="38100" dir="14040000" algn="tl" rotWithShape="0">
+                    <a:srgbClr val="000000">
+                      <a:alpha val="25000"/>
+                    </a:srgbClr>
+                  </a:outerShdw>
+                </a:effectLst>
+              </a:defRPr>
+            </a:lvl1pPr>
+            <a:lvl2pPr>
+              <a:defRPr>
+                <a:solidFill>
+                  <a:schemeClr val="tx2"/>
+                </a:solidFill>
+              </a:defRPr>
+            </a:lvl2pPr>
+            <a:lvl3pPr>
+              <a:defRPr>
+                <a:solidFill>
+                  <a:schemeClr val="tx2"/>
+                </a:solidFill>
+              </a:defRPr>
+            </a:lvl3pPr>
+            <a:lvl4pPr>
+              <a:defRPr>
+                <a:solidFill>
+                  <a:schemeClr val="tx2"/>
+                </a:solidFill>
+              </a:defRPr>
+            </a:lvl4pPr>
+            <a:lvl5pPr>
+              <a:defRPr>
+                <a:solidFill>
+                  <a:schemeClr val="tx2"/>
+                </a:solidFill>
+              </a:defRPr>
+            </a:lvl5pPr>
+            <a:lvl6pPr>
+              <a:defRPr>
+                <a:solidFill>
+                  <a:schemeClr val="tx2"/>
+                </a:solidFill>
+              </a:defRPr>
+            </a:lvl6pPr>
+            <a:lvl7pPr>
+              <a:defRPr>
+                <a:solidFill>
+                  <a:schemeClr val="tx2"/>
+                </a:solidFill>
+              </a:defRPr>
+            </a:lvl7pPr>
+            <a:lvl8pPr>
+              <a:defRPr>
+                <a:solidFill>
+                  <a:schemeClr val="tx2"/>
+                </a:solidFill>
+              </a:defRPr>
+            </a:lvl8pPr>
+            <a:lvl9pPr>
+              <a:defRPr>
+                <a:solidFill>
+                  <a:schemeClr val="tx2"/>
+                </a:solidFill>
+              </a:defRPr>
+            </a:lvl9pPr>
+          </a:lstStyle>
+          <a:p>
+            <a:pPr lvl="0" algn="r"/>
+            <a:r>
+              <a:rPr lang="en-US" sz="8000" dirty="0">
+                <a:solidFill>
+                  <a:schemeClr val="tx1"/>
+                </a:solidFill>
+                <a:effectLst/>
+              </a:rPr>
+              <a:t>”</a:t>
+            </a:r>
+          </a:p>
+        </p:txBody>
+      </p:sp>
+      <p:sp>
+        <p:nvSpPr>
+          <p:cNvPr id="2" name="Title 1"/>
+          <p:cNvSpPr>
+            <a:spLocks noGrp="1"/>
+          </p:cNvSpPr>
+          <p:nvPr>
+            <p:ph type="title"/>
+          </p:nvPr>
+        </p:nvSpPr>
+        <p:spPr>
+          <a:xfrm>
+            <a:off x="2208212" y="685800"/>
+            <a:ext cx="8990012" cy="2743199"/>
+          </a:xfrm>
+        </p:spPr>
+        <p:txBody>
+          <a:bodyPr anchor="ctr">
+            <a:normAutofit/>
+          </a:bodyPr>
+          <a:lstStyle>
+            <a:lvl1pPr algn="ctr">
+              <a:defRPr sz="3200" b="0" cap="none">
+                <a:solidFill>
+                  <a:schemeClr val="tx1"/>
+                </a:solidFill>
+              </a:defRPr>
+            </a:lvl1pPr>
+          </a:lstStyle>
+          <a:p>
+            <a:r>
+              <a:rPr lang="en-US" smtClean="0"/>
+              <a:t>Click to edit Master title style</a:t>
+            </a:r>
+            <a:endParaRPr lang="en-US" dirty="0"/>
+          </a:p>
+        </p:txBody>
+      </p:sp>
+      <p:sp>
+        <p:nvSpPr>
+          <p:cNvPr id="10" name="Text Placeholder 9"/>
+          <p:cNvSpPr>
+            <a:spLocks noGrp="1"/>
+          </p:cNvSpPr>
+          <p:nvPr>
+            <p:ph type="body" sz="quarter" idx="13"/>
+          </p:nvPr>
+        </p:nvSpPr>
+        <p:spPr>
+          <a:xfrm>
+            <a:off x="2436811" y="3428999"/>
+            <a:ext cx="8532815" cy="381000"/>
+          </a:xfrm>
+        </p:spPr>
+        <p:txBody>
+          <a:bodyPr anchor="ctr">
+            <a:normAutofit/>
+          </a:bodyPr>
+          <a:lstStyle>
+            <a:lvl1pPr marL="0" indent="0">
+              <a:buFontTx/>
+              <a:buNone/>
+              <a:defRPr sz="1800"/>
+            </a:lvl1pPr>
+            <a:lvl2pPr marL="457200" indent="0">
+              <a:buFontTx/>
+              <a:buNone/>
+              <a:defRPr/>
+            </a:lvl2pPr>
+            <a:lvl3pPr marL="914400" indent="0">
+              <a:buFontTx/>
+              <a:buNone/>
+              <a:defRPr/>
+            </a:lvl3pPr>
+            <a:lvl4pPr marL="1371600" indent="0">
+              <a:buFontTx/>
+              <a:buNone/>
+              <a:defRPr/>
+            </a:lvl4pPr>
+            <a:lvl5pPr marL="1828800" indent="0">
+              <a:buFontTx/>
+              <a:buNone/>
+              <a:defRPr/>
+            </a:lvl5pPr>
+          </a:lstStyle>
+          <a:p>
+            <a:pPr lvl="0"/>
+            <a:r>
+              <a:rPr lang="en-US" smtClean="0"/>
+              <a:t>Click to edit Master text styles</a:t>
+            </a:r>
+          </a:p>
+        </p:txBody>
+      </p:sp>
+      <p:sp>
+        <p:nvSpPr>
+          <p:cNvPr id="3" name="Text Placeholder 2"/>
+          <p:cNvSpPr>
+            <a:spLocks noGrp="1"/>
+          </p:cNvSpPr>
+          <p:nvPr>
+            <p:ph type="body" idx="1"/>
+          </p:nvPr>
+        </p:nvSpPr>
+        <p:spPr>
+          <a:xfrm>
+            <a:off x="1484311" y="4343400"/>
+            <a:ext cx="10018711" cy="1447800"/>
+          </a:xfrm>
+        </p:spPr>
+        <p:txBody>
+          <a:bodyPr anchor="ctr">
+            <a:normAutofit/>
+          </a:bodyPr>
+          <a:lstStyle>
+            <a:lvl1pPr marL="0" indent="0" algn="ctr">
+              <a:buNone/>
+              <a:defRPr sz="2000">
+                <a:solidFill>
+                  <a:schemeClr val="tx1"/>
+                </a:solidFill>
+              </a:defRPr>
+            </a:lvl1pPr>
+            <a:lvl2pPr marL="457200" indent="0">
+              <a:buNone/>
+              <a:defRPr sz="1800">
+                <a:solidFill>
+                  <a:schemeClr val="tx1">
+                    <a:tint val="75000"/>
+                  </a:schemeClr>
+                </a:solidFill>
+              </a:defRPr>
+            </a:lvl2pPr>
+            <a:lvl3pPr marL="914400" indent="0">
+              <a:buNone/>
+              <a:defRPr sz="1600">
+                <a:solidFill>
+                  <a:schemeClr val="tx1">
+                    <a:tint val="75000"/>
+                  </a:schemeClr>
+                </a:solidFill>
+              </a:defRPr>
+            </a:lvl3pPr>
+            <a:lvl4pPr marL="1371600" indent="0">
+              <a:buNone/>
+              <a:defRPr sz="1400">
+                <a:solidFill>
+                  <a:schemeClr val="tx1">
+                    <a:tint val="75000"/>
+                  </a:schemeClr>
+                </a:solidFill>
+              </a:defRPr>
+            </a:lvl4pPr>
+            <a:lvl5pPr marL="1828800" indent="0">
+              <a:buNone/>
+              <a:defRPr sz="1400">
+                <a:solidFill>
+                  <a:schemeClr val="tx1">
+                    <a:tint val="75000"/>
+                  </a:schemeClr>
+                </a:solidFill>
+              </a:defRPr>
+            </a:lvl5pPr>
+            <a:lvl6pPr marL="2286000" indent="0">
+              <a:buNone/>
+              <a:defRPr sz="1400">
+                <a:solidFill>
+                  <a:schemeClr val="tx1">
+                    <a:tint val="75000"/>
+                  </a:schemeClr>
+                </a:solidFill>
+              </a:defRPr>
+            </a:lvl6pPr>
+            <a:lvl7pPr marL="2743200" indent="0">
+              <a:buNone/>
+              <a:defRPr sz="1400">
+                <a:solidFill>
+                  <a:schemeClr val="tx1">
+                    <a:tint val="75000"/>
+                  </a:schemeClr>
+                </a:solidFill>
+              </a:defRPr>
+            </a:lvl7pPr>
+            <a:lvl8pPr marL="3200400" indent="0">
+              <a:buNone/>
+              <a:defRPr sz="1400">
+                <a:solidFill>
+                  <a:schemeClr val="tx1">
+                    <a:tint val="75000"/>
+                  </a:schemeClr>
+                </a:solidFill>
+              </a:defRPr>
+            </a:lvl8pPr>
+            <a:lvl9pPr marL="3657600" indent="0">
+              <a:buNone/>
+              <a:defRPr sz="1400">
+                <a:solidFill>
+                  <a:schemeClr val="tx1">
+                    <a:tint val="75000"/>
+                  </a:schemeClr>
+                </a:solidFill>
+              </a:defRPr>
+            </a:lvl9pPr>
+          </a:lstStyle>
+          <a:p>
+            <a:pPr lvl="0"/>
+            <a:r>
+              <a:rPr lang="en-US" smtClean="0"/>
+              <a:t>Click to edit Master text styles</a:t>
+            </a:r>
+          </a:p>
+        </p:txBody>
+      </p:sp>
+      <p:sp>
+        <p:nvSpPr>
+          <p:cNvPr id="4" name="Date Placeholder 3"/>
+          <p:cNvSpPr>
+            <a:spLocks noGrp="1"/>
+          </p:cNvSpPr>
+          <p:nvPr>
+            <p:ph type="dt" sz="half" idx="10"/>
+          </p:nvPr>
+        </p:nvSpPr>
+        <p:spPr/>
+        <p:txBody>
+          <a:bodyPr/>
+          <a:lstStyle/>
+          <a:p>
+            <a:fld id="{F582141F-E693-4F55-A5CB-368034658A9D}" type="datetimeFigureOut">
+              <a:rPr lang="en-US" smtClean="0"/>
+              <a:t>6/8/2015</a:t>
+            </a:fld>
+            <a:endParaRPr lang="en-US"/>
+          </a:p>
+        </p:txBody>
+      </p:sp>
+      <p:sp>
+        <p:nvSpPr>
+          <p:cNvPr id="5" name="Footer Placeholder 4"/>
+          <p:cNvSpPr>
+            <a:spLocks noGrp="1"/>
+          </p:cNvSpPr>
+          <p:nvPr>
+            <p:ph type="ftr" sz="quarter" idx="11"/>
+          </p:nvPr>
+        </p:nvSpPr>
+        <p:spPr/>
+        <p:txBody>
+          <a:bodyPr/>
+          <a:lstStyle/>
+          <a:p>
+            <a:endParaRPr lang="en-US"/>
+          </a:p>
+        </p:txBody>
+      </p:sp>
+      <p:sp>
+        <p:nvSpPr>
+          <p:cNvPr id="6" name="Slide Number Placeholder 5"/>
+          <p:cNvSpPr>
+            <a:spLocks noGrp="1"/>
+          </p:cNvSpPr>
+          <p:nvPr>
+            <p:ph type="sldNum" sz="quarter" idx="12"/>
+          </p:nvPr>
+        </p:nvSpPr>
+        <p:spPr/>
+        <p:txBody>
+          <a:bodyPr/>
+          <a:lstStyle/>
+          <a:p>
+            <a:fld id="{FAC6983E-3E45-4539-8B81-9B8E40E9FE3E}" type="slidenum">
+              <a:rPr lang="en-US" smtClean="0"/>
+              <a:t>‹#›</a:t>
+            </a:fld>
+            <a:endParaRPr lang="en-US"/>
+          </a:p>
+        </p:txBody>
+      </p:sp>
+    </p:spTree>
+    <p:extLst>
+      <p:ext uri="{BB962C8B-B14F-4D97-AF65-F5344CB8AC3E}">
+        <p14:creationId xmlns:p14="http://schemas.microsoft.com/office/powerpoint/2010/main" val="1588661820"/>
+      </p:ext>
+    </p:extLst>
+  </p:cSld>
+  <p:clrMapOvr>
+    <a:masterClrMapping/>
+  </p:clrMapOvr>
+</p:sldLayout>
+</file>
+
+<file path=ppt/slideLayouts/slideLayout13.xml><?xml version="1.0" encoding="utf-8"?>
+<p:sldLayout xmlns:a="http://schemas.openxmlformats.org/drawingml/2006/main" xmlns:r="http://schemas.openxmlformats.org/officeDocument/2006/relationships" xmlns:p="http://schemas.openxmlformats.org/presentationml/2006/main" preserve="1">
+  <p:cSld name="Name Card">
+    <p:spTree>
+      <p:nvGrpSpPr>
+        <p:cNvPr id="1" name=""/>
+        <p:cNvGrpSpPr/>
+        <p:nvPr/>
+      </p:nvGrpSpPr>
+      <p:grpSpPr>
+        <a:xfrm>
+          <a:off x="0" y="0"/>
+          <a:ext cx="0" cy="0"/>
+          <a:chOff x="0" y="0"/>
+          <a:chExt cx="0" cy="0"/>
+        </a:xfrm>
+      </p:grpSpPr>
+      <p:sp>
+        <p:nvSpPr>
+          <p:cNvPr id="2" name="Title 1"/>
+          <p:cNvSpPr>
+            <a:spLocks noGrp="1"/>
+          </p:cNvSpPr>
+          <p:nvPr>
+            <p:ph type="title"/>
+          </p:nvPr>
+        </p:nvSpPr>
+        <p:spPr>
+          <a:xfrm>
+            <a:off x="1484313" y="3308581"/>
+            <a:ext cx="10018709" cy="1468800"/>
+          </a:xfrm>
+        </p:spPr>
+        <p:txBody>
+          <a:bodyPr anchor="b">
+            <a:normAutofit/>
+          </a:bodyPr>
+          <a:lstStyle>
+            <a:lvl1pPr algn="r">
+              <a:defRPr sz="3200" b="0" cap="none"/>
+            </a:lvl1pPr>
+          </a:lstStyle>
+          <a:p>
+            <a:r>
+              <a:rPr lang="en-US" smtClean="0"/>
+              <a:t>Click to edit Master title style</a:t>
+            </a:r>
+            <a:endParaRPr lang="en-US" dirty="0"/>
+          </a:p>
+        </p:txBody>
+      </p:sp>
+      <p:sp>
+        <p:nvSpPr>
+          <p:cNvPr id="3" name="Text Placeholder 2"/>
+          <p:cNvSpPr>
+            <a:spLocks noGrp="1"/>
+          </p:cNvSpPr>
+          <p:nvPr>
+            <p:ph type="body" idx="1"/>
+          </p:nvPr>
+        </p:nvSpPr>
+        <p:spPr>
+          <a:xfrm>
+            <a:off x="1484312" y="4777381"/>
+            <a:ext cx="10018710" cy="860400"/>
+          </a:xfrm>
+        </p:spPr>
+        <p:txBody>
+          <a:bodyPr anchor="t">
+            <a:normAutofit/>
+          </a:bodyPr>
+          <a:lstStyle>
+            <a:lvl1pPr marL="0" indent="0" algn="r">
+              <a:buNone/>
+              <a:defRPr sz="2000">
+                <a:solidFill>
+                  <a:schemeClr val="tx1"/>
+                </a:solidFill>
+              </a:defRPr>
+            </a:lvl1pPr>
+            <a:lvl2pPr marL="457200" indent="0">
+              <a:buNone/>
+              <a:defRPr sz="1800">
+                <a:solidFill>
+                  <a:schemeClr val="tx1">
+                    <a:tint val="75000"/>
+                  </a:schemeClr>
+                </a:solidFill>
+              </a:defRPr>
+            </a:lvl2pPr>
+            <a:lvl3pPr marL="914400" indent="0">
+              <a:buNone/>
+              <a:defRPr sz="1600">
+                <a:solidFill>
+                  <a:schemeClr val="tx1">
+                    <a:tint val="75000"/>
+                  </a:schemeClr>
+                </a:solidFill>
+              </a:defRPr>
+            </a:lvl3pPr>
+            <a:lvl4pPr marL="1371600" indent="0">
+              <a:buNone/>
+              <a:defRPr sz="1400">
+                <a:solidFill>
+                  <a:schemeClr val="tx1">
+                    <a:tint val="75000"/>
+                  </a:schemeClr>
+                </a:solidFill>
+              </a:defRPr>
+            </a:lvl4pPr>
+            <a:lvl5pPr marL="1828800" indent="0">
+              <a:buNone/>
+              <a:defRPr sz="1400">
+                <a:solidFill>
+                  <a:schemeClr val="tx1">
+                    <a:tint val="75000"/>
+                  </a:schemeClr>
+                </a:solidFill>
+              </a:defRPr>
+            </a:lvl5pPr>
+            <a:lvl6pPr marL="2286000" indent="0">
+              <a:buNone/>
+              <a:defRPr sz="1400">
+                <a:solidFill>
+                  <a:schemeClr val="tx1">
+                    <a:tint val="75000"/>
+                  </a:schemeClr>
+                </a:solidFill>
+              </a:defRPr>
+            </a:lvl6pPr>
+            <a:lvl7pPr marL="2743200" indent="0">
+              <a:buNone/>
+              <a:defRPr sz="1400">
+                <a:solidFill>
+                  <a:schemeClr val="tx1">
+                    <a:tint val="75000"/>
+                  </a:schemeClr>
+                </a:solidFill>
+              </a:defRPr>
+            </a:lvl7pPr>
+            <a:lvl8pPr marL="3200400" indent="0">
+              <a:buNone/>
+              <a:defRPr sz="1400">
+                <a:solidFill>
+                  <a:schemeClr val="tx1">
+                    <a:tint val="75000"/>
+                  </a:schemeClr>
+                </a:solidFill>
+              </a:defRPr>
+            </a:lvl8pPr>
+            <a:lvl9pPr marL="3657600" indent="0">
+              <a:buNone/>
+              <a:defRPr sz="1400">
+                <a:solidFill>
+                  <a:schemeClr val="tx1">
+                    <a:tint val="75000"/>
+                  </a:schemeClr>
+                </a:solidFill>
+              </a:defRPr>
+            </a:lvl9pPr>
+          </a:lstStyle>
+          <a:p>
+            <a:pPr lvl="0"/>
+            <a:r>
+              <a:rPr lang="en-US" smtClean="0"/>
+              <a:t>Click to edit Master text styles</a:t>
+            </a:r>
+          </a:p>
+        </p:txBody>
+      </p:sp>
+      <p:sp>
+        <p:nvSpPr>
+          <p:cNvPr id="4" name="Date Placeholder 3"/>
+          <p:cNvSpPr>
+            <a:spLocks noGrp="1"/>
+          </p:cNvSpPr>
+          <p:nvPr>
+            <p:ph type="dt" sz="half" idx="10"/>
+          </p:nvPr>
+        </p:nvSpPr>
+        <p:spPr/>
+        <p:txBody>
+          <a:bodyPr/>
+          <a:lstStyle/>
+          <a:p>
+            <a:fld id="{F582141F-E693-4F55-A5CB-368034658A9D}" type="datetimeFigureOut">
+              <a:rPr lang="en-US" smtClean="0"/>
+              <a:t>6/8/2015</a:t>
+            </a:fld>
+            <a:endParaRPr lang="en-US"/>
+          </a:p>
+        </p:txBody>
+      </p:sp>
+      <p:sp>
+        <p:nvSpPr>
+          <p:cNvPr id="5" name="Footer Placeholder 4"/>
+          <p:cNvSpPr>
+            <a:spLocks noGrp="1"/>
+          </p:cNvSpPr>
+          <p:nvPr>
+            <p:ph type="ftr" sz="quarter" idx="11"/>
+          </p:nvPr>
+        </p:nvSpPr>
+        <p:spPr/>
+        <p:txBody>
+          <a:bodyPr/>
+          <a:lstStyle/>
+          <a:p>
+            <a:endParaRPr lang="en-US"/>
+          </a:p>
+        </p:txBody>
+      </p:sp>
+      <p:sp>
+        <p:nvSpPr>
+          <p:cNvPr id="6" name="Slide Number Placeholder 5"/>
+          <p:cNvSpPr>
+            <a:spLocks noGrp="1"/>
+          </p:cNvSpPr>
+          <p:nvPr>
+            <p:ph type="sldNum" sz="quarter" idx="12"/>
+          </p:nvPr>
+        </p:nvSpPr>
+        <p:spPr/>
+        <p:txBody>
+          <a:bodyPr/>
+          <a:lstStyle/>
+          <a:p>
+            <a:fld id="{FAC6983E-3E45-4539-8B81-9B8E40E9FE3E}" type="slidenum">
+              <a:rPr lang="en-US" smtClean="0"/>
+              <a:t>‹#›</a:t>
+            </a:fld>
+            <a:endParaRPr lang="en-US"/>
+          </a:p>
+        </p:txBody>
+      </p:sp>
+    </p:spTree>
+    <p:extLst>
+      <p:ext uri="{BB962C8B-B14F-4D97-AF65-F5344CB8AC3E}">
+        <p14:creationId xmlns:p14="http://schemas.microsoft.com/office/powerpoint/2010/main" val="26173009"/>
+      </p:ext>
+    </p:extLst>
+  </p:cSld>
+  <p:clrMapOvr>
+    <a:masterClrMapping/>
+  </p:clrMapOvr>
+</p:sldLayout>
+</file>
+
+<file path=ppt/slideLayouts/slideLayout14.xml><?xml version="1.0" encoding="utf-8"?>
+<p:sldLayout xmlns:a="http://schemas.openxmlformats.org/drawingml/2006/main" xmlns:r="http://schemas.openxmlformats.org/officeDocument/2006/relationships" xmlns:p="http://schemas.openxmlformats.org/presentationml/2006/main" preserve="1">
+  <p:cSld name="Quote Name Card">
+    <p:spTree>
+      <p:nvGrpSpPr>
+        <p:cNvPr id="1" name=""/>
+        <p:cNvGrpSpPr/>
+        <p:nvPr/>
+      </p:nvGrpSpPr>
+      <p:grpSpPr>
+        <a:xfrm>
+          <a:off x="0" y="0"/>
+          <a:ext cx="0" cy="0"/>
+          <a:chOff x="0" y="0"/>
+          <a:chExt cx="0" cy="0"/>
+        </a:xfrm>
+      </p:grpSpPr>
+      <p:sp>
+        <p:nvSpPr>
+          <p:cNvPr id="14" name="TextBox 13"/>
+          <p:cNvSpPr txBox="1"/>
+          <p:nvPr/>
+        </p:nvSpPr>
+        <p:spPr>
+          <a:xfrm>
+            <a:off x="1598612" y="863023"/>
+            <a:ext cx="609600" cy="584776"/>
+          </a:xfrm>
+          <a:prstGeom prst="rect">
+            <a:avLst/>
+          </a:prstGeom>
+        </p:spPr>
+        <p:txBody>
+          <a:bodyPr vert="horz" lIns="91440" tIns="45720" rIns="91440" bIns="45720" rtlCol="0" anchor="ctr">
+            <a:noAutofit/>
+          </a:bodyPr>
+          <a:lstStyle>
+            <a:lvl1pPr>
+              <a:spcBef>
+                <a:spcPct val="0"/>
+              </a:spcBef>
+              <a:buNone/>
+              <a:defRPr sz="3200" b="0" cap="all">
+                <a:ln w="3175" cmpd="sng">
+                  <a:noFill/>
+                </a:ln>
+                <a:effectLst>
+                  <a:glow rad="38100">
+                    <a:schemeClr val="bg1">
+                      <a:lumMod val="65000"/>
+                      <a:lumOff val="35000"/>
+                      <a:alpha val="40000"/>
+                    </a:schemeClr>
+                  </a:glow>
+                  <a:outerShdw blurRad="28575" dist="38100" dir="14040000" algn="tl" rotWithShape="0">
+                    <a:srgbClr val="000000">
+                      <a:alpha val="25000"/>
+                    </a:srgbClr>
+                  </a:outerShdw>
+                </a:effectLst>
+              </a:defRPr>
+            </a:lvl1pPr>
+            <a:lvl2pPr>
+              <a:defRPr>
+                <a:solidFill>
+                  <a:schemeClr val="tx2"/>
+                </a:solidFill>
+              </a:defRPr>
+            </a:lvl2pPr>
+            <a:lvl3pPr>
+              <a:defRPr>
+                <a:solidFill>
+                  <a:schemeClr val="tx2"/>
+                </a:solidFill>
+              </a:defRPr>
+            </a:lvl3pPr>
+            <a:lvl4pPr>
+              <a:defRPr>
+                <a:solidFill>
+                  <a:schemeClr val="tx2"/>
+                </a:solidFill>
+              </a:defRPr>
+            </a:lvl4pPr>
+            <a:lvl5pPr>
+              <a:defRPr>
+                <a:solidFill>
+                  <a:schemeClr val="tx2"/>
+                </a:solidFill>
+              </a:defRPr>
+            </a:lvl5pPr>
+            <a:lvl6pPr>
+              <a:defRPr>
+                <a:solidFill>
+                  <a:schemeClr val="tx2"/>
+                </a:solidFill>
+              </a:defRPr>
+            </a:lvl6pPr>
+            <a:lvl7pPr>
+              <a:defRPr>
+                <a:solidFill>
+                  <a:schemeClr val="tx2"/>
+                </a:solidFill>
+              </a:defRPr>
+            </a:lvl7pPr>
+            <a:lvl8pPr>
+              <a:defRPr>
+                <a:solidFill>
+                  <a:schemeClr val="tx2"/>
+                </a:solidFill>
+              </a:defRPr>
+            </a:lvl8pPr>
+            <a:lvl9pPr>
+              <a:defRPr>
+                <a:solidFill>
+                  <a:schemeClr val="tx2"/>
+                </a:solidFill>
+              </a:defRPr>
+            </a:lvl9pPr>
+          </a:lstStyle>
+          <a:p>
+            <a:pPr lvl="0"/>
+            <a:r>
+              <a:rPr lang="en-US" sz="8000" dirty="0">
+                <a:solidFill>
+                  <a:schemeClr val="tx1"/>
+                </a:solidFill>
+                <a:effectLst/>
+              </a:rPr>
+              <a:t>“</a:t>
+            </a:r>
+          </a:p>
+        </p:txBody>
+      </p:sp>
+      <p:sp>
+        <p:nvSpPr>
+          <p:cNvPr id="15" name="TextBox 14"/>
+          <p:cNvSpPr txBox="1"/>
+          <p:nvPr/>
+        </p:nvSpPr>
+        <p:spPr>
+          <a:xfrm>
+            <a:off x="10893425" y="2819399"/>
+            <a:ext cx="609600" cy="584776"/>
+          </a:xfrm>
+          <a:prstGeom prst="rect">
+            <a:avLst/>
+          </a:prstGeom>
+        </p:spPr>
+        <p:txBody>
+          <a:bodyPr vert="horz" lIns="91440" tIns="45720" rIns="91440" bIns="45720" rtlCol="0" anchor="ctr">
+            <a:noAutofit/>
+          </a:bodyPr>
+          <a:lstStyle>
+            <a:lvl1pPr>
+              <a:spcBef>
+                <a:spcPct val="0"/>
+              </a:spcBef>
+              <a:buNone/>
+              <a:defRPr sz="3200" b="0" cap="all">
+                <a:ln w="3175" cmpd="sng">
+                  <a:noFill/>
+                </a:ln>
+                <a:effectLst>
+                  <a:glow rad="38100">
+                    <a:schemeClr val="bg1">
+                      <a:lumMod val="65000"/>
+                      <a:lumOff val="35000"/>
+                      <a:alpha val="40000"/>
+                    </a:schemeClr>
+                  </a:glow>
+                  <a:outerShdw blurRad="28575" dist="38100" dir="14040000" algn="tl" rotWithShape="0">
+                    <a:srgbClr val="000000">
+                      <a:alpha val="25000"/>
+                    </a:srgbClr>
+                  </a:outerShdw>
+                </a:effectLst>
+              </a:defRPr>
+            </a:lvl1pPr>
+            <a:lvl2pPr>
+              <a:defRPr>
+                <a:solidFill>
+                  <a:schemeClr val="tx2"/>
+                </a:solidFill>
+              </a:defRPr>
+            </a:lvl2pPr>
+            <a:lvl3pPr>
+              <a:defRPr>
+                <a:solidFill>
+                  <a:schemeClr val="tx2"/>
+                </a:solidFill>
+              </a:defRPr>
+            </a:lvl3pPr>
+            <a:lvl4pPr>
+              <a:defRPr>
+                <a:solidFill>
+                  <a:schemeClr val="tx2"/>
+                </a:solidFill>
+              </a:defRPr>
+            </a:lvl4pPr>
+            <a:lvl5pPr>
+              <a:defRPr>
+                <a:solidFill>
+                  <a:schemeClr val="tx2"/>
+                </a:solidFill>
+              </a:defRPr>
+            </a:lvl5pPr>
+            <a:lvl6pPr>
+              <a:defRPr>
+                <a:solidFill>
+                  <a:schemeClr val="tx2"/>
+                </a:solidFill>
+              </a:defRPr>
+            </a:lvl6pPr>
+            <a:lvl7pPr>
+              <a:defRPr>
+                <a:solidFill>
+                  <a:schemeClr val="tx2"/>
+                </a:solidFill>
+              </a:defRPr>
+            </a:lvl7pPr>
+            <a:lvl8pPr>
+              <a:defRPr>
+                <a:solidFill>
+                  <a:schemeClr val="tx2"/>
+                </a:solidFill>
+              </a:defRPr>
+            </a:lvl8pPr>
+            <a:lvl9pPr>
+              <a:defRPr>
+                <a:solidFill>
+                  <a:schemeClr val="tx2"/>
+                </a:solidFill>
+              </a:defRPr>
+            </a:lvl9pPr>
+          </a:lstStyle>
+          <a:p>
+            <a:pPr lvl="0" algn="r"/>
+            <a:r>
+              <a:rPr lang="en-US" sz="8000" dirty="0">
+                <a:solidFill>
+                  <a:schemeClr val="tx1"/>
+                </a:solidFill>
+                <a:effectLst/>
+              </a:rPr>
+              <a:t>”</a:t>
+            </a:r>
+          </a:p>
+        </p:txBody>
+      </p:sp>
+      <p:sp>
+        <p:nvSpPr>
+          <p:cNvPr id="2" name="Title 1"/>
+          <p:cNvSpPr>
+            <a:spLocks noGrp="1"/>
+          </p:cNvSpPr>
+          <p:nvPr>
+            <p:ph type="title"/>
+          </p:nvPr>
+        </p:nvSpPr>
+        <p:spPr>
+          <a:xfrm>
+            <a:off x="2208212" y="685800"/>
+            <a:ext cx="8990012" cy="2743199"/>
+          </a:xfrm>
+        </p:spPr>
+        <p:txBody>
+          <a:bodyPr anchor="ctr">
+            <a:normAutofit/>
+          </a:bodyPr>
+          <a:lstStyle>
+            <a:lvl1pPr algn="ctr">
+              <a:defRPr sz="3200" b="0" cap="none">
+                <a:solidFill>
+                  <a:schemeClr val="tx1"/>
+                </a:solidFill>
+              </a:defRPr>
+            </a:lvl1pPr>
+          </a:lstStyle>
+          <a:p>
+            <a:r>
+              <a:rPr lang="en-US" smtClean="0"/>
+              <a:t>Click to edit Master title style</a:t>
+            </a:r>
+            <a:endParaRPr lang="en-US" dirty="0"/>
+          </a:p>
+        </p:txBody>
+      </p:sp>
+      <p:sp>
+        <p:nvSpPr>
+          <p:cNvPr id="10" name="Text Placeholder 9"/>
+          <p:cNvSpPr>
+            <a:spLocks noGrp="1"/>
+          </p:cNvSpPr>
+          <p:nvPr>
+            <p:ph type="body" sz="quarter" idx="13"/>
+          </p:nvPr>
+        </p:nvSpPr>
+        <p:spPr>
+          <a:xfrm>
+            <a:off x="1484313" y="3886200"/>
+            <a:ext cx="10018710" cy="889000"/>
+          </a:xfrm>
+        </p:spPr>
+        <p:txBody>
+          <a:bodyPr vert="horz" lIns="91440" tIns="45720" rIns="91440" bIns="45720" rtlCol="0" anchor="b">
+            <a:normAutofit/>
+          </a:bodyPr>
+          <a:lstStyle>
+            <a:lvl1pPr algn="r">
+              <a:buNone/>
+              <a:defRPr lang="en-US" sz="2400" b="0" cap="none" dirty="0">
+                <a:ln w="3175" cmpd="sng">
+                  <a:noFill/>
+                </a:ln>
+                <a:solidFill>
+                  <a:schemeClr val="tx1"/>
+                </a:solidFill>
+                <a:effectLst/>
+              </a:defRPr>
+            </a:lvl1pPr>
+          </a:lstStyle>
+          <a:p>
+            <a:pPr marL="0" lvl="0">
+              <a:spcBef>
+                <a:spcPct val="0"/>
+              </a:spcBef>
+              <a:buNone/>
+            </a:pPr>
+            <a:r>
+              <a:rPr lang="en-US" smtClean="0"/>
+              <a:t>Click to edit Master text styles</a:t>
+            </a:r>
+          </a:p>
+        </p:txBody>
+      </p:sp>
+      <p:sp>
+        <p:nvSpPr>
+          <p:cNvPr id="3" name="Text Placeholder 2"/>
+          <p:cNvSpPr>
+            <a:spLocks noGrp="1"/>
+          </p:cNvSpPr>
+          <p:nvPr>
+            <p:ph type="body" idx="1"/>
+          </p:nvPr>
+        </p:nvSpPr>
+        <p:spPr>
+          <a:xfrm>
+            <a:off x="1484312" y="4775200"/>
+            <a:ext cx="10018710" cy="1016000"/>
+          </a:xfrm>
+        </p:spPr>
+        <p:txBody>
+          <a:bodyPr anchor="t">
+            <a:normAutofit/>
+          </a:bodyPr>
+          <a:lstStyle>
+            <a:lvl1pPr marL="0" indent="0" algn="r">
+              <a:buNone/>
+              <a:defRPr sz="1800">
+                <a:solidFill>
+                  <a:schemeClr val="tx1"/>
+                </a:solidFill>
+              </a:defRPr>
+            </a:lvl1pPr>
+            <a:lvl2pPr marL="457200" indent="0">
+              <a:buNone/>
+              <a:defRPr sz="1800">
+                <a:solidFill>
+                  <a:schemeClr val="tx1">
+                    <a:tint val="75000"/>
+                  </a:schemeClr>
+                </a:solidFill>
+              </a:defRPr>
+            </a:lvl2pPr>
+            <a:lvl3pPr marL="914400" indent="0">
+              <a:buNone/>
+              <a:defRPr sz="1600">
+                <a:solidFill>
+                  <a:schemeClr val="tx1">
+                    <a:tint val="75000"/>
+                  </a:schemeClr>
+                </a:solidFill>
+              </a:defRPr>
+            </a:lvl3pPr>
+            <a:lvl4pPr marL="1371600" indent="0">
+              <a:buNone/>
+              <a:defRPr sz="1400">
+                <a:solidFill>
+                  <a:schemeClr val="tx1">
+                    <a:tint val="75000"/>
+                  </a:schemeClr>
+                </a:solidFill>
+              </a:defRPr>
+            </a:lvl4pPr>
+            <a:lvl5pPr marL="1828800" indent="0">
+              <a:buNone/>
+              <a:defRPr sz="1400">
+                <a:solidFill>
+                  <a:schemeClr val="tx1">
+                    <a:tint val="75000"/>
+                  </a:schemeClr>
+                </a:solidFill>
+              </a:defRPr>
+            </a:lvl5pPr>
+            <a:lvl6pPr marL="2286000" indent="0">
+              <a:buNone/>
+              <a:defRPr sz="1400">
+                <a:solidFill>
+                  <a:schemeClr val="tx1">
+                    <a:tint val="75000"/>
+                  </a:schemeClr>
+                </a:solidFill>
+              </a:defRPr>
+            </a:lvl6pPr>
+            <a:lvl7pPr marL="2743200" indent="0">
+              <a:buNone/>
+              <a:defRPr sz="1400">
+                <a:solidFill>
+                  <a:schemeClr val="tx1">
+                    <a:tint val="75000"/>
+                  </a:schemeClr>
+                </a:solidFill>
+              </a:defRPr>
+            </a:lvl7pPr>
+            <a:lvl8pPr marL="3200400" indent="0">
+              <a:buNone/>
+              <a:defRPr sz="1400">
+                <a:solidFill>
+                  <a:schemeClr val="tx1">
+                    <a:tint val="75000"/>
+                  </a:schemeClr>
+                </a:solidFill>
+              </a:defRPr>
+            </a:lvl8pPr>
+            <a:lvl9pPr marL="3657600" indent="0">
+              <a:buNone/>
+              <a:defRPr sz="1400">
+                <a:solidFill>
+                  <a:schemeClr val="tx1">
+                    <a:tint val="75000"/>
+                  </a:schemeClr>
+                </a:solidFill>
+              </a:defRPr>
+            </a:lvl9pPr>
+          </a:lstStyle>
+          <a:p>
+            <a:pPr lvl="0"/>
+            <a:r>
+              <a:rPr lang="en-US" smtClean="0"/>
+              <a:t>Click to edit Master text styles</a:t>
+            </a:r>
+          </a:p>
+        </p:txBody>
+      </p:sp>
+      <p:sp>
+        <p:nvSpPr>
+          <p:cNvPr id="4" name="Date Placeholder 3"/>
+          <p:cNvSpPr>
+            <a:spLocks noGrp="1"/>
+          </p:cNvSpPr>
+          <p:nvPr>
+            <p:ph type="dt" sz="half" idx="10"/>
+          </p:nvPr>
+        </p:nvSpPr>
+        <p:spPr/>
+        <p:txBody>
+          <a:bodyPr/>
+          <a:lstStyle/>
+          <a:p>
+            <a:fld id="{F582141F-E693-4F55-A5CB-368034658A9D}" type="datetimeFigureOut">
+              <a:rPr lang="en-US" smtClean="0"/>
+              <a:t>6/8/2015</a:t>
+            </a:fld>
+            <a:endParaRPr lang="en-US"/>
+          </a:p>
+        </p:txBody>
+      </p:sp>
+      <p:sp>
+        <p:nvSpPr>
+          <p:cNvPr id="5" name="Footer Placeholder 4"/>
+          <p:cNvSpPr>
+            <a:spLocks noGrp="1"/>
+          </p:cNvSpPr>
+          <p:nvPr>
+            <p:ph type="ftr" sz="quarter" idx="11"/>
+          </p:nvPr>
+        </p:nvSpPr>
+        <p:spPr/>
+        <p:txBody>
+          <a:bodyPr/>
+          <a:lstStyle/>
+          <a:p>
+            <a:endParaRPr lang="en-US"/>
+          </a:p>
+        </p:txBody>
+      </p:sp>
+      <p:sp>
+        <p:nvSpPr>
+          <p:cNvPr id="6" name="Slide Number Placeholder 5"/>
+          <p:cNvSpPr>
+            <a:spLocks noGrp="1"/>
+          </p:cNvSpPr>
+          <p:nvPr>
+            <p:ph type="sldNum" sz="quarter" idx="12"/>
+          </p:nvPr>
+        </p:nvSpPr>
+        <p:spPr/>
+        <p:txBody>
+          <a:bodyPr/>
+          <a:lstStyle/>
+          <a:p>
+            <a:fld id="{FAC6983E-3E45-4539-8B81-9B8E40E9FE3E}" type="slidenum">
+              <a:rPr lang="en-US" smtClean="0"/>
+              <a:t>‹#›</a:t>
+            </a:fld>
+            <a:endParaRPr lang="en-US"/>
+          </a:p>
+        </p:txBody>
+      </p:sp>
+    </p:spTree>
+    <p:extLst>
+      <p:ext uri="{BB962C8B-B14F-4D97-AF65-F5344CB8AC3E}">
+        <p14:creationId xmlns:p14="http://schemas.microsoft.com/office/powerpoint/2010/main" val="1321385412"/>
+      </p:ext>
+    </p:extLst>
+  </p:cSld>
+  <p:clrMapOvr>
+    <a:masterClrMapping/>
+  </p:clrMapOvr>
+</p:sldLayout>
+</file>
+
+<file path=ppt/slideLayouts/slideLayout15.xml><?xml version="1.0" encoding="utf-8"?>
+<p:sldLayout xmlns:a="http://schemas.openxmlformats.org/drawingml/2006/main" xmlns:r="http://schemas.openxmlformats.org/officeDocument/2006/relationships" xmlns:p="http://schemas.openxmlformats.org/presentationml/2006/main" preserve="1">
+  <p:cSld name="True or False">
+    <p:spTree>
+      <p:nvGrpSpPr>
+        <p:cNvPr id="1" name=""/>
+        <p:cNvGrpSpPr/>
+        <p:nvPr/>
+      </p:nvGrpSpPr>
+      <p:grpSpPr>
+        <a:xfrm>
+          <a:off x="0" y="0"/>
+          <a:ext cx="0" cy="0"/>
+          <a:chOff x="0" y="0"/>
+          <a:chExt cx="0" cy="0"/>
+        </a:xfrm>
+      </p:grpSpPr>
+      <p:sp>
+        <p:nvSpPr>
+          <p:cNvPr id="2" name="Title 1"/>
+          <p:cNvSpPr>
+            <a:spLocks noGrp="1"/>
+          </p:cNvSpPr>
+          <p:nvPr>
+            <p:ph type="title"/>
+          </p:nvPr>
+        </p:nvSpPr>
+        <p:spPr>
+          <a:xfrm>
+            <a:off x="1484313" y="685800"/>
+            <a:ext cx="10018712" cy="2727325"/>
+          </a:xfrm>
+        </p:spPr>
+        <p:txBody>
+          <a:bodyPr vert="horz" lIns="91440" tIns="45720" rIns="91440" bIns="45720" rtlCol="0" anchor="ctr">
+            <a:normAutofit/>
+          </a:bodyPr>
+          <a:lstStyle>
+            <a:lvl1pPr>
+              <a:defRPr lang="en-US" b="0" dirty="0"/>
+            </a:lvl1pPr>
+          </a:lstStyle>
+          <a:p>
+            <a:pPr marL="0" lvl="0"/>
+            <a:r>
+              <a:rPr lang="en-US" smtClean="0"/>
+              <a:t>Click to edit Master title style</a:t>
+            </a:r>
+            <a:endParaRPr lang="en-US" dirty="0"/>
+          </a:p>
+        </p:txBody>
+      </p:sp>
+      <p:sp>
+        <p:nvSpPr>
+          <p:cNvPr id="10" name="Text Placeholder 9"/>
+          <p:cNvSpPr>
+            <a:spLocks noGrp="1"/>
+          </p:cNvSpPr>
+          <p:nvPr>
+            <p:ph type="body" sz="quarter" idx="13"/>
+          </p:nvPr>
+        </p:nvSpPr>
+        <p:spPr>
+          <a:xfrm>
+            <a:off x="1484312" y="3505200"/>
+            <a:ext cx="10018713" cy="838200"/>
+          </a:xfrm>
+        </p:spPr>
+        <p:txBody>
+          <a:bodyPr vert="horz" lIns="91440" tIns="45720" rIns="91440" bIns="45720" rtlCol="0" anchor="b">
+            <a:normAutofit/>
+          </a:bodyPr>
+          <a:lstStyle>
+            <a:lvl1pPr>
+              <a:buNone/>
+              <a:defRPr lang="en-US" sz="2800" b="0" cap="none" dirty="0">
+                <a:ln w="3175" cmpd="sng">
+                  <a:noFill/>
+                </a:ln>
+                <a:solidFill>
+                  <a:schemeClr val="tx1"/>
+                </a:solidFill>
+                <a:effectLst/>
+              </a:defRPr>
+            </a:lvl1pPr>
+          </a:lstStyle>
+          <a:p>
+            <a:pPr marL="0" lvl="0">
+              <a:spcBef>
+                <a:spcPct val="0"/>
+              </a:spcBef>
+              <a:buNone/>
+            </a:pPr>
+            <a:r>
+              <a:rPr lang="en-US" smtClean="0"/>
+              <a:t>Click to edit Master text styles</a:t>
+            </a:r>
+          </a:p>
+        </p:txBody>
+      </p:sp>
+      <p:sp>
+        <p:nvSpPr>
+          <p:cNvPr id="3" name="Text Placeholder 2"/>
+          <p:cNvSpPr>
+            <a:spLocks noGrp="1"/>
+          </p:cNvSpPr>
+          <p:nvPr>
+            <p:ph type="body" idx="1"/>
+          </p:nvPr>
+        </p:nvSpPr>
+        <p:spPr>
+          <a:xfrm>
+            <a:off x="1484311" y="4343400"/>
+            <a:ext cx="10018713" cy="1447800"/>
+          </a:xfrm>
+        </p:spPr>
+        <p:txBody>
+          <a:bodyPr anchor="t">
+            <a:normAutofit/>
+          </a:bodyPr>
+          <a:lstStyle>
+            <a:lvl1pPr marL="0" indent="0" algn="l">
+              <a:buNone/>
+              <a:defRPr sz="1800">
+                <a:solidFill>
+                  <a:schemeClr val="tx1"/>
+                </a:solidFill>
+              </a:defRPr>
+            </a:lvl1pPr>
+            <a:lvl2pPr marL="457200" indent="0">
+              <a:buNone/>
+              <a:defRPr sz="1800">
+                <a:solidFill>
+                  <a:schemeClr val="tx1">
+                    <a:tint val="75000"/>
+                  </a:schemeClr>
+                </a:solidFill>
+              </a:defRPr>
+            </a:lvl2pPr>
+            <a:lvl3pPr marL="914400" indent="0">
+              <a:buNone/>
+              <a:defRPr sz="1600">
+                <a:solidFill>
+                  <a:schemeClr val="tx1">
+                    <a:tint val="75000"/>
+                  </a:schemeClr>
+                </a:solidFill>
+              </a:defRPr>
+            </a:lvl3pPr>
+            <a:lvl4pPr marL="1371600" indent="0">
+              <a:buNone/>
+              <a:defRPr sz="1400">
+                <a:solidFill>
+                  <a:schemeClr val="tx1">
+                    <a:tint val="75000"/>
+                  </a:schemeClr>
+                </a:solidFill>
+              </a:defRPr>
+            </a:lvl4pPr>
+            <a:lvl5pPr marL="1828800" indent="0">
+              <a:buNone/>
+              <a:defRPr sz="1400">
+                <a:solidFill>
+                  <a:schemeClr val="tx1">
+                    <a:tint val="75000"/>
+                  </a:schemeClr>
+                </a:solidFill>
+              </a:defRPr>
+            </a:lvl5pPr>
+            <a:lvl6pPr marL="2286000" indent="0">
+              <a:buNone/>
+              <a:defRPr sz="1400">
+                <a:solidFill>
+                  <a:schemeClr val="tx1">
+                    <a:tint val="75000"/>
+                  </a:schemeClr>
+                </a:solidFill>
+              </a:defRPr>
+            </a:lvl6pPr>
+            <a:lvl7pPr marL="2743200" indent="0">
+              <a:buNone/>
+              <a:defRPr sz="1400">
+                <a:solidFill>
+                  <a:schemeClr val="tx1">
+                    <a:tint val="75000"/>
+                  </a:schemeClr>
+                </a:solidFill>
+              </a:defRPr>
+            </a:lvl7pPr>
+            <a:lvl8pPr marL="3200400" indent="0">
+              <a:buNone/>
+              <a:defRPr sz="1400">
+                <a:solidFill>
+                  <a:schemeClr val="tx1">
+                    <a:tint val="75000"/>
+                  </a:schemeClr>
+                </a:solidFill>
+              </a:defRPr>
+            </a:lvl8pPr>
+            <a:lvl9pPr marL="3657600" indent="0">
+              <a:buNone/>
+              <a:defRPr sz="1400">
+                <a:solidFill>
+                  <a:schemeClr val="tx1">
+                    <a:tint val="75000"/>
+                  </a:schemeClr>
+                </a:solidFill>
+              </a:defRPr>
+            </a:lvl9pPr>
+          </a:lstStyle>
+          <a:p>
+            <a:pPr lvl="0"/>
+            <a:r>
+              <a:rPr lang="en-US" smtClean="0"/>
+              <a:t>Click to edit Master text styles</a:t>
+            </a:r>
+          </a:p>
+        </p:txBody>
+      </p:sp>
+      <p:sp>
+        <p:nvSpPr>
+          <p:cNvPr id="4" name="Date Placeholder 3"/>
+          <p:cNvSpPr>
+            <a:spLocks noGrp="1"/>
+          </p:cNvSpPr>
+          <p:nvPr>
+            <p:ph type="dt" sz="half" idx="10"/>
+          </p:nvPr>
+        </p:nvSpPr>
+        <p:spPr/>
+        <p:txBody>
+          <a:bodyPr/>
+          <a:lstStyle/>
+          <a:p>
+            <a:fld id="{F582141F-E693-4F55-A5CB-368034658A9D}" type="datetimeFigureOut">
+              <a:rPr lang="en-US" smtClean="0"/>
+              <a:t>6/8/2015</a:t>
+            </a:fld>
+            <a:endParaRPr lang="en-US"/>
+          </a:p>
+        </p:txBody>
+      </p:sp>
+      <p:sp>
+        <p:nvSpPr>
+          <p:cNvPr id="5" name="Footer Placeholder 4"/>
+          <p:cNvSpPr>
+            <a:spLocks noGrp="1"/>
+          </p:cNvSpPr>
+          <p:nvPr>
+            <p:ph type="ftr" sz="quarter" idx="11"/>
+          </p:nvPr>
+        </p:nvSpPr>
+        <p:spPr/>
+        <p:txBody>
+          <a:bodyPr/>
+          <a:lstStyle/>
+          <a:p>
+            <a:endParaRPr lang="en-US"/>
+          </a:p>
+        </p:txBody>
+      </p:sp>
+      <p:sp>
+        <p:nvSpPr>
+          <p:cNvPr id="6" name="Slide Number Placeholder 5"/>
+          <p:cNvSpPr>
+            <a:spLocks noGrp="1"/>
+          </p:cNvSpPr>
+          <p:nvPr>
+            <p:ph type="sldNum" sz="quarter" idx="12"/>
+          </p:nvPr>
+        </p:nvSpPr>
+        <p:spPr/>
+        <p:txBody>
+          <a:bodyPr/>
+          <a:lstStyle/>
+          <a:p>
+            <a:fld id="{FAC6983E-3E45-4539-8B81-9B8E40E9FE3E}" type="slidenum">
+              <a:rPr lang="en-US" smtClean="0"/>
+              <a:t>‹#›</a:t>
+            </a:fld>
+            <a:endParaRPr lang="en-US"/>
+          </a:p>
+        </p:txBody>
+      </p:sp>
+    </p:spTree>
+    <p:extLst>
+      <p:ext uri="{BB962C8B-B14F-4D97-AF65-F5344CB8AC3E}">
+        <p14:creationId xmlns:p14="http://schemas.microsoft.com/office/powerpoint/2010/main" val="2397104731"/>
+      </p:ext>
+    </p:extLst>
+  </p:cSld>
+  <p:clrMapOvr>
+    <a:masterClrMapping/>
+  </p:clrMapOvr>
+</p:sldLayout>
+</file>
+
+<file path=ppt/slideLayouts/slideLayout16.xml><?xml version="1.0" encoding="utf-8"?>
 <p:sldLayout xmlns:a="http://schemas.openxmlformats.org/drawingml/2006/main" xmlns:r="http://schemas.openxmlformats.org/officeDocument/2006/relationships" xmlns:p="http://schemas.openxmlformats.org/presentationml/2006/main" type="vertTx" preserve="1">
   <p:cSld name="Title and Vertical Text">
     <p:spTree>
@@ -332,31 +2878,35 @@
         <p:spPr/>
         <p:txBody>
           <a:bodyPr/>
+          <a:lstStyle>
+            <a:lvl1pPr algn="ctr">
+              <a:defRPr/>
+            </a:lvl1pPr>
+          </a:lstStyle>
+          <a:p>
+            <a:r>
+              <a:rPr lang="en-US" smtClean="0"/>
+              <a:t>Click to edit Master title style</a:t>
+            </a:r>
+            <a:endParaRPr lang="en-US" dirty="0"/>
+          </a:p>
+        </p:txBody>
+      </p:sp>
+      <p:sp>
+        <p:nvSpPr>
+          <p:cNvPr id="3" name="Vertical Text Placeholder 2"/>
+          <p:cNvSpPr>
+            <a:spLocks noGrp="1"/>
+          </p:cNvSpPr>
+          <p:nvPr>
+            <p:ph type="body" orient="vert" idx="1"/>
+          </p:nvPr>
+        </p:nvSpPr>
+        <p:spPr/>
+        <p:txBody>
+          <a:bodyPr vert="eaVert" anchor="t"/>
           <a:lstStyle/>
           <a:p>
-            <a:r>
-              <a:rPr lang="en-US" smtClean="0"/>
-              <a:t>Click to edit Master title style</a:t>
-            </a:r>
-            <a:endParaRPr lang="en-US"/>
-          </a:p>
-        </p:txBody>
-      </p:sp>
-      <p:sp>
-        <p:nvSpPr>
-          <p:cNvPr id="3" name="Vertical Text Placeholder 2"/>
-          <p:cNvSpPr>
-            <a:spLocks noGrp="1"/>
-          </p:cNvSpPr>
-          <p:nvPr>
-            <p:ph type="body" orient="vert" idx="1"/>
-          </p:nvPr>
-        </p:nvSpPr>
-        <p:spPr/>
-        <p:txBody>
-          <a:bodyPr vert="eaVert"/>
-          <a:lstStyle/>
-          <a:p>
             <a:pPr lvl="0"/>
             <a:r>
               <a:rPr lang="en-US" smtClean="0"/>
@@ -390,7 +2940,7 @@
               <a:rPr lang="en-US" smtClean="0"/>
               <a:t>Fifth level</a:t>
             </a:r>
-            <a:endParaRPr lang="en-US"/>
+            <a:endParaRPr lang="en-US" dirty="0"/>
           </a:p>
         </p:txBody>
       </p:sp>
@@ -462,7 +3012,7 @@
     </p:spTree>
     <p:extLst>
       <p:ext uri="{BB962C8B-B14F-4D97-AF65-F5344CB8AC3E}">
-        <p14:creationId xmlns:p14="http://schemas.microsoft.com/office/powerpoint/2010/main" val="2611689939"/>
+        <p14:creationId xmlns:p14="http://schemas.microsoft.com/office/powerpoint/2010/main" val="2735169502"/>
       </p:ext>
     </p:extLst>
   </p:cSld>
@@ -472,7 +3022,7 @@
 </p:sldLayout>
 </file>
 
-<file path=ppt/slideLayouts/slideLayout11.xml><?xml version="1.0" encoding="utf-8"?>
+<file path=ppt/slideLayouts/slideLayout17.xml><?xml version="1.0" encoding="utf-8"?>
 <p:sldLayout xmlns:a="http://schemas.openxmlformats.org/drawingml/2006/main" xmlns:r="http://schemas.openxmlformats.org/officeDocument/2006/relationships" xmlns:p="http://schemas.openxmlformats.org/presentationml/2006/main" type="vertTitleAndTx" preserve="1">
   <p:cSld name="Vertical Title and Text">
     <p:spTree>
@@ -501,8 +3051,8 @@
         </p:nvSpPr>
         <p:spPr>
           <a:xfrm>
-            <a:off x="8724900" y="365125"/>
-            <a:ext cx="2628900" cy="5811838"/>
+            <a:off x="9732655" y="685800"/>
+            <a:ext cx="1770369" cy="5105400"/>
           </a:xfrm>
         </p:spPr>
         <p:txBody>
@@ -513,7 +3063,7 @@
               <a:rPr lang="en-US" smtClean="0"/>
               <a:t>Click to edit Master title style</a:t>
             </a:r>
-            <a:endParaRPr lang="en-US"/>
+            <a:endParaRPr lang="en-US" dirty="0"/>
           </a:p>
         </p:txBody>
       </p:sp>
@@ -529,12 +3079,12 @@
         </p:nvSpPr>
         <p:spPr>
           <a:xfrm>
-            <a:off x="838200" y="365125"/>
-            <a:ext cx="7734300" cy="5811838"/>
+            <a:off x="1484312" y="685800"/>
+            <a:ext cx="8019742" cy="5105400"/>
           </a:xfrm>
         </p:spPr>
         <p:txBody>
-          <a:bodyPr vert="eaVert"/>
+          <a:bodyPr vert="eaVert" anchor="t"/>
           <a:lstStyle/>
           <a:p>
             <a:pPr lvl="0"/>
@@ -570,7 +3120,7 @@
               <a:rPr lang="en-US" smtClean="0"/>
               <a:t>Fifth level</a:t>
             </a:r>
-            <a:endParaRPr lang="en-US"/>
+            <a:endParaRPr lang="en-US" dirty="0"/>
           </a:p>
         </p:txBody>
       </p:sp>
@@ -642,7 +3192,7 @@
     </p:spTree>
     <p:extLst>
       <p:ext uri="{BB962C8B-B14F-4D97-AF65-F5344CB8AC3E}">
-        <p14:creationId xmlns:p14="http://schemas.microsoft.com/office/powerpoint/2010/main" val="3529059856"/>
+        <p14:creationId xmlns:p14="http://schemas.microsoft.com/office/powerpoint/2010/main" val="1493554620"/>
       </p:ext>
     </p:extLst>
   </p:cSld>
@@ -688,7 +3238,7 @@
               <a:rPr lang="en-US" smtClean="0"/>
               <a:t>Click to edit Master title style</a:t>
             </a:r>
-            <a:endParaRPr lang="en-US"/>
+            <a:endParaRPr lang="en-US" dirty="0"/>
           </a:p>
         </p:txBody>
       </p:sp>
@@ -704,7 +3254,7 @@
         </p:nvSpPr>
         <p:spPr/>
         <p:txBody>
-          <a:bodyPr/>
+          <a:bodyPr anchor="ctr"/>
           <a:lstStyle/>
           <a:p>
             <a:pPr lvl="0"/>
@@ -740,7 +3290,7 @@
               <a:rPr lang="en-US" smtClean="0"/>
               <a:t>Fifth level</a:t>
             </a:r>
-            <a:endParaRPr lang="en-US"/>
+            <a:endParaRPr lang="en-US" dirty="0"/>
           </a:p>
         </p:txBody>
       </p:sp>
@@ -796,7 +3346,12 @@
             <p:ph type="sldNum" sz="quarter" idx="12"/>
           </p:nvPr>
         </p:nvSpPr>
-        <p:spPr/>
+        <p:spPr>
+          <a:xfrm>
+            <a:off x="10951856" y="5867131"/>
+            <a:ext cx="551167" cy="365125"/>
+          </a:xfrm>
+        </p:spPr>
         <p:txBody>
           <a:bodyPr/>
           <a:lstStyle/>
@@ -812,7 +3367,7 @@
     </p:spTree>
     <p:extLst>
       <p:ext uri="{BB962C8B-B14F-4D97-AF65-F5344CB8AC3E}">
-        <p14:creationId xmlns:p14="http://schemas.microsoft.com/office/powerpoint/2010/main" val="30507756"/>
+        <p14:creationId xmlns:p14="http://schemas.microsoft.com/office/powerpoint/2010/main" val="21981733"/>
       </p:ext>
     </p:extLst>
   </p:cSld>
@@ -851,15 +3406,15 @@
         </p:nvSpPr>
         <p:spPr>
           <a:xfrm>
-            <a:off x="831850" y="1709738"/>
-            <a:ext cx="10515600" cy="2852737"/>
+            <a:off x="2572279" y="2666999"/>
+            <a:ext cx="8930747" cy="2110382"/>
           </a:xfrm>
         </p:spPr>
         <p:txBody>
           <a:bodyPr anchor="b"/>
           <a:lstStyle>
-            <a:lvl1pPr>
-              <a:defRPr sz="6000"/>
+            <a:lvl1pPr algn="r">
+              <a:defRPr sz="4000" b="0" cap="none"/>
             </a:lvl1pPr>
           </a:lstStyle>
           <a:p>
@@ -867,7 +3422,7 @@
               <a:rPr lang="en-US" smtClean="0"/>
               <a:t>Click to edit Master title style</a:t>
             </a:r>
-            <a:endParaRPr lang="en-US"/>
+            <a:endParaRPr lang="en-US" dirty="0"/>
           </a:p>
         </p:txBody>
       </p:sp>
@@ -883,102 +3438,102 @@
         </p:nvSpPr>
         <p:spPr>
           <a:xfrm>
-            <a:off x="831850" y="4589463"/>
-            <a:ext cx="10515600" cy="1500187"/>
+            <a:off x="2572278" y="4777381"/>
+            <a:ext cx="8930748" cy="860400"/>
           </a:xfrm>
         </p:spPr>
         <p:txBody>
-          <a:bodyPr/>
+          <a:bodyPr anchor="t">
+            <a:normAutofit/>
+          </a:bodyPr>
           <a:lstStyle>
-            <a:lvl1pPr marL="0" indent="0">
-              <a:buNone/>
-              <a:defRPr sz="2400">
+            <a:lvl1pPr marL="0" indent="0" algn="r">
+              <a:buNone/>
+              <a:defRPr sz="2000">
+                <a:solidFill>
+                  <a:schemeClr val="tx1"/>
+                </a:solidFill>
+              </a:defRPr>
+            </a:lvl1pPr>
+            <a:lvl2pPr marL="457200" indent="0">
+              <a:buNone/>
+              <a:defRPr sz="1800">
                 <a:solidFill>
                   <a:schemeClr val="tx1">
                     <a:tint val="75000"/>
                   </a:schemeClr>
                 </a:solidFill>
               </a:defRPr>
-            </a:lvl1pPr>
-            <a:lvl2pPr marL="457200" indent="0">
-              <a:buNone/>
-              <a:defRPr sz="2000">
+            </a:lvl2pPr>
+            <a:lvl3pPr marL="914400" indent="0">
+              <a:buNone/>
+              <a:defRPr sz="1600">
                 <a:solidFill>
                   <a:schemeClr val="tx1">
                     <a:tint val="75000"/>
                   </a:schemeClr>
                 </a:solidFill>
               </a:defRPr>
-            </a:lvl2pPr>
-            <a:lvl3pPr marL="914400" indent="0">
-              <a:buNone/>
-              <a:defRPr sz="1800">
+            </a:lvl3pPr>
+            <a:lvl4pPr marL="1371600" indent="0">
+              <a:buNone/>
+              <a:defRPr sz="1400">
                 <a:solidFill>
                   <a:schemeClr val="tx1">
                     <a:tint val="75000"/>
                   </a:schemeClr>
                 </a:solidFill>
               </a:defRPr>
-            </a:lvl3pPr>
-            <a:lvl4pPr marL="1371600" indent="0">
-              <a:buNone/>
-              <a:defRPr sz="1600">
+            </a:lvl4pPr>
+            <a:lvl5pPr marL="1828800" indent="0">
+              <a:buNone/>
+              <a:defRPr sz="1400">
                 <a:solidFill>
                   <a:schemeClr val="tx1">
                     <a:tint val="75000"/>
                   </a:schemeClr>
                 </a:solidFill>
               </a:defRPr>
-            </a:lvl4pPr>
-            <a:lvl5pPr marL="1828800" indent="0">
-              <a:buNone/>
-              <a:defRPr sz="1600">
+            </a:lvl5pPr>
+            <a:lvl6pPr marL="2286000" indent="0">
+              <a:buNone/>
+              <a:defRPr sz="1400">
                 <a:solidFill>
                   <a:schemeClr val="tx1">
                     <a:tint val="75000"/>
                   </a:schemeClr>
                 </a:solidFill>
               </a:defRPr>
-            </a:lvl5pPr>
-            <a:lvl6pPr marL="2286000" indent="0">
-              <a:buNone/>
-              <a:defRPr sz="1600">
+            </a:lvl6pPr>
+            <a:lvl7pPr marL="2743200" indent="0">
+              <a:buNone/>
+              <a:defRPr sz="1400">
                 <a:solidFill>
                   <a:schemeClr val="tx1">
                     <a:tint val="75000"/>
                   </a:schemeClr>
                 </a:solidFill>
               </a:defRPr>
-            </a:lvl6pPr>
-            <a:lvl7pPr marL="2743200" indent="0">
-              <a:buNone/>
-              <a:defRPr sz="1600">
+            </a:lvl7pPr>
+            <a:lvl8pPr marL="3200400" indent="0">
+              <a:buNone/>
+              <a:defRPr sz="1400">
                 <a:solidFill>
                   <a:schemeClr val="tx1">
                     <a:tint val="75000"/>
                   </a:schemeClr>
                 </a:solidFill>
               </a:defRPr>
-            </a:lvl7pPr>
-            <a:lvl8pPr marL="3200400" indent="0">
-              <a:buNone/>
-              <a:defRPr sz="1600">
+            </a:lvl8pPr>
+            <a:lvl9pPr marL="3657600" indent="0">
+              <a:buNone/>
+              <a:defRPr sz="1400">
                 <a:solidFill>
                   <a:schemeClr val="tx1">
                     <a:tint val="75000"/>
                   </a:schemeClr>
                 </a:solidFill>
               </a:defRPr>
-            </a:lvl8pPr>
-            <a:lvl9pPr marL="3657600" indent="0">
-              <a:buNone/>
-              <a:defRPr sz="1600">
-                <a:solidFill>
-                  <a:schemeClr val="tx1">
-                    <a:tint val="75000"/>
-                  </a:schemeClr>
-                </a:solidFill>
-              </a:defRPr>
             </a:lvl9pPr>
           </a:lstStyle>
           <a:p>
@@ -1058,7 +3613,7 @@
     </p:spTree>
     <p:extLst>
       <p:ext uri="{BB962C8B-B14F-4D97-AF65-F5344CB8AC3E}">
-        <p14:creationId xmlns:p14="http://schemas.microsoft.com/office/powerpoint/2010/main" val="2006306857"/>
+        <p14:creationId xmlns:p14="http://schemas.microsoft.com/office/powerpoint/2010/main" val="2646707703"/>
       </p:ext>
     </p:extLst>
   </p:cSld>
@@ -1095,7 +3650,12 @@
             <p:ph type="title"/>
           </p:nvPr>
         </p:nvSpPr>
-        <p:spPr/>
+        <p:spPr>
+          <a:xfrm>
+            <a:off x="1484311" y="685800"/>
+            <a:ext cx="10018713" cy="1752599"/>
+          </a:xfrm>
+        </p:spPr>
         <p:txBody>
           <a:bodyPr/>
           <a:lstStyle/>
@@ -1104,7 +3664,7 @@
               <a:rPr lang="en-US" smtClean="0"/>
               <a:t>Click to edit Master title style</a:t>
             </a:r>
-            <a:endParaRPr lang="en-US"/>
+            <a:endParaRPr lang="en-US" dirty="0"/>
           </a:p>
         </p:txBody>
       </p:sp>
@@ -1120,13 +3680,43 @@
         </p:nvSpPr>
         <p:spPr>
           <a:xfrm>
-            <a:off x="838200" y="1825625"/>
-            <a:ext cx="5181600" cy="4351338"/>
+            <a:off x="1484312" y="2666999"/>
+            <a:ext cx="4895055" cy="3124201"/>
           </a:xfrm>
         </p:spPr>
         <p:txBody>
-          <a:bodyPr/>
-          <a:lstStyle/>
+          <a:bodyPr>
+            <a:normAutofit/>
+          </a:bodyPr>
+          <a:lstStyle>
+            <a:lvl1pPr>
+              <a:defRPr sz="1800"/>
+            </a:lvl1pPr>
+            <a:lvl2pPr>
+              <a:defRPr sz="1600"/>
+            </a:lvl2pPr>
+            <a:lvl3pPr>
+              <a:defRPr sz="1400"/>
+            </a:lvl3pPr>
+            <a:lvl4pPr>
+              <a:defRPr sz="1200"/>
+            </a:lvl4pPr>
+            <a:lvl5pPr>
+              <a:defRPr sz="1200"/>
+            </a:lvl5pPr>
+            <a:lvl6pPr>
+              <a:defRPr sz="1200"/>
+            </a:lvl6pPr>
+            <a:lvl7pPr>
+              <a:defRPr sz="1200"/>
+            </a:lvl7pPr>
+            <a:lvl8pPr>
+              <a:defRPr sz="1200"/>
+            </a:lvl8pPr>
+            <a:lvl9pPr>
+              <a:defRPr sz="1200"/>
+            </a:lvl9pPr>
+          </a:lstStyle>
           <a:p>
             <a:pPr lvl="0"/>
             <a:r>
@@ -1161,7 +3751,7 @@
               <a:rPr lang="en-US" smtClean="0"/>
               <a:t>Fifth level</a:t>
             </a:r>
-            <a:endParaRPr lang="en-US"/>
+            <a:endParaRPr lang="en-US" dirty="0"/>
           </a:p>
         </p:txBody>
       </p:sp>
@@ -1177,13 +3767,43 @@
         </p:nvSpPr>
         <p:spPr>
           <a:xfrm>
-            <a:off x="6172200" y="1825625"/>
-            <a:ext cx="5181600" cy="4351338"/>
+            <a:off x="6607967" y="2667000"/>
+            <a:ext cx="4895056" cy="3124200"/>
           </a:xfrm>
         </p:spPr>
         <p:txBody>
-          <a:bodyPr/>
-          <a:lstStyle/>
+          <a:bodyPr>
+            <a:normAutofit/>
+          </a:bodyPr>
+          <a:lstStyle>
+            <a:lvl1pPr>
+              <a:defRPr sz="1800"/>
+            </a:lvl1pPr>
+            <a:lvl2pPr>
+              <a:defRPr sz="1600"/>
+            </a:lvl2pPr>
+            <a:lvl3pPr>
+              <a:defRPr sz="1400"/>
+            </a:lvl3pPr>
+            <a:lvl4pPr>
+              <a:defRPr sz="1200"/>
+            </a:lvl4pPr>
+            <a:lvl5pPr>
+              <a:defRPr sz="1200"/>
+            </a:lvl5pPr>
+            <a:lvl6pPr>
+              <a:defRPr sz="1200"/>
+            </a:lvl6pPr>
+            <a:lvl7pPr>
+              <a:defRPr sz="1200"/>
+            </a:lvl7pPr>
+            <a:lvl8pPr>
+              <a:defRPr sz="1200"/>
+            </a:lvl8pPr>
+            <a:lvl9pPr>
+              <a:defRPr sz="1200"/>
+            </a:lvl9pPr>
+          </a:lstStyle>
           <a:p>
             <a:pPr lvl="0"/>
             <a:r>
@@ -1218,7 +3838,7 @@
               <a:rPr lang="en-US" smtClean="0"/>
               <a:t>Fifth level</a:t>
             </a:r>
-            <a:endParaRPr lang="en-US"/>
+            <a:endParaRPr lang="en-US" dirty="0"/>
           </a:p>
         </p:txBody>
       </p:sp>
@@ -1290,7 +3910,7 @@
     </p:spTree>
     <p:extLst>
       <p:ext uri="{BB962C8B-B14F-4D97-AF65-F5344CB8AC3E}">
-        <p14:creationId xmlns:p14="http://schemas.microsoft.com/office/powerpoint/2010/main" val="2869703256"/>
+        <p14:creationId xmlns:p14="http://schemas.microsoft.com/office/powerpoint/2010/main" val="1115172943"/>
       </p:ext>
     </p:extLst>
   </p:cSld>
@@ -1327,46 +3947,53 @@
             <p:ph type="title"/>
           </p:nvPr>
         </p:nvSpPr>
+        <p:spPr/>
+        <p:txBody>
+          <a:bodyPr/>
+          <a:lstStyle>
+            <a:lvl1pPr>
+              <a:defRPr/>
+            </a:lvl1pPr>
+          </a:lstStyle>
+          <a:p>
+            <a:r>
+              <a:rPr lang="en-US" smtClean="0"/>
+              <a:t>Click to edit Master title style</a:t>
+            </a:r>
+            <a:endParaRPr lang="en-US" dirty="0"/>
+          </a:p>
+        </p:txBody>
+      </p:sp>
+      <p:sp>
+        <p:nvSpPr>
+          <p:cNvPr id="3" name="Text Placeholder 2"/>
+          <p:cNvSpPr>
+            <a:spLocks noGrp="1"/>
+          </p:cNvSpPr>
+          <p:nvPr>
+            <p:ph type="body" idx="1"/>
+          </p:nvPr>
+        </p:nvSpPr>
         <p:spPr>
           <a:xfrm>
-            <a:off x="839788" y="365125"/>
-            <a:ext cx="10515600" cy="1325563"/>
+            <a:off x="1772179" y="2658533"/>
+            <a:ext cx="4607188" cy="576262"/>
           </a:xfrm>
         </p:spPr>
         <p:txBody>
-          <a:bodyPr/>
-          <a:lstStyle/>
-          <a:p>
-            <a:r>
-              <a:rPr lang="en-US" smtClean="0"/>
-              <a:t>Click to edit Master title style</a:t>
-            </a:r>
-            <a:endParaRPr lang="en-US"/>
-          </a:p>
-        </p:txBody>
-      </p:sp>
-      <p:sp>
-        <p:nvSpPr>
-          <p:cNvPr id="3" name="Text Placeholder 2"/>
-          <p:cNvSpPr>
-            <a:spLocks noGrp="1"/>
-          </p:cNvSpPr>
-          <p:nvPr>
-            <p:ph type="body" idx="1"/>
-          </p:nvPr>
-        </p:nvSpPr>
-        <p:spPr>
-          <a:xfrm>
-            <a:off x="839788" y="1681163"/>
-            <a:ext cx="5157787" cy="823912"/>
-          </a:xfrm>
-        </p:spPr>
-        <p:txBody>
-          <a:bodyPr anchor="b"/>
+          <a:bodyPr anchor="b">
+            <a:noAutofit/>
+          </a:bodyPr>
           <a:lstStyle>
             <a:lvl1pPr marL="0" indent="0">
               <a:buNone/>
-              <a:defRPr sz="2400" b="1"/>
+              <a:defRPr sz="2800" b="0">
+                <a:solidFill>
+                  <a:schemeClr val="accent1">
+                    <a:lumMod val="75000"/>
+                  </a:schemeClr>
+                </a:solidFill>
+              </a:defRPr>
             </a:lvl1pPr>
             <a:lvl2pPr marL="457200" indent="0">
               <a:buNone/>
@@ -1422,13 +4049,43 @@
         </p:nvSpPr>
         <p:spPr>
           <a:xfrm>
-            <a:off x="839788" y="2505075"/>
-            <a:ext cx="5157787" cy="3684588"/>
+            <a:off x="1484311" y="3335337"/>
+            <a:ext cx="4895056" cy="2455862"/>
           </a:xfrm>
         </p:spPr>
         <p:txBody>
-          <a:bodyPr/>
-          <a:lstStyle/>
+          <a:bodyPr anchor="t">
+            <a:normAutofit/>
+          </a:bodyPr>
+          <a:lstStyle>
+            <a:lvl1pPr>
+              <a:defRPr sz="1800"/>
+            </a:lvl1pPr>
+            <a:lvl2pPr>
+              <a:defRPr sz="1600"/>
+            </a:lvl2pPr>
+            <a:lvl3pPr>
+              <a:defRPr sz="1400"/>
+            </a:lvl3pPr>
+            <a:lvl4pPr>
+              <a:defRPr sz="1200"/>
+            </a:lvl4pPr>
+            <a:lvl5pPr>
+              <a:defRPr sz="1200"/>
+            </a:lvl5pPr>
+            <a:lvl6pPr>
+              <a:defRPr sz="1200"/>
+            </a:lvl6pPr>
+            <a:lvl7pPr>
+              <a:defRPr sz="1200"/>
+            </a:lvl7pPr>
+            <a:lvl8pPr>
+              <a:defRPr sz="1200"/>
+            </a:lvl8pPr>
+            <a:lvl9pPr>
+              <a:defRPr sz="1200"/>
+            </a:lvl9pPr>
+          </a:lstStyle>
           <a:p>
             <a:pPr lvl="0"/>
             <a:r>
@@ -1463,7 +4120,7 @@
               <a:rPr lang="en-US" smtClean="0"/>
               <a:t>Fifth level</a:t>
             </a:r>
-            <a:endParaRPr lang="en-US"/>
+            <a:endParaRPr lang="en-US" dirty="0"/>
           </a:p>
         </p:txBody>
       </p:sp>
@@ -1479,16 +4136,24 @@
         </p:nvSpPr>
         <p:spPr>
           <a:xfrm>
-            <a:off x="6172200" y="1681163"/>
-            <a:ext cx="5183188" cy="823912"/>
+            <a:off x="6880487" y="2667000"/>
+            <a:ext cx="4622537" cy="576262"/>
           </a:xfrm>
         </p:spPr>
         <p:txBody>
-          <a:bodyPr anchor="b"/>
+          <a:bodyPr anchor="b">
+            <a:noAutofit/>
+          </a:bodyPr>
           <a:lstStyle>
             <a:lvl1pPr marL="0" indent="0">
               <a:buNone/>
-              <a:defRPr sz="2400" b="1"/>
+              <a:defRPr sz="2800" b="0">
+                <a:solidFill>
+                  <a:schemeClr val="accent1">
+                    <a:lumMod val="75000"/>
+                  </a:schemeClr>
+                </a:solidFill>
+              </a:defRPr>
             </a:lvl1pPr>
             <a:lvl2pPr marL="457200" indent="0">
               <a:buNone/>
@@ -1544,13 +4209,43 @@
         </p:nvSpPr>
         <p:spPr>
           <a:xfrm>
-            <a:off x="6172200" y="2505075"/>
-            <a:ext cx="5183188" cy="3684588"/>
+            <a:off x="6607967" y="3335337"/>
+            <a:ext cx="4895056" cy="2455862"/>
           </a:xfrm>
         </p:spPr>
         <p:txBody>
-          <a:bodyPr/>
-          <a:lstStyle/>
+          <a:bodyPr anchor="t">
+            <a:normAutofit/>
+          </a:bodyPr>
+          <a:lstStyle>
+            <a:lvl1pPr>
+              <a:defRPr sz="1800"/>
+            </a:lvl1pPr>
+            <a:lvl2pPr>
+              <a:defRPr sz="1600"/>
+            </a:lvl2pPr>
+            <a:lvl3pPr>
+              <a:defRPr sz="1400"/>
+            </a:lvl3pPr>
+            <a:lvl4pPr>
+              <a:defRPr sz="1200"/>
+            </a:lvl4pPr>
+            <a:lvl5pPr>
+              <a:defRPr sz="1200"/>
+            </a:lvl5pPr>
+            <a:lvl6pPr>
+              <a:defRPr sz="1200"/>
+            </a:lvl6pPr>
+            <a:lvl7pPr>
+              <a:defRPr sz="1200"/>
+            </a:lvl7pPr>
+            <a:lvl8pPr>
+              <a:defRPr sz="1200"/>
+            </a:lvl8pPr>
+            <a:lvl9pPr>
+              <a:defRPr sz="1200"/>
+            </a:lvl9pPr>
+          </a:lstStyle>
           <a:p>
             <a:pPr lvl="0"/>
             <a:r>
@@ -1585,7 +4280,7 @@
               <a:rPr lang="en-US" smtClean="0"/>
               <a:t>Fifth level</a:t>
             </a:r>
-            <a:endParaRPr lang="en-US"/>
+            <a:endParaRPr lang="en-US" dirty="0"/>
           </a:p>
         </p:txBody>
       </p:sp>
@@ -1657,7 +4352,7 @@
     </p:spTree>
     <p:extLst>
       <p:ext uri="{BB962C8B-B14F-4D97-AF65-F5344CB8AC3E}">
-        <p14:creationId xmlns:p14="http://schemas.microsoft.com/office/powerpoint/2010/main" val="791596629"/>
+        <p14:creationId xmlns:p14="http://schemas.microsoft.com/office/powerpoint/2010/main" val="1845613795"/>
       </p:ext>
     </p:extLst>
   </p:cSld>
@@ -1703,7 +4398,7 @@
               <a:rPr lang="en-US" smtClean="0"/>
               <a:t>Click to edit Master title style</a:t>
             </a:r>
-            <a:endParaRPr lang="en-US"/>
+            <a:endParaRPr lang="en-US" dirty="0"/>
           </a:p>
         </p:txBody>
       </p:sp>
@@ -1775,7 +4470,7 @@
     </p:spTree>
     <p:extLst>
       <p:ext uri="{BB962C8B-B14F-4D97-AF65-F5344CB8AC3E}">
-        <p14:creationId xmlns:p14="http://schemas.microsoft.com/office/powerpoint/2010/main" val="3097899451"/>
+        <p14:creationId xmlns:p14="http://schemas.microsoft.com/office/powerpoint/2010/main" val="2708764309"/>
       </p:ext>
     </p:extLst>
   </p:cSld>
@@ -1870,7 +4565,7 @@
     </p:spTree>
     <p:extLst>
       <p:ext uri="{BB962C8B-B14F-4D97-AF65-F5344CB8AC3E}">
-        <p14:creationId xmlns:p14="http://schemas.microsoft.com/office/powerpoint/2010/main" val="2291975296"/>
+        <p14:creationId xmlns:p14="http://schemas.microsoft.com/office/powerpoint/2010/main" val="3795303921"/>
       </p:ext>
     </p:extLst>
   </p:cSld>
@@ -1909,165 +4604,171 @@
         </p:nvSpPr>
         <p:spPr>
           <a:xfrm>
-            <a:off x="839788" y="457200"/>
-            <a:ext cx="3932237" cy="1600200"/>
+            <a:off x="1484312" y="1600200"/>
+            <a:ext cx="3549121" cy="1371600"/>
           </a:xfrm>
         </p:spPr>
         <p:txBody>
-          <a:bodyPr anchor="b"/>
+          <a:bodyPr anchor="b">
+            <a:normAutofit/>
+          </a:bodyPr>
+          <a:lstStyle>
+            <a:lvl1pPr algn="ctr">
+              <a:defRPr sz="2400" b="0"/>
+            </a:lvl1pPr>
+          </a:lstStyle>
+          <a:p>
+            <a:r>
+              <a:rPr lang="en-US" smtClean="0"/>
+              <a:t>Click to edit Master title style</a:t>
+            </a:r>
+            <a:endParaRPr lang="en-US" dirty="0"/>
+          </a:p>
+        </p:txBody>
+      </p:sp>
+      <p:sp>
+        <p:nvSpPr>
+          <p:cNvPr id="3" name="Content Placeholder 2"/>
+          <p:cNvSpPr>
+            <a:spLocks noGrp="1"/>
+          </p:cNvSpPr>
+          <p:nvPr>
+            <p:ph idx="1"/>
+          </p:nvPr>
+        </p:nvSpPr>
+        <p:spPr>
+          <a:xfrm>
+            <a:off x="5262033" y="685799"/>
+            <a:ext cx="6240990" cy="5105401"/>
+          </a:xfrm>
+        </p:spPr>
+        <p:txBody>
+          <a:bodyPr anchor="ctr">
+            <a:normAutofit/>
+          </a:bodyPr>
           <a:lstStyle>
             <a:lvl1pPr>
-              <a:defRPr sz="3200"/>
+              <a:defRPr sz="2000"/>
             </a:lvl1pPr>
+            <a:lvl2pPr>
+              <a:defRPr sz="1800"/>
+            </a:lvl2pPr>
+            <a:lvl3pPr>
+              <a:defRPr sz="1600"/>
+            </a:lvl3pPr>
+            <a:lvl4pPr>
+              <a:defRPr sz="1400"/>
+            </a:lvl4pPr>
+            <a:lvl5pPr>
+              <a:defRPr sz="1400"/>
+            </a:lvl5pPr>
+            <a:lvl6pPr>
+              <a:defRPr sz="1400"/>
+            </a:lvl6pPr>
+            <a:lvl7pPr>
+              <a:defRPr sz="1400"/>
+            </a:lvl7pPr>
+            <a:lvl8pPr>
+              <a:defRPr sz="1400"/>
+            </a:lvl8pPr>
+            <a:lvl9pPr>
+              <a:defRPr sz="1400"/>
+            </a:lvl9pPr>
           </a:lstStyle>
           <a:p>
-            <a:r>
-              <a:rPr lang="en-US" smtClean="0"/>
-              <a:t>Click to edit Master title style</a:t>
-            </a:r>
-            <a:endParaRPr lang="en-US"/>
-          </a:p>
-        </p:txBody>
-      </p:sp>
-      <p:sp>
-        <p:nvSpPr>
-          <p:cNvPr id="3" name="Content Placeholder 2"/>
-          <p:cNvSpPr>
-            <a:spLocks noGrp="1"/>
-          </p:cNvSpPr>
-          <p:nvPr>
-            <p:ph idx="1"/>
+            <a:pPr lvl="0"/>
+            <a:r>
+              <a:rPr lang="en-US" smtClean="0"/>
+              <a:t>Click to edit Master text styles</a:t>
+            </a:r>
+          </a:p>
+          <a:p>
+            <a:pPr lvl="1"/>
+            <a:r>
+              <a:rPr lang="en-US" smtClean="0"/>
+              <a:t>Second level</a:t>
+            </a:r>
+          </a:p>
+          <a:p>
+            <a:pPr lvl="2"/>
+            <a:r>
+              <a:rPr lang="en-US" smtClean="0"/>
+              <a:t>Third level</a:t>
+            </a:r>
+          </a:p>
+          <a:p>
+            <a:pPr lvl="3"/>
+            <a:r>
+              <a:rPr lang="en-US" smtClean="0"/>
+              <a:t>Fourth level</a:t>
+            </a:r>
+          </a:p>
+          <a:p>
+            <a:pPr lvl="4"/>
+            <a:r>
+              <a:rPr lang="en-US" smtClean="0"/>
+              <a:t>Fifth level</a:t>
+            </a:r>
+            <a:endParaRPr lang="en-US" dirty="0"/>
+          </a:p>
+        </p:txBody>
+      </p:sp>
+      <p:sp>
+        <p:nvSpPr>
+          <p:cNvPr id="4" name="Text Placeholder 3"/>
+          <p:cNvSpPr>
+            <a:spLocks noGrp="1"/>
+          </p:cNvSpPr>
+          <p:nvPr>
+            <p:ph type="body" sz="half" idx="2"/>
           </p:nvPr>
         </p:nvSpPr>
         <p:spPr>
           <a:xfrm>
-            <a:off x="5183188" y="987425"/>
-            <a:ext cx="6172200" cy="4873625"/>
+            <a:off x="1484312" y="2971800"/>
+            <a:ext cx="3549121" cy="1828800"/>
           </a:xfrm>
         </p:spPr>
         <p:txBody>
-          <a:bodyPr/>
+          <a:bodyPr>
+            <a:normAutofit/>
+          </a:bodyPr>
           <a:lstStyle>
-            <a:lvl1pPr>
-              <a:defRPr sz="3200"/>
-            </a:lvl1pPr>
-            <a:lvl2pPr>
-              <a:defRPr sz="2800"/>
-            </a:lvl2pPr>
-            <a:lvl3pPr>
-              <a:defRPr sz="2400"/>
-            </a:lvl3pPr>
-            <a:lvl4pPr>
-              <a:defRPr sz="2000"/>
-            </a:lvl4pPr>
-            <a:lvl5pPr>
-              <a:defRPr sz="2000"/>
-            </a:lvl5pPr>
-            <a:lvl6pPr>
-              <a:defRPr sz="2000"/>
-            </a:lvl6pPr>
-            <a:lvl7pPr>
-              <a:defRPr sz="2000"/>
-            </a:lvl7pPr>
-            <a:lvl8pPr>
-              <a:defRPr sz="2000"/>
-            </a:lvl8pPr>
-            <a:lvl9pPr>
-              <a:defRPr sz="2000"/>
-            </a:lvl9pPr>
-          </a:lstStyle>
-          <a:p>
-            <a:pPr lvl="0"/>
-            <a:r>
-              <a:rPr lang="en-US" smtClean="0"/>
-              <a:t>Click to edit Master text styles</a:t>
-            </a:r>
-          </a:p>
-          <a:p>
-            <a:pPr lvl="1"/>
-            <a:r>
-              <a:rPr lang="en-US" smtClean="0"/>
-              <a:t>Second level</a:t>
-            </a:r>
-          </a:p>
-          <a:p>
-            <a:pPr lvl="2"/>
-            <a:r>
-              <a:rPr lang="en-US" smtClean="0"/>
-              <a:t>Third level</a:t>
-            </a:r>
-          </a:p>
-          <a:p>
-            <a:pPr lvl="3"/>
-            <a:r>
-              <a:rPr lang="en-US" smtClean="0"/>
-              <a:t>Fourth level</a:t>
-            </a:r>
-          </a:p>
-          <a:p>
-            <a:pPr lvl="4"/>
-            <a:r>
-              <a:rPr lang="en-US" smtClean="0"/>
-              <a:t>Fifth level</a:t>
-            </a:r>
-            <a:endParaRPr lang="en-US"/>
-          </a:p>
-        </p:txBody>
-      </p:sp>
-      <p:sp>
-        <p:nvSpPr>
-          <p:cNvPr id="4" name="Text Placeholder 3"/>
-          <p:cNvSpPr>
-            <a:spLocks noGrp="1"/>
-          </p:cNvSpPr>
-          <p:nvPr>
-            <p:ph type="body" sz="half" idx="2"/>
-          </p:nvPr>
-        </p:nvSpPr>
-        <p:spPr>
-          <a:xfrm>
-            <a:off x="839788" y="2057400"/>
-            <a:ext cx="3932237" cy="3811588"/>
-          </a:xfrm>
-        </p:spPr>
-        <p:txBody>
-          <a:bodyPr/>
-          <a:lstStyle>
-            <a:lvl1pPr marL="0" indent="0">
+            <a:lvl1pPr marL="0" indent="0" algn="ctr">
               <a:buNone/>
               <a:defRPr sz="1600"/>
             </a:lvl1pPr>
             <a:lvl2pPr marL="457200" indent="0">
               <a:buNone/>
-              <a:defRPr sz="1400"/>
+              <a:defRPr sz="1200"/>
             </a:lvl2pPr>
             <a:lvl3pPr marL="914400" indent="0">
               <a:buNone/>
-              <a:defRPr sz="1200"/>
+              <a:defRPr sz="1000"/>
             </a:lvl3pPr>
             <a:lvl4pPr marL="1371600" indent="0">
               <a:buNone/>
-              <a:defRPr sz="1000"/>
+              <a:defRPr sz="900"/>
             </a:lvl4pPr>
             <a:lvl5pPr marL="1828800" indent="0">
               <a:buNone/>
-              <a:defRPr sz="1000"/>
+              <a:defRPr sz="900"/>
             </a:lvl5pPr>
             <a:lvl6pPr marL="2286000" indent="0">
               <a:buNone/>
-              <a:defRPr sz="1000"/>
+              <a:defRPr sz="900"/>
             </a:lvl6pPr>
             <a:lvl7pPr marL="2743200" indent="0">
               <a:buNone/>
-              <a:defRPr sz="1000"/>
+              <a:defRPr sz="900"/>
             </a:lvl7pPr>
             <a:lvl8pPr marL="3200400" indent="0">
               <a:buNone/>
-              <a:defRPr sz="1000"/>
+              <a:defRPr sz="900"/>
             </a:lvl8pPr>
             <a:lvl9pPr marL="3657600" indent="0">
               <a:buNone/>
-              <a:defRPr sz="1000"/>
+              <a:defRPr sz="900"/>
             </a:lvl9pPr>
           </a:lstStyle>
           <a:p>
@@ -2147,7 +4848,7 @@
     </p:spTree>
     <p:extLst>
       <p:ext uri="{BB962C8B-B14F-4D97-AF65-F5344CB8AC3E}">
-        <p14:creationId xmlns:p14="http://schemas.microsoft.com/office/powerpoint/2010/main" val="4149418699"/>
+        <p14:creationId xmlns:p14="http://schemas.microsoft.com/office/powerpoint/2010/main" val="1202219640"/>
       </p:ext>
     </p:extLst>
   </p:cSld>
@@ -2186,15 +4887,17 @@
         </p:nvSpPr>
         <p:spPr>
           <a:xfrm>
-            <a:off x="839788" y="457200"/>
-            <a:ext cx="3932237" cy="1600200"/>
+            <a:off x="1482724" y="1752599"/>
+            <a:ext cx="5426158" cy="1371600"/>
           </a:xfrm>
         </p:spPr>
         <p:txBody>
-          <a:bodyPr anchor="b"/>
+          <a:bodyPr anchor="b">
+            <a:normAutofit/>
+          </a:bodyPr>
           <a:lstStyle>
-            <a:lvl1pPr>
-              <a:defRPr sz="3200"/>
+            <a:lvl1pPr algn="ctr">
+              <a:defRPr sz="2800" b="0"/>
             </a:lvl1pPr>
           </a:lstStyle>
           <a:p>
@@ -2202,15 +4905,15 @@
               <a:rPr lang="en-US" smtClean="0"/>
               <a:t>Click to edit Master title style</a:t>
             </a:r>
-            <a:endParaRPr lang="en-US"/>
-          </a:p>
-        </p:txBody>
-      </p:sp>
-      <p:sp>
-        <p:nvSpPr>
-          <p:cNvPr id="3" name="Picture Placeholder 2"/>
-          <p:cNvSpPr>
-            <a:spLocks noGrp="1"/>
+            <a:endParaRPr lang="en-US" dirty="0"/>
+          </a:p>
+        </p:txBody>
+      </p:sp>
+      <p:sp>
+        <p:nvSpPr>
+          <p:cNvPr id="14" name="Picture Placeholder 2"/>
+          <p:cNvSpPr>
+            <a:spLocks noGrp="1" noChangeAspect="1"/>
           </p:cNvSpPr>
           <p:nvPr>
             <p:ph type="pic" idx="1"/>
@@ -2218,109 +4921,145 @@
         </p:nvSpPr>
         <p:spPr>
           <a:xfrm>
-            <a:off x="5183188" y="987425"/>
-            <a:ext cx="6172200" cy="4873625"/>
+            <a:off x="7594682" y="914400"/>
+            <a:ext cx="3280974" cy="4572000"/>
           </a:xfrm>
+          <a:prstGeom prst="roundRect">
+            <a:avLst>
+              <a:gd name="adj" fmla="val 4280"/>
+            </a:avLst>
+          </a:prstGeom>
+          <a:ln w="38100">
+            <a:gradFill flip="none" rotWithShape="1">
+              <a:gsLst>
+                <a:gs pos="0">
+                  <a:schemeClr val="bg2"/>
+                </a:gs>
+                <a:gs pos="100000">
+                  <a:schemeClr val="bg2">
+                    <a:lumMod val="75000"/>
+                  </a:schemeClr>
+                </a:gs>
+              </a:gsLst>
+              <a:lin ang="5400000" scaled="0"/>
+              <a:tileRect/>
+            </a:gradFill>
+          </a:ln>
+          <a:effectLst>
+            <a:innerShdw blurRad="57150" dist="38100" dir="14460000">
+              <a:srgbClr val="000000">
+                <a:alpha val="70000"/>
+              </a:srgbClr>
+            </a:innerShdw>
+          </a:effectLst>
         </p:spPr>
         <p:txBody>
-          <a:bodyPr/>
+          <a:bodyPr anchor="t">
+            <a:normAutofit/>
+          </a:bodyPr>
           <a:lstStyle>
-            <a:lvl1pPr marL="0" indent="0">
-              <a:buNone/>
-              <a:defRPr sz="3200"/>
-            </a:lvl1pPr>
-            <a:lvl2pPr marL="457200" indent="0">
-              <a:buNone/>
-              <a:defRPr sz="2800"/>
-            </a:lvl2pPr>
-            <a:lvl3pPr marL="914400" indent="0">
-              <a:buNone/>
-              <a:defRPr sz="2400"/>
-            </a:lvl3pPr>
-            <a:lvl4pPr marL="1371600" indent="0">
-              <a:buNone/>
-              <a:defRPr sz="2000"/>
-            </a:lvl4pPr>
-            <a:lvl5pPr marL="1828800" indent="0">
-              <a:buNone/>
-              <a:defRPr sz="2000"/>
-            </a:lvl5pPr>
-            <a:lvl6pPr marL="2286000" indent="0">
-              <a:buNone/>
-              <a:defRPr sz="2000"/>
-            </a:lvl6pPr>
-            <a:lvl7pPr marL="2743200" indent="0">
-              <a:buNone/>
-              <a:defRPr sz="2000"/>
-            </a:lvl7pPr>
-            <a:lvl8pPr marL="3200400" indent="0">
-              <a:buNone/>
-              <a:defRPr sz="2000"/>
-            </a:lvl8pPr>
-            <a:lvl9pPr marL="3657600" indent="0">
-              <a:buNone/>
-              <a:defRPr sz="2000"/>
-            </a:lvl9pPr>
-          </a:lstStyle>
-          <a:p>
-            <a:endParaRPr lang="en-US"/>
-          </a:p>
-        </p:txBody>
-      </p:sp>
-      <p:sp>
-        <p:nvSpPr>
-          <p:cNvPr id="4" name="Text Placeholder 3"/>
-          <p:cNvSpPr>
-            <a:spLocks noGrp="1"/>
-          </p:cNvSpPr>
-          <p:nvPr>
-            <p:ph type="body" sz="half" idx="2"/>
-          </p:nvPr>
-        </p:nvSpPr>
-        <p:spPr>
-          <a:xfrm>
-            <a:off x="839788" y="2057400"/>
-            <a:ext cx="3932237" cy="3811588"/>
-          </a:xfrm>
-        </p:spPr>
-        <p:txBody>
-          <a:bodyPr/>
-          <a:lstStyle>
-            <a:lvl1pPr marL="0" indent="0">
+            <a:lvl1pPr marL="0" indent="0" algn="ctr">
               <a:buNone/>
               <a:defRPr sz="1600"/>
             </a:lvl1pPr>
             <a:lvl2pPr marL="457200" indent="0">
               <a:buNone/>
-              <a:defRPr sz="1400"/>
+              <a:defRPr sz="1600"/>
             </a:lvl2pPr>
             <a:lvl3pPr marL="914400" indent="0">
               <a:buNone/>
-              <a:defRPr sz="1200"/>
+              <a:defRPr sz="1600"/>
             </a:lvl3pPr>
             <a:lvl4pPr marL="1371600" indent="0">
               <a:buNone/>
-              <a:defRPr sz="1000"/>
+              <a:defRPr sz="1600"/>
             </a:lvl4pPr>
             <a:lvl5pPr marL="1828800" indent="0">
               <a:buNone/>
-              <a:defRPr sz="1000"/>
+              <a:defRPr sz="1600"/>
             </a:lvl5pPr>
             <a:lvl6pPr marL="2286000" indent="0">
               <a:buNone/>
-              <a:defRPr sz="1000"/>
+              <a:defRPr sz="1600"/>
             </a:lvl6pPr>
             <a:lvl7pPr marL="2743200" indent="0">
               <a:buNone/>
-              <a:defRPr sz="1000"/>
+              <a:defRPr sz="1600"/>
             </a:lvl7pPr>
             <a:lvl8pPr marL="3200400" indent="0">
               <a:buNone/>
-              <a:defRPr sz="1000"/>
+              <a:defRPr sz="1600"/>
             </a:lvl8pPr>
             <a:lvl9pPr marL="3657600" indent="0">
               <a:buNone/>
+              <a:defRPr sz="1600"/>
+            </a:lvl9pPr>
+          </a:lstStyle>
+          <a:p>
+            <a:r>
+              <a:rPr lang="en-US" smtClean="0"/>
+              <a:t>Click icon to add picture</a:t>
+            </a:r>
+            <a:endParaRPr lang="en-US" dirty="0"/>
+          </a:p>
+        </p:txBody>
+      </p:sp>
+      <p:sp>
+        <p:nvSpPr>
+          <p:cNvPr id="4" name="Text Placeholder 3"/>
+          <p:cNvSpPr>
+            <a:spLocks noGrp="1"/>
+          </p:cNvSpPr>
+          <p:nvPr>
+            <p:ph type="body" sz="half" idx="2"/>
+          </p:nvPr>
+        </p:nvSpPr>
+        <p:spPr>
+          <a:xfrm>
+            <a:off x="1482724" y="3124199"/>
+            <a:ext cx="5426158" cy="1828800"/>
+          </a:xfrm>
+        </p:spPr>
+        <p:txBody>
+          <a:bodyPr>
+            <a:normAutofit/>
+          </a:bodyPr>
+          <a:lstStyle>
+            <a:lvl1pPr marL="0" indent="0" algn="ctr">
+              <a:buNone/>
+              <a:defRPr sz="1800"/>
+            </a:lvl1pPr>
+            <a:lvl2pPr marL="457200" indent="0">
+              <a:buNone/>
+              <a:defRPr sz="1200"/>
+            </a:lvl2pPr>
+            <a:lvl3pPr marL="914400" indent="0">
+              <a:buNone/>
               <a:defRPr sz="1000"/>
+            </a:lvl3pPr>
+            <a:lvl4pPr marL="1371600" indent="0">
+              <a:buNone/>
+              <a:defRPr sz="900"/>
+            </a:lvl4pPr>
+            <a:lvl5pPr marL="1828800" indent="0">
+              <a:buNone/>
+              <a:defRPr sz="900"/>
+            </a:lvl5pPr>
+            <a:lvl6pPr marL="2286000" indent="0">
+              <a:buNone/>
+              <a:defRPr sz="900"/>
+            </a:lvl6pPr>
+            <a:lvl7pPr marL="2743200" indent="0">
+              <a:buNone/>
+              <a:defRPr sz="900"/>
+            </a:lvl7pPr>
+            <a:lvl8pPr marL="3200400" indent="0">
+              <a:buNone/>
+              <a:defRPr sz="900"/>
+            </a:lvl8pPr>
+            <a:lvl9pPr marL="3657600" indent="0">
+              <a:buNone/>
+              <a:defRPr sz="900"/>
             </a:lvl9pPr>
           </a:lstStyle>
           <a:p>
@@ -2400,7 +5139,7 @@
     </p:spTree>
     <p:extLst>
       <p:ext uri="{BB962C8B-B14F-4D97-AF65-F5344CB8AC3E}">
-        <p14:creationId xmlns:p14="http://schemas.microsoft.com/office/powerpoint/2010/main" val="3592394561"/>
+        <p14:creationId xmlns:p14="http://schemas.microsoft.com/office/powerpoint/2010/main" val="1448848823"/>
       </p:ext>
     </p:extLst>
   </p:cSld>
@@ -2414,8 +5153,8 @@
 <p:sldMaster xmlns:a="http://schemas.openxmlformats.org/drawingml/2006/main" xmlns:r="http://schemas.openxmlformats.org/officeDocument/2006/relationships" xmlns:p="http://schemas.openxmlformats.org/presentationml/2006/main">
   <p:cSld>
     <p:bg>
-      <p:bgRef idx="1001">
-        <a:schemeClr val="bg1"/>
+      <p:bgRef idx="1003">
+        <a:schemeClr val="bg2"/>
       </p:bgRef>
     </p:bg>
     <p:spTree>
@@ -2432,6 +5171,322 @@
           <a:chExt cx="0" cy="0"/>
         </a:xfrm>
       </p:grpSpPr>
+      <p:grpSp>
+        <p:nvGrpSpPr>
+          <p:cNvPr id="7" name="Group 6"/>
+          <p:cNvGrpSpPr/>
+          <p:nvPr/>
+        </p:nvGrpSpPr>
+        <p:grpSpPr>
+          <a:xfrm>
+            <a:off x="150812" y="0"/>
+            <a:ext cx="2436813" cy="6858001"/>
+            <a:chOff x="1320800" y="0"/>
+            <a:chExt cx="2436813" cy="6858001"/>
+          </a:xfrm>
+        </p:grpSpPr>
+        <p:sp>
+          <p:nvSpPr>
+            <p:cNvPr id="8" name="Freeform 6"/>
+            <p:cNvSpPr/>
+            <p:nvPr/>
+          </p:nvSpPr>
+          <p:spPr bwMode="auto">
+            <a:xfrm>
+              <a:off x="1627188" y="0"/>
+              <a:ext cx="1122363" cy="5329238"/>
+            </a:xfrm>
+            <a:custGeom>
+              <a:avLst/>
+              <a:gdLst/>
+              <a:ahLst/>
+              <a:cxnLst/>
+              <a:rect l="0" t="0" r="r" b="b"/>
+              <a:pathLst>
+                <a:path w="707" h="3357">
+                  <a:moveTo>
+                    <a:pt x="0" y="3330"/>
+                  </a:moveTo>
+                  <a:lnTo>
+                    <a:pt x="156" y="3357"/>
+                  </a:lnTo>
+                  <a:lnTo>
+                    <a:pt x="707" y="0"/>
+                  </a:lnTo>
+                  <a:lnTo>
+                    <a:pt x="547" y="0"/>
+                  </a:lnTo>
+                  <a:lnTo>
+                    <a:pt x="0" y="3330"/>
+                  </a:lnTo>
+                  <a:close/>
+                </a:path>
+              </a:pathLst>
+            </a:custGeom>
+            <a:solidFill>
+              <a:schemeClr val="accent1"/>
+            </a:solidFill>
+            <a:ln>
+              <a:noFill/>
+            </a:ln>
+          </p:spPr>
+        </p:sp>
+        <p:sp>
+          <p:nvSpPr>
+            <p:cNvPr id="9" name="Freeform 7"/>
+            <p:cNvSpPr/>
+            <p:nvPr/>
+          </p:nvSpPr>
+          <p:spPr bwMode="auto">
+            <a:xfrm>
+              <a:off x="1320800" y="0"/>
+              <a:ext cx="1117600" cy="5276850"/>
+            </a:xfrm>
+            <a:custGeom>
+              <a:avLst/>
+              <a:gdLst/>
+              <a:ahLst/>
+              <a:cxnLst/>
+              <a:rect l="0" t="0" r="r" b="b"/>
+              <a:pathLst>
+                <a:path w="704" h="3324">
+                  <a:moveTo>
+                    <a:pt x="704" y="0"/>
+                  </a:moveTo>
+                  <a:lnTo>
+                    <a:pt x="545" y="0"/>
+                  </a:lnTo>
+                  <a:lnTo>
+                    <a:pt x="0" y="3300"/>
+                  </a:lnTo>
+                  <a:lnTo>
+                    <a:pt x="157" y="3324"/>
+                  </a:lnTo>
+                  <a:lnTo>
+                    <a:pt x="704" y="0"/>
+                  </a:lnTo>
+                  <a:close/>
+                </a:path>
+              </a:pathLst>
+            </a:custGeom>
+            <a:solidFill>
+              <a:schemeClr val="tx1">
+                <a:lumMod val="65000"/>
+                <a:lumOff val="35000"/>
+              </a:schemeClr>
+            </a:solidFill>
+            <a:ln>
+              <a:noFill/>
+            </a:ln>
+          </p:spPr>
+        </p:sp>
+        <p:sp>
+          <p:nvSpPr>
+            <p:cNvPr id="10" name="Freeform 8"/>
+            <p:cNvSpPr/>
+            <p:nvPr/>
+          </p:nvSpPr>
+          <p:spPr bwMode="auto">
+            <a:xfrm>
+              <a:off x="1320800" y="5238750"/>
+              <a:ext cx="1228725" cy="1619250"/>
+            </a:xfrm>
+            <a:custGeom>
+              <a:avLst/>
+              <a:gdLst/>
+              <a:ahLst/>
+              <a:cxnLst/>
+              <a:rect l="0" t="0" r="r" b="b"/>
+              <a:pathLst>
+                <a:path w="774" h="1020">
+                  <a:moveTo>
+                    <a:pt x="0" y="0"/>
+                  </a:moveTo>
+                  <a:lnTo>
+                    <a:pt x="740" y="1020"/>
+                  </a:lnTo>
+                  <a:lnTo>
+                    <a:pt x="774" y="1020"/>
+                  </a:lnTo>
+                  <a:lnTo>
+                    <a:pt x="0" y="0"/>
+                  </a:lnTo>
+                  <a:close/>
+                </a:path>
+              </a:pathLst>
+            </a:custGeom>
+            <a:solidFill>
+              <a:schemeClr val="tx1">
+                <a:lumMod val="85000"/>
+                <a:lumOff val="15000"/>
+              </a:schemeClr>
+            </a:solidFill>
+            <a:ln>
+              <a:noFill/>
+            </a:ln>
+          </p:spPr>
+        </p:sp>
+        <p:sp>
+          <p:nvSpPr>
+            <p:cNvPr id="11" name="Freeform 9"/>
+            <p:cNvSpPr/>
+            <p:nvPr/>
+          </p:nvSpPr>
+          <p:spPr bwMode="auto">
+            <a:xfrm>
+              <a:off x="1627188" y="5291138"/>
+              <a:ext cx="1495425" cy="1566863"/>
+            </a:xfrm>
+            <a:custGeom>
+              <a:avLst/>
+              <a:gdLst/>
+              <a:ahLst/>
+              <a:cxnLst/>
+              <a:rect l="0" t="0" r="r" b="b"/>
+              <a:pathLst>
+                <a:path w="942" h="987">
+                  <a:moveTo>
+                    <a:pt x="0" y="0"/>
+                  </a:moveTo>
+                  <a:lnTo>
+                    <a:pt x="909" y="987"/>
+                  </a:lnTo>
+                  <a:lnTo>
+                    <a:pt x="942" y="987"/>
+                  </a:lnTo>
+                  <a:lnTo>
+                    <a:pt x="0" y="0"/>
+                  </a:lnTo>
+                  <a:close/>
+                </a:path>
+              </a:pathLst>
+            </a:custGeom>
+            <a:solidFill>
+              <a:schemeClr val="accent1">
+                <a:lumMod val="50000"/>
+              </a:schemeClr>
+            </a:solidFill>
+            <a:ln>
+              <a:noFill/>
+            </a:ln>
+          </p:spPr>
+        </p:sp>
+        <p:sp>
+          <p:nvSpPr>
+            <p:cNvPr id="12" name="Freeform 10"/>
+            <p:cNvSpPr/>
+            <p:nvPr/>
+          </p:nvSpPr>
+          <p:spPr bwMode="auto">
+            <a:xfrm>
+              <a:off x="1627188" y="5286375"/>
+              <a:ext cx="2130425" cy="1571625"/>
+            </a:xfrm>
+            <a:custGeom>
+              <a:avLst/>
+              <a:gdLst/>
+              <a:ahLst/>
+              <a:cxnLst/>
+              <a:rect l="0" t="0" r="r" b="b"/>
+              <a:pathLst>
+                <a:path w="1342" h="990">
+                  <a:moveTo>
+                    <a:pt x="0" y="3"/>
+                  </a:moveTo>
+                  <a:lnTo>
+                    <a:pt x="942" y="990"/>
+                  </a:lnTo>
+                  <a:lnTo>
+                    <a:pt x="1342" y="990"/>
+                  </a:lnTo>
+                  <a:lnTo>
+                    <a:pt x="156" y="27"/>
+                  </a:lnTo>
+                  <a:lnTo>
+                    <a:pt x="0" y="0"/>
+                  </a:lnTo>
+                  <a:lnTo>
+                    <a:pt x="0" y="3"/>
+                  </a:lnTo>
+                  <a:close/>
+                </a:path>
+              </a:pathLst>
+            </a:custGeom>
+            <a:solidFill>
+              <a:schemeClr val="accent1">
+                <a:lumMod val="75000"/>
+              </a:schemeClr>
+            </a:solidFill>
+            <a:ln>
+              <a:noFill/>
+            </a:ln>
+          </p:spPr>
+        </p:sp>
+        <p:sp>
+          <p:nvSpPr>
+            <p:cNvPr id="13" name="Freeform 11"/>
+            <p:cNvSpPr/>
+            <p:nvPr/>
+          </p:nvSpPr>
+          <p:spPr bwMode="auto">
+            <a:xfrm>
+              <a:off x="1320800" y="5238750"/>
+              <a:ext cx="1695450" cy="1619250"/>
+            </a:xfrm>
+            <a:custGeom>
+              <a:avLst/>
+              <a:gdLst/>
+              <a:ahLst/>
+              <a:cxnLst/>
+              <a:rect l="0" t="0" r="r" b="b"/>
+              <a:pathLst>
+                <a:path w="1068" h="1020">
+                  <a:moveTo>
+                    <a:pt x="1068" y="1020"/>
+                  </a:moveTo>
+                  <a:lnTo>
+                    <a:pt x="184" y="60"/>
+                  </a:lnTo>
+                  <a:lnTo>
+                    <a:pt x="154" y="27"/>
+                  </a:lnTo>
+                  <a:lnTo>
+                    <a:pt x="157" y="27"/>
+                  </a:lnTo>
+                  <a:lnTo>
+                    <a:pt x="157" y="24"/>
+                  </a:lnTo>
+                  <a:lnTo>
+                    <a:pt x="154" y="24"/>
+                  </a:lnTo>
+                  <a:lnTo>
+                    <a:pt x="0" y="0"/>
+                  </a:lnTo>
+                  <a:lnTo>
+                    <a:pt x="0" y="0"/>
+                  </a:lnTo>
+                  <a:lnTo>
+                    <a:pt x="774" y="1020"/>
+                  </a:lnTo>
+                  <a:lnTo>
+                    <a:pt x="1068" y="1020"/>
+                  </a:lnTo>
+                  <a:close/>
+                </a:path>
+              </a:pathLst>
+            </a:custGeom>
+            <a:solidFill>
+              <a:schemeClr val="tx1">
+                <a:lumMod val="75000"/>
+                <a:lumOff val="25000"/>
+              </a:schemeClr>
+            </a:solidFill>
+            <a:ln>
+              <a:noFill/>
+            </a:ln>
+          </p:spPr>
+        </p:sp>
+      </p:grpSp>
       <p:sp>
         <p:nvSpPr>
           <p:cNvPr id="2" name="Title Placeholder 1"/>
@@ -2444,8 +5499,42 @@
         </p:nvSpPr>
         <p:spPr>
           <a:xfrm>
-            <a:off x="838200" y="365125"/>
-            <a:ext cx="10515600" cy="1325563"/>
+            <a:off x="1484311" y="685800"/>
+            <a:ext cx="10018713" cy="1752599"/>
+          </a:xfrm>
+          <a:prstGeom prst="rect">
+            <a:avLst/>
+          </a:prstGeom>
+          <a:effectLst/>
+        </p:spPr>
+        <p:txBody>
+          <a:bodyPr vert="horz" lIns="91440" tIns="45720" rIns="91440" bIns="45720" rtlCol="0" anchor="ctr">
+            <a:normAutofit/>
+          </a:bodyPr>
+          <a:lstStyle/>
+          <a:p>
+            <a:r>
+              <a:rPr lang="en-US" smtClean="0"/>
+              <a:t>Click to edit Master title style</a:t>
+            </a:r>
+            <a:endParaRPr lang="en-US" dirty="0"/>
+          </a:p>
+        </p:txBody>
+      </p:sp>
+      <p:sp>
+        <p:nvSpPr>
+          <p:cNvPr id="3" name="Text Placeholder 2"/>
+          <p:cNvSpPr>
+            <a:spLocks noGrp="1"/>
+          </p:cNvSpPr>
+          <p:nvPr>
+            <p:ph type="body" idx="1"/>
+          </p:nvPr>
+        </p:nvSpPr>
+        <p:spPr>
+          <a:xfrm>
+            <a:off x="1484310" y="2666999"/>
+            <a:ext cx="10018713" cy="3124201"/>
           </a:xfrm>
           <a:prstGeom prst="rect">
             <a:avLst/>
@@ -2457,90 +5546,98 @@
           </a:bodyPr>
           <a:lstStyle/>
           <a:p>
-            <a:r>
-              <a:rPr lang="en-US" smtClean="0"/>
-              <a:t>Click to edit Master title style</a:t>
-            </a:r>
-            <a:endParaRPr lang="en-US"/>
-          </a:p>
-        </p:txBody>
-      </p:sp>
-      <p:sp>
-        <p:nvSpPr>
-          <p:cNvPr id="3" name="Text Placeholder 2"/>
-          <p:cNvSpPr>
-            <a:spLocks noGrp="1"/>
-          </p:cNvSpPr>
-          <p:nvPr>
-            <p:ph type="body" idx="1"/>
+            <a:pPr lvl="0"/>
+            <a:r>
+              <a:rPr lang="en-US" smtClean="0"/>
+              <a:t>Click to edit Master text styles</a:t>
+            </a:r>
+          </a:p>
+          <a:p>
+            <a:pPr lvl="1"/>
+            <a:r>
+              <a:rPr lang="en-US" smtClean="0"/>
+              <a:t>Second level</a:t>
+            </a:r>
+          </a:p>
+          <a:p>
+            <a:pPr lvl="2"/>
+            <a:r>
+              <a:rPr lang="en-US" smtClean="0"/>
+              <a:t>Third level</a:t>
+            </a:r>
+          </a:p>
+          <a:p>
+            <a:pPr lvl="3"/>
+            <a:r>
+              <a:rPr lang="en-US" smtClean="0"/>
+              <a:t>Fourth level</a:t>
+            </a:r>
+          </a:p>
+          <a:p>
+            <a:pPr lvl="4"/>
+            <a:r>
+              <a:rPr lang="en-US" smtClean="0"/>
+              <a:t>Fifth level</a:t>
+            </a:r>
+            <a:endParaRPr lang="en-US" dirty="0"/>
+          </a:p>
+        </p:txBody>
+      </p:sp>
+      <p:sp>
+        <p:nvSpPr>
+          <p:cNvPr id="4" name="Date Placeholder 3"/>
+          <p:cNvSpPr>
+            <a:spLocks noGrp="1"/>
+          </p:cNvSpPr>
+          <p:nvPr>
+            <p:ph type="dt" sz="half" idx="2"/>
           </p:nvPr>
         </p:nvSpPr>
         <p:spPr>
           <a:xfrm>
-            <a:off x="838200" y="1825625"/>
-            <a:ext cx="10515600" cy="4351338"/>
+            <a:off x="9732656" y="5883275"/>
+            <a:ext cx="1143000" cy="365125"/>
           </a:xfrm>
           <a:prstGeom prst="rect">
             <a:avLst/>
           </a:prstGeom>
         </p:spPr>
         <p:txBody>
-          <a:bodyPr vert="horz" lIns="91440" tIns="45720" rIns="91440" bIns="45720" rtlCol="0">
-            <a:normAutofit/>
-          </a:bodyPr>
-          <a:lstStyle/>
-          <a:p>
-            <a:pPr lvl="0"/>
-            <a:r>
-              <a:rPr lang="en-US" smtClean="0"/>
-              <a:t>Click to edit Master text styles</a:t>
-            </a:r>
-          </a:p>
-          <a:p>
-            <a:pPr lvl="1"/>
-            <a:r>
-              <a:rPr lang="en-US" smtClean="0"/>
-              <a:t>Second level</a:t>
-            </a:r>
-          </a:p>
-          <a:p>
-            <a:pPr lvl="2"/>
-            <a:r>
-              <a:rPr lang="en-US" smtClean="0"/>
-              <a:t>Third level</a:t>
-            </a:r>
-          </a:p>
-          <a:p>
-            <a:pPr lvl="3"/>
-            <a:r>
-              <a:rPr lang="en-US" smtClean="0"/>
-              <a:t>Fourth level</a:t>
-            </a:r>
-          </a:p>
-          <a:p>
-            <a:pPr lvl="4"/>
-            <a:r>
-              <a:rPr lang="en-US" smtClean="0"/>
-              <a:t>Fifth level</a:t>
-            </a:r>
+          <a:bodyPr vert="horz" lIns="91440" tIns="45720" rIns="91440" bIns="45720" rtlCol="0" anchor="ctr"/>
+          <a:lstStyle>
+            <a:lvl1pPr algn="r">
+              <a:defRPr sz="1000" b="0" i="0">
+                <a:solidFill>
+                  <a:schemeClr val="tx1"/>
+                </a:solidFill>
+                <a:effectLst/>
+                <a:latin typeface="+mn-lt"/>
+              </a:defRPr>
+            </a:lvl1pPr>
+          </a:lstStyle>
+          <a:p>
+            <a:fld id="{F582141F-E693-4F55-A5CB-368034658A9D}" type="datetimeFigureOut">
+              <a:rPr lang="en-US" smtClean="0"/>
+              <a:t>6/8/2015</a:t>
+            </a:fld>
             <a:endParaRPr lang="en-US"/>
           </a:p>
         </p:txBody>
       </p:sp>
       <p:sp>
         <p:nvSpPr>
-          <p:cNvPr id="4" name="Date Placeholder 3"/>
-          <p:cNvSpPr>
-            <a:spLocks noGrp="1"/>
-          </p:cNvSpPr>
-          <p:nvPr>
-            <p:ph type="dt" sz="half" idx="2"/>
+          <p:cNvPr id="5" name="Footer Placeholder 4"/>
+          <p:cNvSpPr>
+            <a:spLocks noGrp="1"/>
+          </p:cNvSpPr>
+          <p:nvPr>
+            <p:ph type="ftr" sz="quarter" idx="3"/>
           </p:nvPr>
         </p:nvSpPr>
         <p:spPr>
           <a:xfrm>
-            <a:off x="838200" y="6356350"/>
-            <a:ext cx="2743200" cy="365125"/>
+            <a:off x="2572279" y="5883275"/>
+            <a:ext cx="7084177" cy="365125"/>
           </a:xfrm>
           <a:prstGeom prst="rect">
             <a:avLst/>
@@ -2550,38 +5647,34 @@
           <a:bodyPr vert="horz" lIns="91440" tIns="45720" rIns="91440" bIns="45720" rtlCol="0" anchor="ctr"/>
           <a:lstStyle>
             <a:lvl1pPr algn="l">
-              <a:defRPr sz="1200">
-                <a:solidFill>
-                  <a:schemeClr val="tx1">
-                    <a:tint val="75000"/>
-                  </a:schemeClr>
-                </a:solidFill>
+              <a:defRPr sz="1000" b="0" i="0">
+                <a:solidFill>
+                  <a:schemeClr val="tx1"/>
+                </a:solidFill>
+                <a:effectLst/>
+                <a:latin typeface="+mn-lt"/>
               </a:defRPr>
             </a:lvl1pPr>
           </a:lstStyle>
           <a:p>
-            <a:fld id="{F582141F-E693-4F55-A5CB-368034658A9D}" type="datetimeFigureOut">
-              <a:rPr lang="en-US" smtClean="0"/>
-              <a:t>6/8/2015</a:t>
-            </a:fld>
             <a:endParaRPr lang="en-US"/>
           </a:p>
         </p:txBody>
       </p:sp>
       <p:sp>
         <p:nvSpPr>
-          <p:cNvPr id="5" name="Footer Placeholder 4"/>
-          <p:cNvSpPr>
-            <a:spLocks noGrp="1"/>
-          </p:cNvSpPr>
-          <p:nvPr>
-            <p:ph type="ftr" sz="quarter" idx="3"/>
+          <p:cNvPr id="6" name="Slide Number Placeholder 5"/>
+          <p:cNvSpPr>
+            <a:spLocks noGrp="1"/>
+          </p:cNvSpPr>
+          <p:nvPr>
+            <p:ph type="sldNum" sz="quarter" idx="4"/>
           </p:nvPr>
         </p:nvSpPr>
         <p:spPr>
           <a:xfrm>
-            <a:off x="4038600" y="6356350"/>
-            <a:ext cx="4114800" cy="365125"/>
+            <a:off x="10951856" y="5883275"/>
+            <a:ext cx="551167" cy="365125"/>
           </a:xfrm>
           <a:prstGeom prst="rect">
             <a:avLst/>
@@ -2590,50 +5683,13 @@
         <p:txBody>
           <a:bodyPr vert="horz" lIns="91440" tIns="45720" rIns="91440" bIns="45720" rtlCol="0" anchor="ctr"/>
           <a:lstStyle>
-            <a:lvl1pPr algn="ctr">
-              <a:defRPr sz="1200">
-                <a:solidFill>
-                  <a:schemeClr val="tx1">
-                    <a:tint val="75000"/>
-                  </a:schemeClr>
-                </a:solidFill>
-              </a:defRPr>
-            </a:lvl1pPr>
-          </a:lstStyle>
-          <a:p>
-            <a:endParaRPr lang="en-US"/>
-          </a:p>
-        </p:txBody>
-      </p:sp>
-      <p:sp>
-        <p:nvSpPr>
-          <p:cNvPr id="6" name="Slide Number Placeholder 5"/>
-          <p:cNvSpPr>
-            <a:spLocks noGrp="1"/>
-          </p:cNvSpPr>
-          <p:nvPr>
-            <p:ph type="sldNum" sz="quarter" idx="4"/>
-          </p:nvPr>
-        </p:nvSpPr>
-        <p:spPr>
-          <a:xfrm>
-            <a:off x="8610600" y="6356350"/>
-            <a:ext cx="2743200" cy="365125"/>
-          </a:xfrm>
-          <a:prstGeom prst="rect">
-            <a:avLst/>
-          </a:prstGeom>
-        </p:spPr>
-        <p:txBody>
-          <a:bodyPr vert="horz" lIns="91440" tIns="45720" rIns="91440" bIns="45720" rtlCol="0" anchor="ctr"/>
-          <a:lstStyle>
             <a:lvl1pPr algn="r">
-              <a:defRPr sz="1200">
-                <a:solidFill>
-                  <a:schemeClr val="tx1">
-                    <a:tint val="75000"/>
-                  </a:schemeClr>
-                </a:solidFill>
+              <a:defRPr sz="1000" b="0" i="0">
+                <a:solidFill>
+                  <a:schemeClr val="tx1"/>
+                </a:solidFill>
+                <a:effectLst/>
+                <a:latin typeface="+mn-lt"/>
               </a:defRPr>
             </a:lvl1pPr>
           </a:lstStyle>
@@ -2649,202 +5705,328 @@
     </p:spTree>
     <p:extLst>
       <p:ext uri="{BB962C8B-B14F-4D97-AF65-F5344CB8AC3E}">
-        <p14:creationId xmlns:p14="http://schemas.microsoft.com/office/powerpoint/2010/main" val="2772371469"/>
+        <p14:creationId xmlns:p14="http://schemas.microsoft.com/office/powerpoint/2010/main" val="3564145568"/>
       </p:ext>
     </p:extLst>
   </p:cSld>
   <p:clrMap bg1="lt1" tx1="dk1" bg2="lt2" tx2="dk2" accent1="accent1" accent2="accent2" accent3="accent3" accent4="accent4" accent5="accent5" accent6="accent6" hlink="hlink" folHlink="folHlink"/>
   <p:sldLayoutIdLst>
-    <p:sldLayoutId id="2147483649" r:id="rId1"/>
-    <p:sldLayoutId id="2147483650" r:id="rId2"/>
-    <p:sldLayoutId id="2147483651" r:id="rId3"/>
-    <p:sldLayoutId id="2147483652" r:id="rId4"/>
-    <p:sldLayoutId id="2147483653" r:id="rId5"/>
-    <p:sldLayoutId id="2147483654" r:id="rId6"/>
-    <p:sldLayoutId id="2147483655" r:id="rId7"/>
-    <p:sldLayoutId id="2147483656" r:id="rId8"/>
-    <p:sldLayoutId id="2147483657" r:id="rId9"/>
-    <p:sldLayoutId id="2147483658" r:id="rId10"/>
-    <p:sldLayoutId id="2147483659" r:id="rId11"/>
+    <p:sldLayoutId id="2147483661" r:id="rId1"/>
+    <p:sldLayoutId id="2147483662" r:id="rId2"/>
+    <p:sldLayoutId id="2147483663" r:id="rId3"/>
+    <p:sldLayoutId id="2147483664" r:id="rId4"/>
+    <p:sldLayoutId id="2147483665" r:id="rId5"/>
+    <p:sldLayoutId id="2147483666" r:id="rId6"/>
+    <p:sldLayoutId id="2147483667" r:id="rId7"/>
+    <p:sldLayoutId id="2147483668" r:id="rId8"/>
+    <p:sldLayoutId id="2147483669" r:id="rId9"/>
+    <p:sldLayoutId id="2147483670" r:id="rId10"/>
+    <p:sldLayoutId id="2147483671" r:id="rId11"/>
+    <p:sldLayoutId id="2147483672" r:id="rId12"/>
+    <p:sldLayoutId id="2147483673" r:id="rId13"/>
+    <p:sldLayoutId id="2147483674" r:id="rId14"/>
+    <p:sldLayoutId id="2147483675" r:id="rId15"/>
+    <p:sldLayoutId id="2147483676" r:id="rId16"/>
+    <p:sldLayoutId id="2147483677" r:id="rId17"/>
   </p:sldLayoutIdLst>
   <p:txStyles>
     <p:titleStyle>
-      <a:lvl1pPr algn="l" defTabSz="914400" rtl="0" eaLnBrk="1" latinLnBrk="0" hangingPunct="1">
-        <a:lnSpc>
-          <a:spcPct val="90000"/>
-        </a:lnSpc>
+      <a:lvl1pPr algn="ctr" defTabSz="457200" rtl="0" eaLnBrk="1" latinLnBrk="0" hangingPunct="1">
         <a:spcBef>
           <a:spcPct val="0"/>
         </a:spcBef>
         <a:buNone/>
-        <a:defRPr sz="4400" kern="1200">
+        <a:defRPr sz="4000" kern="1200" cap="none">
+          <a:ln w="3175" cmpd="sng">
+            <a:noFill/>
+          </a:ln>
           <a:solidFill>
             <a:schemeClr val="tx1"/>
           </a:solidFill>
+          <a:effectLst/>
           <a:latin typeface="+mj-lt"/>
           <a:ea typeface="+mj-ea"/>
           <a:cs typeface="+mj-cs"/>
         </a:defRPr>
       </a:lvl1pPr>
+      <a:lvl2pPr eaLnBrk="1" hangingPunct="1">
+        <a:defRPr>
+          <a:solidFill>
+            <a:schemeClr val="tx2"/>
+          </a:solidFill>
+        </a:defRPr>
+      </a:lvl2pPr>
+      <a:lvl3pPr eaLnBrk="1" hangingPunct="1">
+        <a:defRPr>
+          <a:solidFill>
+            <a:schemeClr val="tx2"/>
+          </a:solidFill>
+        </a:defRPr>
+      </a:lvl3pPr>
+      <a:lvl4pPr eaLnBrk="1" hangingPunct="1">
+        <a:defRPr>
+          <a:solidFill>
+            <a:schemeClr val="tx2"/>
+          </a:solidFill>
+        </a:defRPr>
+      </a:lvl4pPr>
+      <a:lvl5pPr eaLnBrk="1" hangingPunct="1">
+        <a:defRPr>
+          <a:solidFill>
+            <a:schemeClr val="tx2"/>
+          </a:solidFill>
+        </a:defRPr>
+      </a:lvl5pPr>
+      <a:lvl6pPr eaLnBrk="1" hangingPunct="1">
+        <a:defRPr>
+          <a:solidFill>
+            <a:schemeClr val="tx2"/>
+          </a:solidFill>
+        </a:defRPr>
+      </a:lvl6pPr>
+      <a:lvl7pPr eaLnBrk="1" hangingPunct="1">
+        <a:defRPr>
+          <a:solidFill>
+            <a:schemeClr val="tx2"/>
+          </a:solidFill>
+        </a:defRPr>
+      </a:lvl7pPr>
+      <a:lvl8pPr eaLnBrk="1" hangingPunct="1">
+        <a:defRPr>
+          <a:solidFill>
+            <a:schemeClr val="tx2"/>
+          </a:solidFill>
+        </a:defRPr>
+      </a:lvl8pPr>
+      <a:lvl9pPr eaLnBrk="1" hangingPunct="1">
+        <a:defRPr>
+          <a:solidFill>
+            <a:schemeClr val="tx2"/>
+          </a:solidFill>
+        </a:defRPr>
+      </a:lvl9pPr>
     </p:titleStyle>
     <p:bodyStyle>
-      <a:lvl1pPr marL="228600" indent="-228600" algn="l" defTabSz="914400" rtl="0" eaLnBrk="1" latinLnBrk="0" hangingPunct="1">
-        <a:lnSpc>
-          <a:spcPct val="90000"/>
-        </a:lnSpc>
+      <a:lvl1pPr marL="285750" indent="-285750" algn="l" defTabSz="457200" rtl="0" eaLnBrk="1" latinLnBrk="0" hangingPunct="1">
         <a:spcBef>
-          <a:spcPts val="1000"/>
+          <a:spcPct val="20000"/>
         </a:spcBef>
-        <a:buFont typeface="Arial" panose="020B0604020202020204" pitchFamily="34" charset="0"/>
+        <a:spcAft>
+          <a:spcPts val="600"/>
+        </a:spcAft>
+        <a:buClr>
+          <a:schemeClr val="accent1">
+            <a:lumMod val="75000"/>
+          </a:schemeClr>
+        </a:buClr>
+        <a:buSzPct val="145000"/>
+        <a:buFont typeface="Arial"/>
         <a:buChar char="•"/>
-        <a:defRPr sz="2800" kern="1200">
+        <a:defRPr sz="2400" kern="1200" cap="none">
           <a:solidFill>
             <a:schemeClr val="tx1"/>
           </a:solidFill>
+          <a:effectLst/>
           <a:latin typeface="+mn-lt"/>
           <a:ea typeface="+mn-ea"/>
           <a:cs typeface="+mn-cs"/>
         </a:defRPr>
       </a:lvl1pPr>
-      <a:lvl2pPr marL="685800" indent="-228600" algn="l" defTabSz="914400" rtl="0" eaLnBrk="1" latinLnBrk="0" hangingPunct="1">
-        <a:lnSpc>
-          <a:spcPct val="90000"/>
-        </a:lnSpc>
+      <a:lvl2pPr marL="742950" indent="-285750" algn="l" defTabSz="457200" rtl="0" eaLnBrk="1" latinLnBrk="0" hangingPunct="1">
         <a:spcBef>
-          <a:spcPts val="500"/>
+          <a:spcPct val="20000"/>
         </a:spcBef>
-        <a:buFont typeface="Arial" panose="020B0604020202020204" pitchFamily="34" charset="0"/>
+        <a:spcAft>
+          <a:spcPts val="600"/>
+        </a:spcAft>
+        <a:buClr>
+          <a:schemeClr val="accent1">
+            <a:lumMod val="75000"/>
+          </a:schemeClr>
+        </a:buClr>
+        <a:buSzPct val="145000"/>
+        <a:buFont typeface="Arial"/>
         <a:buChar char="•"/>
-        <a:defRPr sz="2400" kern="1200">
+        <a:defRPr sz="2000" kern="1200" cap="none">
           <a:solidFill>
             <a:schemeClr val="tx1"/>
           </a:solidFill>
+          <a:effectLst/>
           <a:latin typeface="+mn-lt"/>
           <a:ea typeface="+mn-ea"/>
           <a:cs typeface="+mn-cs"/>
         </a:defRPr>
       </a:lvl2pPr>
-      <a:lvl3pPr marL="1143000" indent="-228600" algn="l" defTabSz="914400" rtl="0" eaLnBrk="1" latinLnBrk="0" hangingPunct="1">
-        <a:lnSpc>
-          <a:spcPct val="90000"/>
-        </a:lnSpc>
+      <a:lvl3pPr marL="1200150" indent="-285750" algn="l" defTabSz="457200" rtl="0" eaLnBrk="1" latinLnBrk="0" hangingPunct="1">
         <a:spcBef>
-          <a:spcPts val="500"/>
+          <a:spcPct val="20000"/>
         </a:spcBef>
-        <a:buFont typeface="Arial" panose="020B0604020202020204" pitchFamily="34" charset="0"/>
+        <a:spcAft>
+          <a:spcPts val="600"/>
+        </a:spcAft>
+        <a:buClr>
+          <a:schemeClr val="accent1">
+            <a:lumMod val="75000"/>
+          </a:schemeClr>
+        </a:buClr>
+        <a:buSzPct val="145000"/>
+        <a:buFont typeface="Arial"/>
         <a:buChar char="•"/>
-        <a:defRPr sz="2000" kern="1200">
+        <a:defRPr sz="1800" kern="1200" cap="none">
           <a:solidFill>
             <a:schemeClr val="tx1"/>
           </a:solidFill>
+          <a:effectLst/>
           <a:latin typeface="+mn-lt"/>
           <a:ea typeface="+mn-ea"/>
           <a:cs typeface="+mn-cs"/>
         </a:defRPr>
       </a:lvl3pPr>
-      <a:lvl4pPr marL="1600200" indent="-228600" algn="l" defTabSz="914400" rtl="0" eaLnBrk="1" latinLnBrk="0" hangingPunct="1">
-        <a:lnSpc>
-          <a:spcPct val="90000"/>
-        </a:lnSpc>
+      <a:lvl4pPr marL="1543050" indent="-171450" algn="l" defTabSz="457200" rtl="0" eaLnBrk="1" latinLnBrk="0" hangingPunct="1">
         <a:spcBef>
-          <a:spcPts val="500"/>
+          <a:spcPct val="20000"/>
         </a:spcBef>
-        <a:buFont typeface="Arial" panose="020B0604020202020204" pitchFamily="34" charset="0"/>
+        <a:spcAft>
+          <a:spcPts val="600"/>
+        </a:spcAft>
+        <a:buClr>
+          <a:schemeClr val="accent1">
+            <a:lumMod val="75000"/>
+          </a:schemeClr>
+        </a:buClr>
+        <a:buSzPct val="145000"/>
+        <a:buFont typeface="Arial"/>
         <a:buChar char="•"/>
-        <a:defRPr sz="1800" kern="1200">
+        <a:defRPr sz="1600" kern="1200" cap="none">
           <a:solidFill>
             <a:schemeClr val="tx1"/>
           </a:solidFill>
+          <a:effectLst/>
           <a:latin typeface="+mn-lt"/>
           <a:ea typeface="+mn-ea"/>
           <a:cs typeface="+mn-cs"/>
         </a:defRPr>
       </a:lvl4pPr>
-      <a:lvl5pPr marL="2057400" indent="-228600" algn="l" defTabSz="914400" rtl="0" eaLnBrk="1" latinLnBrk="0" hangingPunct="1">
-        <a:lnSpc>
-          <a:spcPct val="90000"/>
-        </a:lnSpc>
+      <a:lvl5pPr marL="2000250" indent="-171450" algn="l" defTabSz="457200" rtl="0" eaLnBrk="1" latinLnBrk="0" hangingPunct="1">
         <a:spcBef>
-          <a:spcPts val="500"/>
+          <a:spcPct val="20000"/>
         </a:spcBef>
-        <a:buFont typeface="Arial" panose="020B0604020202020204" pitchFamily="34" charset="0"/>
+        <a:spcAft>
+          <a:spcPts val="600"/>
+        </a:spcAft>
+        <a:buClr>
+          <a:schemeClr val="accent1">
+            <a:lumMod val="75000"/>
+          </a:schemeClr>
+        </a:buClr>
+        <a:buSzPct val="145000"/>
+        <a:buFont typeface="Arial"/>
         <a:buChar char="•"/>
-        <a:defRPr sz="1800" kern="1200">
+        <a:defRPr sz="1400" kern="1200" cap="none">
           <a:solidFill>
             <a:schemeClr val="tx1"/>
           </a:solidFill>
+          <a:effectLst/>
           <a:latin typeface="+mn-lt"/>
           <a:ea typeface="+mn-ea"/>
           <a:cs typeface="+mn-cs"/>
         </a:defRPr>
       </a:lvl5pPr>
-      <a:lvl6pPr marL="2514600" indent="-228600" algn="l" defTabSz="914400" rtl="0" eaLnBrk="1" latinLnBrk="0" hangingPunct="1">
-        <a:lnSpc>
-          <a:spcPct val="90000"/>
-        </a:lnSpc>
+      <a:lvl6pPr marL="2514600" indent="-228600" algn="l" defTabSz="457200" rtl="0" eaLnBrk="1" latinLnBrk="0" hangingPunct="1">
         <a:spcBef>
-          <a:spcPts val="500"/>
+          <a:spcPct val="20000"/>
         </a:spcBef>
-        <a:buFont typeface="Arial" panose="020B0604020202020204" pitchFamily="34" charset="0"/>
+        <a:spcAft>
+          <a:spcPts val="600"/>
+        </a:spcAft>
+        <a:buClr>
+          <a:schemeClr val="accent1">
+            <a:lumMod val="75000"/>
+          </a:schemeClr>
+        </a:buClr>
+        <a:buSzPct val="145000"/>
+        <a:buFont typeface="Arial"/>
         <a:buChar char="•"/>
-        <a:defRPr sz="1800" kern="1200">
+        <a:defRPr sz="1400" kern="1200" cap="none">
           <a:solidFill>
             <a:schemeClr val="tx1"/>
           </a:solidFill>
+          <a:effectLst/>
           <a:latin typeface="+mn-lt"/>
           <a:ea typeface="+mn-ea"/>
           <a:cs typeface="+mn-cs"/>
         </a:defRPr>
       </a:lvl6pPr>
-      <a:lvl7pPr marL="2971800" indent="-228600" algn="l" defTabSz="914400" rtl="0" eaLnBrk="1" latinLnBrk="0" hangingPunct="1">
-        <a:lnSpc>
-          <a:spcPct val="90000"/>
-        </a:lnSpc>
+      <a:lvl7pPr marL="2971800" indent="-228600" algn="l" defTabSz="457200" rtl="0" eaLnBrk="1" latinLnBrk="0" hangingPunct="1">
         <a:spcBef>
-          <a:spcPts val="500"/>
+          <a:spcPct val="20000"/>
         </a:spcBef>
-        <a:buFont typeface="Arial" panose="020B0604020202020204" pitchFamily="34" charset="0"/>
+        <a:spcAft>
+          <a:spcPts val="600"/>
+        </a:spcAft>
+        <a:buClr>
+          <a:schemeClr val="accent1">
+            <a:lumMod val="75000"/>
+          </a:schemeClr>
+        </a:buClr>
+        <a:buSzPct val="145000"/>
+        <a:buFont typeface="Arial"/>
         <a:buChar char="•"/>
-        <a:defRPr sz="1800" kern="1200">
+        <a:defRPr sz="1400" kern="1200" cap="none">
           <a:solidFill>
             <a:schemeClr val="tx1"/>
           </a:solidFill>
+          <a:effectLst/>
           <a:latin typeface="+mn-lt"/>
           <a:ea typeface="+mn-ea"/>
           <a:cs typeface="+mn-cs"/>
         </a:defRPr>
       </a:lvl7pPr>
-      <a:lvl8pPr marL="3429000" indent="-228600" algn="l" defTabSz="914400" rtl="0" eaLnBrk="1" latinLnBrk="0" hangingPunct="1">
-        <a:lnSpc>
-          <a:spcPct val="90000"/>
-        </a:lnSpc>
+      <a:lvl8pPr marL="3429000" indent="-228600" algn="l" defTabSz="457200" rtl="0" eaLnBrk="1" latinLnBrk="0" hangingPunct="1">
         <a:spcBef>
-          <a:spcPts val="500"/>
+          <a:spcPct val="20000"/>
         </a:spcBef>
-        <a:buFont typeface="Arial" panose="020B0604020202020204" pitchFamily="34" charset="0"/>
+        <a:spcAft>
+          <a:spcPts val="600"/>
+        </a:spcAft>
+        <a:buClr>
+          <a:schemeClr val="accent1">
+            <a:lumMod val="75000"/>
+          </a:schemeClr>
+        </a:buClr>
+        <a:buSzPct val="145000"/>
+        <a:buFont typeface="Arial"/>
         <a:buChar char="•"/>
-        <a:defRPr sz="1800" kern="1200">
+        <a:defRPr sz="1400" kern="1200" cap="none">
           <a:solidFill>
             <a:schemeClr val="tx1"/>
           </a:solidFill>
+          <a:effectLst/>
           <a:latin typeface="+mn-lt"/>
           <a:ea typeface="+mn-ea"/>
           <a:cs typeface="+mn-cs"/>
         </a:defRPr>
       </a:lvl8pPr>
-      <a:lvl9pPr marL="3886200" indent="-228600" algn="l" defTabSz="914400" rtl="0" eaLnBrk="1" latinLnBrk="0" hangingPunct="1">
-        <a:lnSpc>
-          <a:spcPct val="90000"/>
-        </a:lnSpc>
+      <a:lvl9pPr marL="3886200" indent="-228600" algn="l" defTabSz="457200" rtl="0" eaLnBrk="1" latinLnBrk="0" hangingPunct="1">
         <a:spcBef>
-          <a:spcPts val="500"/>
+          <a:spcPct val="20000"/>
         </a:spcBef>
-        <a:buFont typeface="Arial" panose="020B0604020202020204" pitchFamily="34" charset="0"/>
+        <a:spcAft>
+          <a:spcPts val="600"/>
+        </a:spcAft>
+        <a:buClr>
+          <a:schemeClr val="accent1">
+            <a:lumMod val="75000"/>
+          </a:schemeClr>
+        </a:buClr>
+        <a:buSzPct val="145000"/>
+        <a:buFont typeface="Arial"/>
         <a:buChar char="•"/>
-        <a:defRPr sz="1800" kern="1200">
+        <a:defRPr sz="1400" kern="1200" cap="none">
           <a:solidFill>
             <a:schemeClr val="tx1"/>
           </a:solidFill>
+          <a:effectLst/>
           <a:latin typeface="+mn-lt"/>
           <a:ea typeface="+mn-ea"/>
           <a:cs typeface="+mn-cs"/>
@@ -2855,7 +6037,7 @@
       <a:defPPr>
         <a:defRPr lang="en-US"/>
       </a:defPPr>
-      <a:lvl1pPr marL="0" algn="l" defTabSz="914400" rtl="0" eaLnBrk="1" latinLnBrk="0" hangingPunct="1">
+      <a:lvl1pPr marL="0" algn="l" defTabSz="457200" rtl="0" eaLnBrk="1" latinLnBrk="0" hangingPunct="1">
         <a:defRPr sz="1800" kern="1200">
           <a:solidFill>
             <a:schemeClr val="tx1"/>
@@ -2865,7 +6047,7 @@
           <a:cs typeface="+mn-cs"/>
         </a:defRPr>
       </a:lvl1pPr>
-      <a:lvl2pPr marL="457200" algn="l" defTabSz="914400" rtl="0" eaLnBrk="1" latinLnBrk="0" hangingPunct="1">
+      <a:lvl2pPr marL="457200" algn="l" defTabSz="457200" rtl="0" eaLnBrk="1" latinLnBrk="0" hangingPunct="1">
         <a:defRPr sz="1800" kern="1200">
           <a:solidFill>
             <a:schemeClr val="tx1"/>
@@ -2875,7 +6057,7 @@
           <a:cs typeface="+mn-cs"/>
         </a:defRPr>
       </a:lvl2pPr>
-      <a:lvl3pPr marL="914400" algn="l" defTabSz="914400" rtl="0" eaLnBrk="1" latinLnBrk="0" hangingPunct="1">
+      <a:lvl3pPr marL="914400" algn="l" defTabSz="457200" rtl="0" eaLnBrk="1" latinLnBrk="0" hangingPunct="1">
         <a:defRPr sz="1800" kern="1200">
           <a:solidFill>
             <a:schemeClr val="tx1"/>
@@ -2885,7 +6067,7 @@
           <a:cs typeface="+mn-cs"/>
         </a:defRPr>
       </a:lvl3pPr>
-      <a:lvl4pPr marL="1371600" algn="l" defTabSz="914400" rtl="0" eaLnBrk="1" latinLnBrk="0" hangingPunct="1">
+      <a:lvl4pPr marL="1371600" algn="l" defTabSz="457200" rtl="0" eaLnBrk="1" latinLnBrk="0" hangingPunct="1">
         <a:defRPr sz="1800" kern="1200">
           <a:solidFill>
             <a:schemeClr val="tx1"/>
@@ -2895,7 +6077,7 @@
           <a:cs typeface="+mn-cs"/>
         </a:defRPr>
       </a:lvl4pPr>
-      <a:lvl5pPr marL="1828800" algn="l" defTabSz="914400" rtl="0" eaLnBrk="1" latinLnBrk="0" hangingPunct="1">
+      <a:lvl5pPr marL="1828800" algn="l" defTabSz="457200" rtl="0" eaLnBrk="1" latinLnBrk="0" hangingPunct="1">
         <a:defRPr sz="1800" kern="1200">
           <a:solidFill>
             <a:schemeClr val="tx1"/>
@@ -2905,7 +6087,7 @@
           <a:cs typeface="+mn-cs"/>
         </a:defRPr>
       </a:lvl5pPr>
-      <a:lvl6pPr marL="2286000" algn="l" defTabSz="914400" rtl="0" eaLnBrk="1" latinLnBrk="0" hangingPunct="1">
+      <a:lvl6pPr marL="2286000" algn="l" defTabSz="457200" rtl="0" eaLnBrk="1" latinLnBrk="0" hangingPunct="1">
         <a:defRPr sz="1800" kern="1200">
           <a:solidFill>
             <a:schemeClr val="tx1"/>
@@ -2915,7 +6097,7 @@
           <a:cs typeface="+mn-cs"/>
         </a:defRPr>
       </a:lvl6pPr>
-      <a:lvl7pPr marL="2743200" algn="l" defTabSz="914400" rtl="0" eaLnBrk="1" latinLnBrk="0" hangingPunct="1">
+      <a:lvl7pPr marL="2743200" algn="l" defTabSz="457200" rtl="0" eaLnBrk="1" latinLnBrk="0" hangingPunct="1">
         <a:defRPr sz="1800" kern="1200">
           <a:solidFill>
             <a:schemeClr val="tx1"/>
@@ -2925,7 +6107,7 @@
           <a:cs typeface="+mn-cs"/>
         </a:defRPr>
       </a:lvl7pPr>
-      <a:lvl8pPr marL="3200400" algn="l" defTabSz="914400" rtl="0" eaLnBrk="1" latinLnBrk="0" hangingPunct="1">
+      <a:lvl8pPr marL="3200400" algn="l" defTabSz="457200" rtl="0" eaLnBrk="1" latinLnBrk="0" hangingPunct="1">
         <a:defRPr sz="1800" kern="1200">
           <a:solidFill>
             <a:schemeClr val="tx1"/>
@@ -2935,7 +6117,7 @@
           <a:cs typeface="+mn-cs"/>
         </a:defRPr>
       </a:lvl8pPr>
-      <a:lvl9pPr marL="3657600" algn="l" defTabSz="914400" rtl="0" eaLnBrk="1" latinLnBrk="0" hangingPunct="1">
+      <a:lvl9pPr marL="3657600" algn="l" defTabSz="457200" rtl="0" eaLnBrk="1" latinLnBrk="0" hangingPunct="1">
         <a:defRPr sz="1800" kern="1200">
           <a:solidFill>
             <a:schemeClr val="tx1"/>
@@ -2967,10 +6149,454 @@
           <a:chExt cx="0" cy="0"/>
         </a:xfrm>
       </p:grpSpPr>
+      <p:sp>
+        <p:nvSpPr>
+          <p:cNvPr id="2" name="TextBox 1"/>
+          <p:cNvSpPr txBox="1"/>
+          <p:nvPr/>
+        </p:nvSpPr>
+        <p:spPr>
+          <a:xfrm>
+            <a:off x="2112135" y="1416676"/>
+            <a:ext cx="9556124" cy="1107996"/>
+          </a:xfrm>
+          <a:prstGeom prst="rect">
+            <a:avLst/>
+          </a:prstGeom>
+          <a:noFill/>
+        </p:spPr>
+        <p:txBody>
+          <a:bodyPr wrap="square" rtlCol="0">
+            <a:spAutoFit/>
+          </a:bodyPr>
+          <a:lstStyle/>
+          <a:p>
+            <a:pPr algn="ctr"/>
+            <a:r>
+              <a:rPr lang="en-US" sz="6600" dirty="0" smtClean="0"/>
+              <a:t>TUGAS BESAR</a:t>
+            </a:r>
+            <a:endParaRPr lang="en-US" sz="6600" dirty="0"/>
+          </a:p>
+        </p:txBody>
+      </p:sp>
+      <p:sp>
+        <p:nvSpPr>
+          <p:cNvPr id="3" name="TextBox 2"/>
+          <p:cNvSpPr txBox="1"/>
+          <p:nvPr/>
+        </p:nvSpPr>
+        <p:spPr>
+          <a:xfrm>
+            <a:off x="7881870" y="3670479"/>
+            <a:ext cx="4005330" cy="2062103"/>
+          </a:xfrm>
+          <a:prstGeom prst="rect">
+            <a:avLst/>
+          </a:prstGeom>
+          <a:noFill/>
+        </p:spPr>
+        <p:txBody>
+          <a:bodyPr wrap="square" rtlCol="0">
+            <a:spAutoFit/>
+          </a:bodyPr>
+          <a:lstStyle/>
+          <a:p>
+            <a:r>
+              <a:rPr lang="en-US" sz="3200" b="1" dirty="0" smtClean="0"/>
+              <a:t>Sandy Young</a:t>
+            </a:r>
+          </a:p>
+          <a:p>
+            <a:r>
+              <a:rPr lang="en-US" sz="3200" b="1" dirty="0" err="1" smtClean="0"/>
+              <a:t>Rizky</a:t>
+            </a:r>
+            <a:r>
+              <a:rPr lang="en-US" sz="3200" b="1" dirty="0" smtClean="0"/>
+              <a:t> Ade </a:t>
+            </a:r>
+            <a:r>
+              <a:rPr lang="en-US" sz="3200" b="1" dirty="0" err="1" smtClean="0"/>
+              <a:t>Mahendra</a:t>
+            </a:r>
+            <a:endParaRPr lang="en-US" sz="3200" b="1" dirty="0" smtClean="0"/>
+          </a:p>
+          <a:p>
+            <a:r>
+              <a:rPr lang="en-US" sz="3200" b="1" dirty="0" err="1" smtClean="0"/>
+              <a:t>Rizky</a:t>
+            </a:r>
+            <a:r>
+              <a:rPr lang="en-US" sz="3200" b="1" dirty="0" smtClean="0"/>
+              <a:t> Tri Putra</a:t>
+            </a:r>
+          </a:p>
+          <a:p>
+            <a:endParaRPr lang="en-US" sz="3200" b="1" dirty="0"/>
+          </a:p>
+        </p:txBody>
+      </p:sp>
     </p:spTree>
     <p:extLst>
       <p:ext uri="{BB962C8B-B14F-4D97-AF65-F5344CB8AC3E}">
         <p14:creationId xmlns:p14="http://schemas.microsoft.com/office/powerpoint/2010/main" val="3413589799"/>
+      </p:ext>
+    </p:extLst>
+  </p:cSld>
+  <p:clrMapOvr>
+    <a:masterClrMapping/>
+  </p:clrMapOvr>
+</p:sld>
+</file>
+
+<file path=ppt/slides/slide10.xml><?xml version="1.0" encoding="utf-8"?>
+<p:sld xmlns:a="http://schemas.openxmlformats.org/drawingml/2006/main" xmlns:r="http://schemas.openxmlformats.org/officeDocument/2006/relationships" xmlns:p="http://schemas.openxmlformats.org/presentationml/2006/main">
+  <p:cSld>
+    <p:spTree>
+      <p:nvGrpSpPr>
+        <p:cNvPr id="1" name=""/>
+        <p:cNvGrpSpPr/>
+        <p:nvPr/>
+      </p:nvGrpSpPr>
+      <p:grpSpPr>
+        <a:xfrm>
+          <a:off x="0" y="0"/>
+          <a:ext cx="0" cy="0"/>
+          <a:chOff x="0" y="0"/>
+          <a:chExt cx="0" cy="0"/>
+        </a:xfrm>
+      </p:grpSpPr>
+      <p:sp>
+        <p:nvSpPr>
+          <p:cNvPr id="2" name="Title 1"/>
+          <p:cNvSpPr>
+            <a:spLocks noGrp="1"/>
+          </p:cNvSpPr>
+          <p:nvPr>
+            <p:ph type="title"/>
+          </p:nvPr>
+        </p:nvSpPr>
+        <p:spPr>
+          <a:xfrm>
+            <a:off x="2331075" y="695459"/>
+            <a:ext cx="2449177" cy="622478"/>
+          </a:xfrm>
+        </p:spPr>
+        <p:txBody>
+          <a:bodyPr>
+            <a:noAutofit/>
+          </a:bodyPr>
+          <a:lstStyle/>
+          <a:p>
+            <a:r>
+              <a:rPr lang="en-US" sz="3600" dirty="0" smtClean="0"/>
+              <a:t>Edit Data</a:t>
+            </a:r>
+            <a:endParaRPr lang="en-US" sz="3600" dirty="0"/>
+          </a:p>
+        </p:txBody>
+      </p:sp>
+      <p:pic>
+        <p:nvPicPr>
+          <p:cNvPr id="4" name="Picture 3"/>
+          <p:cNvPicPr>
+            <a:picLocks noChangeAspect="1"/>
+          </p:cNvPicPr>
+          <p:nvPr/>
+        </p:nvPicPr>
+        <p:blipFill rotWithShape="1">
+          <a:blip r:embed="rId2"/>
+          <a:srcRect l="7305" t="11928" r="10737" b="31558"/>
+          <a:stretch/>
+        </p:blipFill>
+        <p:spPr>
+          <a:xfrm>
+            <a:off x="721217" y="1545465"/>
+            <a:ext cx="10663707" cy="4134118"/>
+          </a:xfrm>
+          <a:prstGeom prst="rect">
+            <a:avLst/>
+          </a:prstGeom>
+        </p:spPr>
+      </p:pic>
+    </p:spTree>
+    <p:extLst>
+      <p:ext uri="{BB962C8B-B14F-4D97-AF65-F5344CB8AC3E}">
+        <p14:creationId xmlns:p14="http://schemas.microsoft.com/office/powerpoint/2010/main" val="2955337659"/>
+      </p:ext>
+    </p:extLst>
+  </p:cSld>
+  <p:clrMapOvr>
+    <a:masterClrMapping/>
+  </p:clrMapOvr>
+</p:sld>
+</file>
+
+<file path=ppt/slides/slide11.xml><?xml version="1.0" encoding="utf-8"?>
+<p:sld xmlns:a="http://schemas.openxmlformats.org/drawingml/2006/main" xmlns:r="http://schemas.openxmlformats.org/officeDocument/2006/relationships" xmlns:p="http://schemas.openxmlformats.org/presentationml/2006/main">
+  <p:cSld>
+    <p:spTree>
+      <p:nvGrpSpPr>
+        <p:cNvPr id="1" name=""/>
+        <p:cNvGrpSpPr/>
+        <p:nvPr/>
+      </p:nvGrpSpPr>
+      <p:grpSpPr>
+        <a:xfrm>
+          <a:off x="0" y="0"/>
+          <a:ext cx="0" cy="0"/>
+          <a:chOff x="0" y="0"/>
+          <a:chExt cx="0" cy="0"/>
+        </a:xfrm>
+      </p:grpSpPr>
+      <p:sp>
+        <p:nvSpPr>
+          <p:cNvPr id="2" name="Title 1"/>
+          <p:cNvSpPr>
+            <a:spLocks noGrp="1"/>
+          </p:cNvSpPr>
+          <p:nvPr>
+            <p:ph type="title"/>
+          </p:nvPr>
+        </p:nvSpPr>
+        <p:spPr>
+          <a:xfrm>
+            <a:off x="1352282" y="502277"/>
+            <a:ext cx="3028725" cy="506568"/>
+          </a:xfrm>
+        </p:spPr>
+        <p:txBody>
+          <a:bodyPr>
+            <a:normAutofit fontScale="90000"/>
+          </a:bodyPr>
+          <a:lstStyle/>
+          <a:p>
+            <a:r>
+              <a:rPr lang="en-US" dirty="0" err="1" smtClean="0"/>
+              <a:t>Lihat</a:t>
+            </a:r>
+            <a:r>
+              <a:rPr lang="en-US" dirty="0" smtClean="0"/>
+              <a:t> Data</a:t>
+            </a:r>
+            <a:endParaRPr lang="en-US" dirty="0"/>
+          </a:p>
+        </p:txBody>
+      </p:sp>
+      <p:pic>
+        <p:nvPicPr>
+          <p:cNvPr id="4" name="Picture 3"/>
+          <p:cNvPicPr>
+            <a:picLocks noChangeAspect="1"/>
+          </p:cNvPicPr>
+          <p:nvPr/>
+        </p:nvPicPr>
+        <p:blipFill rotWithShape="1">
+          <a:blip r:embed="rId2"/>
+          <a:srcRect l="7305" t="11928" r="10737" b="31558"/>
+          <a:stretch/>
+        </p:blipFill>
+        <p:spPr>
+          <a:xfrm>
+            <a:off x="721217" y="1545465"/>
+            <a:ext cx="10663707" cy="4134118"/>
+          </a:xfrm>
+          <a:prstGeom prst="rect">
+            <a:avLst/>
+          </a:prstGeom>
+        </p:spPr>
+      </p:pic>
+    </p:spTree>
+    <p:extLst>
+      <p:ext uri="{BB962C8B-B14F-4D97-AF65-F5344CB8AC3E}">
+        <p14:creationId xmlns:p14="http://schemas.microsoft.com/office/powerpoint/2010/main" val="2895882987"/>
+      </p:ext>
+    </p:extLst>
+  </p:cSld>
+  <p:clrMapOvr>
+    <a:masterClrMapping/>
+  </p:clrMapOvr>
+</p:sld>
+</file>
+
+<file path=ppt/slides/slide12.xml><?xml version="1.0" encoding="utf-8"?>
+<p:sld xmlns:a="http://schemas.openxmlformats.org/drawingml/2006/main" xmlns:r="http://schemas.openxmlformats.org/officeDocument/2006/relationships" xmlns:p="http://schemas.openxmlformats.org/presentationml/2006/main">
+  <p:cSld>
+    <p:spTree>
+      <p:nvGrpSpPr>
+        <p:cNvPr id="1" name=""/>
+        <p:cNvGrpSpPr/>
+        <p:nvPr/>
+      </p:nvGrpSpPr>
+      <p:grpSpPr>
+        <a:xfrm>
+          <a:off x="0" y="0"/>
+          <a:ext cx="0" cy="0"/>
+          <a:chOff x="0" y="0"/>
+          <a:chExt cx="0" cy="0"/>
+        </a:xfrm>
+      </p:grpSpPr>
+      <p:pic>
+        <p:nvPicPr>
+          <p:cNvPr id="4" name="Picture 3"/>
+          <p:cNvPicPr>
+            <a:picLocks noChangeAspect="1"/>
+          </p:cNvPicPr>
+          <p:nvPr/>
+        </p:nvPicPr>
+        <p:blipFill rotWithShape="1">
+          <a:blip r:embed="rId2"/>
+          <a:srcRect l="29873" t="22315" r="14399" b="26276"/>
+          <a:stretch/>
+        </p:blipFill>
+        <p:spPr>
+          <a:xfrm>
+            <a:off x="1751527" y="1455313"/>
+            <a:ext cx="7250806" cy="3760632"/>
+          </a:xfrm>
+          <a:prstGeom prst="rect">
+            <a:avLst/>
+          </a:prstGeom>
+        </p:spPr>
+      </p:pic>
+      <p:sp>
+        <p:nvSpPr>
+          <p:cNvPr id="5" name="TextBox 4"/>
+          <p:cNvSpPr txBox="1"/>
+          <p:nvPr/>
+        </p:nvSpPr>
+        <p:spPr>
+          <a:xfrm>
+            <a:off x="2021983" y="528034"/>
+            <a:ext cx="2240924" cy="369332"/>
+          </a:xfrm>
+          <a:prstGeom prst="rect">
+            <a:avLst/>
+          </a:prstGeom>
+          <a:noFill/>
+        </p:spPr>
+        <p:txBody>
+          <a:bodyPr wrap="square" rtlCol="0">
+            <a:spAutoFit/>
+          </a:bodyPr>
+          <a:lstStyle/>
+          <a:p>
+            <a:r>
+              <a:rPr lang="en-US" b="1" dirty="0" smtClean="0"/>
+              <a:t>ID &amp; PWD </a:t>
+            </a:r>
+            <a:endParaRPr lang="en-US" b="1" dirty="0"/>
+          </a:p>
+        </p:txBody>
+      </p:sp>
+    </p:spTree>
+    <p:extLst>
+      <p:ext uri="{BB962C8B-B14F-4D97-AF65-F5344CB8AC3E}">
+        <p14:creationId xmlns:p14="http://schemas.microsoft.com/office/powerpoint/2010/main" val="4194457500"/>
+      </p:ext>
+    </p:extLst>
+  </p:cSld>
+  <p:clrMapOvr>
+    <a:masterClrMapping/>
+  </p:clrMapOvr>
+</p:sld>
+</file>
+
+<file path=ppt/slides/slide13.xml><?xml version="1.0" encoding="utf-8"?>
+<p:sld xmlns:a="http://schemas.openxmlformats.org/drawingml/2006/main" xmlns:r="http://schemas.openxmlformats.org/officeDocument/2006/relationships" xmlns:p="http://schemas.openxmlformats.org/presentationml/2006/main">
+  <p:cSld>
+    <p:spTree>
+      <p:nvGrpSpPr>
+        <p:cNvPr id="1" name=""/>
+        <p:cNvGrpSpPr/>
+        <p:nvPr/>
+      </p:nvGrpSpPr>
+      <p:grpSpPr>
+        <a:xfrm>
+          <a:off x="0" y="0"/>
+          <a:ext cx="0" cy="0"/>
+          <a:chOff x="0" y="0"/>
+          <a:chExt cx="0" cy="0"/>
+        </a:xfrm>
+      </p:grpSpPr>
+      <p:sp>
+        <p:nvSpPr>
+          <p:cNvPr id="4" name="TextBox 3"/>
+          <p:cNvSpPr txBox="1"/>
+          <p:nvPr/>
+        </p:nvSpPr>
+        <p:spPr>
+          <a:xfrm>
+            <a:off x="1545465" y="682580"/>
+            <a:ext cx="4146997" cy="369332"/>
+          </a:xfrm>
+          <a:prstGeom prst="rect">
+            <a:avLst/>
+          </a:prstGeom>
+          <a:noFill/>
+        </p:spPr>
+        <p:txBody>
+          <a:bodyPr wrap="square" rtlCol="0">
+            <a:spAutoFit/>
+          </a:bodyPr>
+          <a:lstStyle/>
+          <a:p>
+            <a:r>
+              <a:rPr lang="en-US" b="1" dirty="0" err="1" smtClean="0"/>
+              <a:t>Tidak</a:t>
+            </a:r>
+            <a:r>
+              <a:rPr lang="en-US" b="1" dirty="0" smtClean="0"/>
+              <a:t> </a:t>
+            </a:r>
+            <a:r>
+              <a:rPr lang="en-US" b="1" dirty="0" err="1" smtClean="0"/>
+              <a:t>ada</a:t>
+            </a:r>
+            <a:r>
+              <a:rPr lang="en-US" b="1" dirty="0" smtClean="0"/>
+              <a:t> ID </a:t>
+            </a:r>
+            <a:r>
+              <a:rPr lang="en-US" b="1" dirty="0" err="1" smtClean="0"/>
+              <a:t>dan</a:t>
+            </a:r>
+            <a:r>
+              <a:rPr lang="en-US" b="1" dirty="0" smtClean="0"/>
+              <a:t> PWD</a:t>
+            </a:r>
+            <a:endParaRPr lang="en-US" b="1" dirty="0"/>
+          </a:p>
+        </p:txBody>
+      </p:sp>
+      <p:pic>
+        <p:nvPicPr>
+          <p:cNvPr id="5" name="Picture 4"/>
+          <p:cNvPicPr>
+            <a:picLocks noChangeAspect="1"/>
+          </p:cNvPicPr>
+          <p:nvPr/>
+        </p:nvPicPr>
+        <p:blipFill rotWithShape="1">
+          <a:blip r:embed="rId2"/>
+          <a:srcRect l="30071" t="22491" r="14201" b="26452"/>
+          <a:stretch/>
+        </p:blipFill>
+        <p:spPr>
+          <a:xfrm>
+            <a:off x="3503054" y="1416676"/>
+            <a:ext cx="7250806" cy="3734873"/>
+          </a:xfrm>
+          <a:prstGeom prst="rect">
+            <a:avLst/>
+          </a:prstGeom>
+        </p:spPr>
+      </p:pic>
+    </p:spTree>
+    <p:extLst>
+      <p:ext uri="{BB962C8B-B14F-4D97-AF65-F5344CB8AC3E}">
+        <p14:creationId xmlns:p14="http://schemas.microsoft.com/office/powerpoint/2010/main" val="80469746"/>
       </p:ext>
     </p:extLst>
   </p:cSld>
@@ -3040,18 +6666,18 @@
         </p:nvSpPr>
         <p:spPr/>
         <p:txBody>
-          <a:bodyPr/>
+          <a:bodyPr>
+            <a:normAutofit/>
+          </a:bodyPr>
           <a:lstStyle/>
           <a:p>
             <a:r>
               <a:rPr lang="en-US" dirty="0" smtClean="0"/>
-              <a:t>Array of object</a:t>
-            </a:r>
-          </a:p>
-          <a:p>
+              <a:t>Array </a:t>
+            </a:r>
             <a:r>
               <a:rPr lang="en-US" dirty="0" smtClean="0"/>
-              <a:t>Array List</a:t>
+              <a:t>List</a:t>
             </a:r>
           </a:p>
           <a:p>
@@ -3259,6 +6885,39 @@
           </a:p>
         </p:txBody>
       </p:sp>
+      <p:pic>
+        <p:nvPicPr>
+          <p:cNvPr id="3" name="Picture 2"/>
+          <p:cNvPicPr>
+            <a:picLocks noChangeAspect="1"/>
+          </p:cNvPicPr>
+          <p:nvPr/>
+        </p:nvPicPr>
+        <p:blipFill rotWithShape="1">
+          <a:blip r:embed="rId2"/>
+          <a:srcRect l="7504" t="12279" r="37362" b="36840"/>
+          <a:stretch/>
+        </p:blipFill>
+        <p:spPr>
+          <a:xfrm>
+            <a:off x="1275007" y="2189409"/>
+            <a:ext cx="6329588" cy="3284113"/>
+          </a:xfrm>
+          <a:prstGeom prst="rect">
+            <a:avLst/>
+          </a:prstGeom>
+          <a:ln>
+            <a:noFill/>
+          </a:ln>
+          <a:effectLst>
+            <a:outerShdw blurRad="292100" dist="139700" dir="2700000" algn="tl" rotWithShape="0">
+              <a:srgbClr val="333333">
+                <a:alpha val="65000"/>
+              </a:srgbClr>
+            </a:outerShdw>
+          </a:effectLst>
+        </p:spPr>
+      </p:pic>
     </p:spTree>
     <p:extLst>
       <p:ext uri="{BB962C8B-B14F-4D97-AF65-F5344CB8AC3E}">
@@ -3272,10 +6931,393 @@
 </p:sld>
 </file>
 
+<file path=ppt/slides/slide5.xml><?xml version="1.0" encoding="utf-8"?>
+<p:sld xmlns:a="http://schemas.openxmlformats.org/drawingml/2006/main" xmlns:r="http://schemas.openxmlformats.org/officeDocument/2006/relationships" xmlns:p="http://schemas.openxmlformats.org/presentationml/2006/main">
+  <p:cSld>
+    <p:spTree>
+      <p:nvGrpSpPr>
+        <p:cNvPr id="1" name=""/>
+        <p:cNvGrpSpPr/>
+        <p:nvPr/>
+      </p:nvGrpSpPr>
+      <p:grpSpPr>
+        <a:xfrm>
+          <a:off x="0" y="0"/>
+          <a:ext cx="0" cy="0"/>
+          <a:chOff x="0" y="0"/>
+          <a:chExt cx="0" cy="0"/>
+        </a:xfrm>
+      </p:grpSpPr>
+      <p:pic>
+        <p:nvPicPr>
+          <p:cNvPr id="4" name="Picture 3"/>
+          <p:cNvPicPr>
+            <a:picLocks noChangeAspect="1"/>
+          </p:cNvPicPr>
+          <p:nvPr/>
+        </p:nvPicPr>
+        <p:blipFill rotWithShape="1">
+          <a:blip r:embed="rId2"/>
+          <a:srcRect l="15719" t="11048" r="28455" b="37896"/>
+          <a:stretch/>
+        </p:blipFill>
+        <p:spPr>
+          <a:xfrm>
+            <a:off x="386366" y="399244"/>
+            <a:ext cx="7263684" cy="3734875"/>
+          </a:xfrm>
+          <a:prstGeom prst="rect">
+            <a:avLst/>
+          </a:prstGeom>
+        </p:spPr>
+      </p:pic>
+    </p:spTree>
+    <p:extLst>
+      <p:ext uri="{BB962C8B-B14F-4D97-AF65-F5344CB8AC3E}">
+        <p14:creationId xmlns:p14="http://schemas.microsoft.com/office/powerpoint/2010/main" val="793076556"/>
+      </p:ext>
+    </p:extLst>
+  </p:cSld>
+  <p:clrMapOvr>
+    <a:masterClrMapping/>
+  </p:clrMapOvr>
+</p:sld>
+</file>
+
+<file path=ppt/slides/slide6.xml><?xml version="1.0" encoding="utf-8"?>
+<p:sld xmlns:a="http://schemas.openxmlformats.org/drawingml/2006/main" xmlns:r="http://schemas.openxmlformats.org/officeDocument/2006/relationships" xmlns:p="http://schemas.openxmlformats.org/presentationml/2006/main">
+  <p:cSld>
+    <p:spTree>
+      <p:nvGrpSpPr>
+        <p:cNvPr id="1" name=""/>
+        <p:cNvGrpSpPr/>
+        <p:nvPr/>
+      </p:nvGrpSpPr>
+      <p:grpSpPr>
+        <a:xfrm>
+          <a:off x="0" y="0"/>
+          <a:ext cx="0" cy="0"/>
+          <a:chOff x="0" y="0"/>
+          <a:chExt cx="0" cy="0"/>
+        </a:xfrm>
+      </p:grpSpPr>
+      <p:sp>
+        <p:nvSpPr>
+          <p:cNvPr id="2" name="Title 1"/>
+          <p:cNvSpPr>
+            <a:spLocks noGrp="1"/>
+          </p:cNvSpPr>
+          <p:nvPr>
+            <p:ph type="title"/>
+          </p:nvPr>
+        </p:nvSpPr>
+        <p:spPr>
+          <a:xfrm>
+            <a:off x="1484310" y="360608"/>
+            <a:ext cx="3144635" cy="403537"/>
+          </a:xfrm>
+        </p:spPr>
+        <p:txBody>
+          <a:bodyPr>
+            <a:normAutofit fontScale="90000"/>
+          </a:bodyPr>
+          <a:lstStyle/>
+          <a:p>
+            <a:r>
+              <a:rPr lang="en-US" sz="2800" dirty="0" err="1" smtClean="0"/>
+              <a:t>Bagian</a:t>
+            </a:r>
+            <a:r>
+              <a:rPr lang="en-US" sz="2800" dirty="0" smtClean="0"/>
+              <a:t> </a:t>
+            </a:r>
+            <a:r>
+              <a:rPr lang="en-US" sz="2800" dirty="0" err="1" smtClean="0"/>
+              <a:t>inputan</a:t>
+            </a:r>
+            <a:r>
+              <a:rPr lang="en-US" sz="2800" dirty="0" smtClean="0"/>
+              <a:t> data</a:t>
+            </a:r>
+            <a:endParaRPr lang="en-US" sz="2800" dirty="0"/>
+          </a:p>
+        </p:txBody>
+      </p:sp>
+      <p:pic>
+        <p:nvPicPr>
+          <p:cNvPr id="4" name="Picture 3"/>
+          <p:cNvPicPr>
+            <a:picLocks noChangeAspect="1"/>
+          </p:cNvPicPr>
+          <p:nvPr/>
+        </p:nvPicPr>
+        <p:blipFill rotWithShape="1">
+          <a:blip r:embed="rId2"/>
+          <a:srcRect l="6711" t="5413" r="55774" b="8143"/>
+          <a:stretch/>
+        </p:blipFill>
+        <p:spPr>
+          <a:xfrm>
+            <a:off x="736572" y="890789"/>
+            <a:ext cx="4606054" cy="5967211"/>
+          </a:xfrm>
+          <a:prstGeom prst="rect">
+            <a:avLst/>
+          </a:prstGeom>
+        </p:spPr>
+      </p:pic>
+      <p:pic>
+        <p:nvPicPr>
+          <p:cNvPr id="5" name="Picture 4"/>
+          <p:cNvPicPr>
+            <a:picLocks noChangeAspect="1"/>
+          </p:cNvPicPr>
+          <p:nvPr/>
+        </p:nvPicPr>
+        <p:blipFill rotWithShape="1">
+          <a:blip r:embed="rId3"/>
+          <a:srcRect l="6909" t="5413" r="55675" b="7966"/>
+          <a:stretch/>
+        </p:blipFill>
+        <p:spPr>
+          <a:xfrm>
+            <a:off x="5817041" y="231820"/>
+            <a:ext cx="4868214" cy="6336406"/>
+          </a:xfrm>
+          <a:prstGeom prst="rect">
+            <a:avLst/>
+          </a:prstGeom>
+        </p:spPr>
+      </p:pic>
+    </p:spTree>
+    <p:extLst>
+      <p:ext uri="{BB962C8B-B14F-4D97-AF65-F5344CB8AC3E}">
+        <p14:creationId xmlns:p14="http://schemas.microsoft.com/office/powerpoint/2010/main" val="2491067582"/>
+      </p:ext>
+    </p:extLst>
+  </p:cSld>
+  <p:clrMapOvr>
+    <a:masterClrMapping/>
+  </p:clrMapOvr>
+</p:sld>
+</file>
+
+<file path=ppt/slides/slide7.xml><?xml version="1.0" encoding="utf-8"?>
+<p:sld xmlns:a="http://schemas.openxmlformats.org/drawingml/2006/main" xmlns:r="http://schemas.openxmlformats.org/officeDocument/2006/relationships" xmlns:p="http://schemas.openxmlformats.org/presentationml/2006/main">
+  <p:cSld>
+    <p:spTree>
+      <p:nvGrpSpPr>
+        <p:cNvPr id="1" name=""/>
+        <p:cNvGrpSpPr/>
+        <p:nvPr/>
+      </p:nvGrpSpPr>
+      <p:grpSpPr>
+        <a:xfrm>
+          <a:off x="0" y="0"/>
+          <a:ext cx="0" cy="0"/>
+          <a:chOff x="0" y="0"/>
+          <a:chExt cx="0" cy="0"/>
+        </a:xfrm>
+      </p:grpSpPr>
+      <p:pic>
+        <p:nvPicPr>
+          <p:cNvPr id="5" name="Picture 4"/>
+          <p:cNvPicPr>
+            <a:picLocks noChangeAspect="1"/>
+          </p:cNvPicPr>
+          <p:nvPr/>
+        </p:nvPicPr>
+        <p:blipFill rotWithShape="1">
+          <a:blip r:embed="rId2"/>
+          <a:srcRect l="6810" t="5414" r="55477" b="7790"/>
+          <a:stretch/>
+        </p:blipFill>
+        <p:spPr>
+          <a:xfrm>
+            <a:off x="257577" y="167425"/>
+            <a:ext cx="4906852" cy="6349286"/>
+          </a:xfrm>
+          <a:prstGeom prst="rect">
+            <a:avLst/>
+          </a:prstGeom>
+        </p:spPr>
+      </p:pic>
+      <p:pic>
+        <p:nvPicPr>
+          <p:cNvPr id="6" name="Picture 5"/>
+          <p:cNvPicPr>
+            <a:picLocks noChangeAspect="1"/>
+          </p:cNvPicPr>
+          <p:nvPr/>
+        </p:nvPicPr>
+        <p:blipFill rotWithShape="1">
+          <a:blip r:embed="rId3"/>
+          <a:srcRect l="6711" t="5590" r="55279" b="8143"/>
+          <a:stretch/>
+        </p:blipFill>
+        <p:spPr>
+          <a:xfrm>
+            <a:off x="5847008" y="206063"/>
+            <a:ext cx="4945488" cy="6310648"/>
+          </a:xfrm>
+          <a:prstGeom prst="rect">
+            <a:avLst/>
+          </a:prstGeom>
+        </p:spPr>
+      </p:pic>
+    </p:spTree>
+    <p:extLst>
+      <p:ext uri="{BB962C8B-B14F-4D97-AF65-F5344CB8AC3E}">
+        <p14:creationId xmlns:p14="http://schemas.microsoft.com/office/powerpoint/2010/main" val="4173964246"/>
+      </p:ext>
+    </p:extLst>
+  </p:cSld>
+  <p:clrMapOvr>
+    <a:masterClrMapping/>
+  </p:clrMapOvr>
+</p:sld>
+</file>
+
+<file path=ppt/slides/slide8.xml><?xml version="1.0" encoding="utf-8"?>
+<p:sld xmlns:a="http://schemas.openxmlformats.org/drawingml/2006/main" xmlns:r="http://schemas.openxmlformats.org/officeDocument/2006/relationships" xmlns:p="http://schemas.openxmlformats.org/presentationml/2006/main">
+  <p:cSld>
+    <p:spTree>
+      <p:nvGrpSpPr>
+        <p:cNvPr id="1" name=""/>
+        <p:cNvGrpSpPr/>
+        <p:nvPr/>
+      </p:nvGrpSpPr>
+      <p:grpSpPr>
+        <a:xfrm>
+          <a:off x="0" y="0"/>
+          <a:ext cx="0" cy="0"/>
+          <a:chOff x="0" y="0"/>
+          <a:chExt cx="0" cy="0"/>
+        </a:xfrm>
+      </p:grpSpPr>
+      <p:pic>
+        <p:nvPicPr>
+          <p:cNvPr id="4" name="Picture 3"/>
+          <p:cNvPicPr>
+            <a:picLocks noChangeAspect="1"/>
+          </p:cNvPicPr>
+          <p:nvPr/>
+        </p:nvPicPr>
+        <p:blipFill rotWithShape="1">
+          <a:blip r:embed="rId2"/>
+          <a:srcRect l="6711" t="5766" r="55577" b="8143"/>
+          <a:stretch/>
+        </p:blipFill>
+        <p:spPr>
+          <a:xfrm>
+            <a:off x="2125014" y="309092"/>
+            <a:ext cx="4906851" cy="6297770"/>
+          </a:xfrm>
+          <a:prstGeom prst="rect">
+            <a:avLst/>
+          </a:prstGeom>
+        </p:spPr>
+      </p:pic>
+    </p:spTree>
+    <p:extLst>
+      <p:ext uri="{BB962C8B-B14F-4D97-AF65-F5344CB8AC3E}">
+        <p14:creationId xmlns:p14="http://schemas.microsoft.com/office/powerpoint/2010/main" val="1778493357"/>
+      </p:ext>
+    </p:extLst>
+  </p:cSld>
+  <p:clrMapOvr>
+    <a:masterClrMapping/>
+  </p:clrMapOvr>
+</p:sld>
+</file>
+
+<file path=ppt/slides/slide9.xml><?xml version="1.0" encoding="utf-8"?>
+<p:sld xmlns:a="http://schemas.openxmlformats.org/drawingml/2006/main" xmlns:r="http://schemas.openxmlformats.org/officeDocument/2006/relationships" xmlns:p="http://schemas.openxmlformats.org/presentationml/2006/main">
+  <p:cSld>
+    <p:spTree>
+      <p:nvGrpSpPr>
+        <p:cNvPr id="1" name=""/>
+        <p:cNvGrpSpPr/>
+        <p:nvPr/>
+      </p:nvGrpSpPr>
+      <p:grpSpPr>
+        <a:xfrm>
+          <a:off x="0" y="0"/>
+          <a:ext cx="0" cy="0"/>
+          <a:chOff x="0" y="0"/>
+          <a:chExt cx="0" cy="0"/>
+        </a:xfrm>
+      </p:grpSpPr>
+      <p:sp>
+        <p:nvSpPr>
+          <p:cNvPr id="4" name="TextBox 3"/>
+          <p:cNvSpPr txBox="1"/>
+          <p:nvPr/>
+        </p:nvSpPr>
+        <p:spPr>
+          <a:xfrm>
+            <a:off x="1622738" y="553792"/>
+            <a:ext cx="2575775" cy="369332"/>
+          </a:xfrm>
+          <a:prstGeom prst="rect">
+            <a:avLst/>
+          </a:prstGeom>
+          <a:noFill/>
+        </p:spPr>
+        <p:txBody>
+          <a:bodyPr wrap="square" rtlCol="0">
+            <a:spAutoFit/>
+          </a:bodyPr>
+          <a:lstStyle/>
+          <a:p>
+            <a:r>
+              <a:rPr lang="en-US" b="1" dirty="0" smtClean="0"/>
+              <a:t>Save</a:t>
+            </a:r>
+            <a:endParaRPr lang="en-US" b="1" dirty="0"/>
+          </a:p>
+        </p:txBody>
+      </p:sp>
+      <p:pic>
+        <p:nvPicPr>
+          <p:cNvPr id="5" name="Picture 4"/>
+          <p:cNvPicPr>
+            <a:picLocks noChangeAspect="1"/>
+          </p:cNvPicPr>
+          <p:nvPr/>
+        </p:nvPicPr>
+        <p:blipFill rotWithShape="1">
+          <a:blip r:embed="rId2"/>
+          <a:srcRect l="9680" t="14921" r="17071" b="37544"/>
+          <a:stretch/>
+        </p:blipFill>
+        <p:spPr>
+          <a:xfrm>
+            <a:off x="1455312" y="1648497"/>
+            <a:ext cx="9530367" cy="3477296"/>
+          </a:xfrm>
+          <a:prstGeom prst="rect">
+            <a:avLst/>
+          </a:prstGeom>
+        </p:spPr>
+      </p:pic>
+    </p:spTree>
+    <p:extLst>
+      <p:ext uri="{BB962C8B-B14F-4D97-AF65-F5344CB8AC3E}">
+        <p14:creationId xmlns:p14="http://schemas.microsoft.com/office/powerpoint/2010/main" val="4179574688"/>
+      </p:ext>
+    </p:extLst>
+  </p:cSld>
+  <p:clrMapOvr>
+    <a:masterClrMapping/>
+  </p:clrMapOvr>
+</p:sld>
+</file>
+
 <file path=ppt/theme/theme1.xml><?xml version="1.0" encoding="utf-8"?>
-<a:theme xmlns:a="http://schemas.openxmlformats.org/drawingml/2006/main" name="Office Theme">
+<a:theme xmlns:a="http://schemas.openxmlformats.org/drawingml/2006/main" name="Parallax">
   <a:themeElements>
-    <a:clrScheme name="Office">
+    <a:clrScheme name="Parallax">
       <a:dk1>
         <a:sysClr val="windowText" lastClr="000000"/>
       </a:dk1>
@@ -3283,52 +7325,52 @@
         <a:sysClr val="window" lastClr="FFFFFF"/>
       </a:lt1>
       <a:dk2>
-        <a:srgbClr val="44546A"/>
+        <a:srgbClr val="212121"/>
       </a:dk2>
       <a:lt2>
-        <a:srgbClr val="E7E6E6"/>
+        <a:srgbClr val="CDD0D1"/>
       </a:lt2>
       <a:accent1>
-        <a:srgbClr val="5B9BD5"/>
+        <a:srgbClr val="30ACEC"/>
       </a:accent1>
       <a:accent2>
-        <a:srgbClr val="ED7D31"/>
+        <a:srgbClr val="80C34F"/>
       </a:accent2>
       <a:accent3>
-        <a:srgbClr val="A5A5A5"/>
+        <a:srgbClr val="E29D3E"/>
       </a:accent3>
       <a:accent4>
-        <a:srgbClr val="FFC000"/>
+        <a:srgbClr val="D64A3B"/>
       </a:accent4>
       <a:accent5>
-        <a:srgbClr val="4472C4"/>
+        <a:srgbClr val="D64787"/>
       </a:accent5>
       <a:accent6>
-        <a:srgbClr val="70AD47"/>
+        <a:srgbClr val="A666E1"/>
       </a:accent6>
       <a:hlink>
-        <a:srgbClr val="0563C1"/>
+        <a:srgbClr val="3085ED"/>
       </a:hlink>
       <a:folHlink>
-        <a:srgbClr val="954F72"/>
+        <a:srgbClr val="82B6F4"/>
       </a:folHlink>
     </a:clrScheme>
-    <a:fontScheme name="Office">
+    <a:fontScheme name="Parallax">
       <a:majorFont>
-        <a:latin typeface="Calibri Light" panose="020F0302020204030204"/>
+        <a:latin typeface="Corbel" panose="020B0503020204020204"/>
         <a:ea typeface=""/>
         <a:cs typeface=""/>
-        <a:font script="Jpan" typeface="ＭＳ Ｐゴシック"/>
-        <a:font script="Hang" typeface="맑은 고딕"/>
-        <a:font script="Hans" typeface="宋体"/>
+        <a:font script="Jpan" typeface="HGｺﾞｼｯｸM"/>
+        <a:font script="Hang" typeface="HY엽서L"/>
+        <a:font script="Hans" typeface="华文楷体"/>
         <a:font script="Hant" typeface="新細明體"/>
-        <a:font script="Arab" typeface="Times New Roman"/>
-        <a:font script="Hebr" typeface="Times New Roman"/>
-        <a:font script="Thai" typeface="Angsana New"/>
+        <a:font script="Arab" typeface="Tahoma"/>
+        <a:font script="Hebr" typeface="Miriam"/>
+        <a:font script="Thai" typeface="DilleniaUPC"/>
         <a:font script="Ethi" typeface="Nyala"/>
         <a:font script="Beng" typeface="Vrinda"/>
         <a:font script="Gujr" typeface="Shruti"/>
-        <a:font script="Khmr" typeface="MoolBoran"/>
+        <a:font script="Khmr" typeface="DaunPenh"/>
         <a:font script="Knda" typeface="Tunga"/>
         <a:font script="Guru" typeface="Raavi"/>
         <a:font script="Cans" typeface="Euphemia"/>
@@ -3345,21 +7387,21 @@
         <a:font script="Laoo" typeface="DokChampa"/>
         <a:font script="Sinh" typeface="Iskoola Pota"/>
         <a:font script="Mong" typeface="Mongolian Baiti"/>
-        <a:font script="Viet" typeface="Times New Roman"/>
+        <a:font script="Viet" typeface="Arial"/>
         <a:font script="Uigh" typeface="Microsoft Uighur"/>
         <a:font script="Geor" typeface="Sylfaen"/>
       </a:majorFont>
       <a:minorFont>
-        <a:latin typeface="Calibri" panose="020F0502020204030204"/>
+        <a:latin typeface="Corbel" panose="020B0503020204020204"/>
         <a:ea typeface=""/>
         <a:cs typeface=""/>
-        <a:font script="Jpan" typeface="ＭＳ Ｐゴシック"/>
-        <a:font script="Hang" typeface="맑은 고딕"/>
-        <a:font script="Hans" typeface="宋体"/>
+        <a:font script="Jpan" typeface="HGｺﾞｼｯｸM"/>
+        <a:font script="Hang" typeface="HY엽서L"/>
+        <a:font script="Hans" typeface="华文楷体"/>
         <a:font script="Hant" typeface="新細明體"/>
-        <a:font script="Arab" typeface="Arial"/>
-        <a:font script="Hebr" typeface="Arial"/>
-        <a:font script="Thai" typeface="Cordia New"/>
+        <a:font script="Arab" typeface="Tahoma"/>
+        <a:font script="Hebr" typeface="Miriam"/>
+        <a:font script="Thai" typeface="DilleniaUPC"/>
         <a:font script="Ethi" typeface="Nyala"/>
         <a:font script="Beng" typeface="Vrinda"/>
         <a:font script="Gujr" typeface="Shruti"/>
@@ -3385,7 +7427,7 @@
         <a:font script="Geor" typeface="Sylfaen"/>
       </a:minorFont>
     </a:fontScheme>
-    <a:fmtScheme name="Office">
+    <a:fmtScheme name="Parallax">
       <a:fillStyleLst>
         <a:solidFill>
           <a:schemeClr val="phClr"/>
@@ -3394,23 +7436,13 @@
           <a:gsLst>
             <a:gs pos="0">
               <a:schemeClr val="phClr">
-                <a:lumMod val="110000"/>
-                <a:satMod val="105000"/>
-                <a:tint val="67000"/>
-              </a:schemeClr>
-            </a:gs>
-            <a:gs pos="50000">
-              <a:schemeClr val="phClr">
-                <a:lumMod val="105000"/>
-                <a:satMod val="103000"/>
-                <a:tint val="73000"/>
+                <a:tint val="60000"/>
+                <a:lumMod val="104000"/>
               </a:schemeClr>
             </a:gs>
             <a:gs pos="100000">
               <a:schemeClr val="phClr">
-                <a:lumMod val="105000"/>
-                <a:satMod val="109000"/>
-                <a:tint val="81000"/>
+                <a:tint val="84000"/>
               </a:schemeClr>
             </a:gs>
           </a:gsLst>
@@ -3420,50 +7452,42 @@
           <a:gsLst>
             <a:gs pos="0">
               <a:schemeClr val="phClr">
-                <a:satMod val="103000"/>
+                <a:tint val="96000"/>
                 <a:lumMod val="102000"/>
-                <a:tint val="94000"/>
-              </a:schemeClr>
-            </a:gs>
-            <a:gs pos="50000">
-              <a:schemeClr val="phClr">
-                <a:satMod val="110000"/>
-                <a:lumMod val="100000"/>
-                <a:shade val="100000"/>
               </a:schemeClr>
             </a:gs>
             <a:gs pos="100000">
               <a:schemeClr val="phClr">
-                <a:lumMod val="99000"/>
-                <a:satMod val="120000"/>
-                <a:shade val="78000"/>
+                <a:shade val="88000"/>
+                <a:lumMod val="94000"/>
               </a:schemeClr>
             </a:gs>
           </a:gsLst>
-          <a:lin ang="5400000" scaled="0"/>
+          <a:path path="circle">
+            <a:fillToRect l="50000" t="100000" r="100000" b="50000"/>
+          </a:path>
         </a:gradFill>
       </a:fillStyleLst>
       <a:lnStyleLst>
-        <a:ln w="6350" cap="flat" cmpd="sng" algn="ctr">
+        <a:ln w="9525" cap="rnd" cmpd="sng" algn="ctr">
+          <a:solidFill>
+            <a:schemeClr val="phClr">
+              <a:tint val="60000"/>
+            </a:schemeClr>
+          </a:solidFill>
+          <a:prstDash val="solid"/>
+        </a:ln>
+        <a:ln w="15875" cap="rnd" cmpd="sng" algn="ctr">
           <a:solidFill>
             <a:schemeClr val="phClr"/>
           </a:solidFill>
           <a:prstDash val="solid"/>
-          <a:miter lim="800000"/>
         </a:ln>
-        <a:ln w="12700" cap="flat" cmpd="sng" algn="ctr">
+        <a:ln w="22225" cap="rnd" cmpd="sng" algn="ctr">
           <a:solidFill>
             <a:schemeClr val="phClr"/>
           </a:solidFill>
           <a:prstDash val="solid"/>
-          <a:miter lim="800000"/>
-        </a:ln>
-        <a:ln w="19050" cap="flat" cmpd="sng" algn="ctr">
-          <a:solidFill>
-            <a:schemeClr val="phClr"/>
-          </a:solidFill>
-          <a:prstDash val="solid"/>
-          <a:miter lim="800000"/>
         </a:ln>
       </a:lnStyleLst>
       <a:effectStyleLst>
@@ -3471,55 +7495,68 @@
           <a:effectLst/>
         </a:effectStyle>
         <a:effectStyle>
-          <a:effectLst/>
+          <a:effectLst>
+            <a:reflection blurRad="12700" stA="26000" endPos="32000" dist="12700" dir="5400000" sy="-100000" rotWithShape="0"/>
+          </a:effectLst>
         </a:effectStyle>
         <a:effectStyle>
           <a:effectLst>
-            <a:outerShdw blurRad="57150" dist="19050" dir="5400000" algn="ctr" rotWithShape="0">
+            <a:outerShdw blurRad="38100" dist="25400" dir="5400000" rotWithShape="0">
               <a:srgbClr val="000000">
-                <a:alpha val="63000"/>
+                <a:alpha val="64000"/>
               </a:srgbClr>
             </a:outerShdw>
           </a:effectLst>
+          <a:scene3d>
+            <a:camera prst="orthographicFront">
+              <a:rot lat="0" lon="0" rev="0"/>
+            </a:camera>
+            <a:lightRig rig="threePt" dir="tl">
+              <a:rot lat="0" lon="0" rev="1200000"/>
+            </a:lightRig>
+          </a:scene3d>
+          <a:sp3d>
+            <a:bevelT w="25400" h="12700"/>
+          </a:sp3d>
         </a:effectStyle>
       </a:effectStyleLst>
       <a:bgFillStyleLst>
         <a:solidFill>
           <a:schemeClr val="phClr"/>
         </a:solidFill>
-        <a:solidFill>
-          <a:schemeClr val="phClr">
-            <a:tint val="95000"/>
-            <a:satMod val="170000"/>
-          </a:schemeClr>
-        </a:solidFill>
         <a:gradFill rotWithShape="1">
           <a:gsLst>
             <a:gs pos="0">
               <a:schemeClr val="phClr">
-                <a:tint val="93000"/>
-                <a:satMod val="150000"/>
-                <a:shade val="98000"/>
-                <a:lumMod val="102000"/>
-              </a:schemeClr>
-            </a:gs>
-            <a:gs pos="50000">
-              <a:schemeClr val="phClr">
-                <a:tint val="98000"/>
-                <a:satMod val="130000"/>
-                <a:shade val="90000"/>
-                <a:lumMod val="103000"/>
+                <a:tint val="90000"/>
+                <a:lumMod val="110000"/>
               </a:schemeClr>
             </a:gs>
             <a:gs pos="100000">
               <a:schemeClr val="phClr">
-                <a:shade val="63000"/>
-                <a:satMod val="120000"/>
+                <a:shade val="64000"/>
+                <a:lumMod val="98000"/>
               </a:schemeClr>
             </a:gs>
           </a:gsLst>
           <a:lin ang="5400000" scaled="0"/>
         </a:gradFill>
+        <a:blipFill rotWithShape="1">
+          <a:blip xmlns:r="http://schemas.openxmlformats.org/officeDocument/2006/relationships" r:embed="rId1">
+            <a:duotone>
+              <a:schemeClr val="phClr">
+                <a:shade val="76000"/>
+                <a:satMod val="180000"/>
+              </a:schemeClr>
+              <a:schemeClr val="phClr">
+                <a:tint val="80000"/>
+                <a:satMod val="120000"/>
+                <a:lumMod val="180000"/>
+              </a:schemeClr>
+            </a:duotone>
+          </a:blip>
+          <a:stretch/>
+        </a:blipFill>
       </a:bgFillStyleLst>
     </a:fmtScheme>
   </a:themeElements>
@@ -3527,7 +7564,7 @@
   <a:extraClrSchemeLst/>
   <a:extLst>
     <a:ext uri="{05A4C25C-085E-4340-85A3-A5531E510DB2}">
-      <thm15:themeFamily xmlns:thm15="http://schemas.microsoft.com/office/thememl/2012/main" name="Office Theme" id="{62F939B6-93AF-4DB8-9C6B-D6C7DFDC589F}" vid="{4A3C46E8-61CC-4603-A589-7422A47A8E4A}"/>
+      <thm15:themeFamily xmlns:thm15="http://schemas.microsoft.com/office/thememl/2012/main" name="Parallax" id="{3388167B-A2EB-4685-9635-1831D9AEF8C4}" vid="{4F7A876A-7598-49CA-AFC8-8EDA2551E4A7}"/>
     </a:ext>
   </a:extLst>
 </a:theme>
